--- a/Presentation Slides/airbnbPresentation.pptx
+++ b/Presentation Slides/airbnbPresentation.pptx
@@ -19,25 +19,20 @@
     <p:sldId id="289" r:id="rId13"/>
     <p:sldId id="290" r:id="rId14"/>
     <p:sldId id="291" r:id="rId15"/>
-    <p:sldId id="284" r:id="rId16"/>
-    <p:sldId id="283" r:id="rId17"/>
-    <p:sldId id="282" r:id="rId18"/>
-    <p:sldId id="280" r:id="rId19"/>
-    <p:sldId id="259" r:id="rId20"/>
-    <p:sldId id="275" r:id="rId21"/>
-    <p:sldId id="258" r:id="rId22"/>
-    <p:sldId id="260" r:id="rId23"/>
-    <p:sldId id="261" r:id="rId24"/>
-    <p:sldId id="262" r:id="rId25"/>
-    <p:sldId id="263" r:id="rId26"/>
-    <p:sldId id="264" r:id="rId27"/>
-    <p:sldId id="265" r:id="rId28"/>
-    <p:sldId id="266" r:id="rId29"/>
-    <p:sldId id="267" r:id="rId30"/>
-    <p:sldId id="268" r:id="rId31"/>
-    <p:sldId id="269" r:id="rId32"/>
-    <p:sldId id="270" r:id="rId33"/>
-    <p:sldId id="271" r:id="rId34"/>
+    <p:sldId id="275" r:id="rId16"/>
+    <p:sldId id="258" r:id="rId17"/>
+    <p:sldId id="260" r:id="rId18"/>
+    <p:sldId id="261" r:id="rId19"/>
+    <p:sldId id="262" r:id="rId20"/>
+    <p:sldId id="263" r:id="rId21"/>
+    <p:sldId id="264" r:id="rId22"/>
+    <p:sldId id="265" r:id="rId23"/>
+    <p:sldId id="266" r:id="rId24"/>
+    <p:sldId id="267" r:id="rId25"/>
+    <p:sldId id="268" r:id="rId26"/>
+    <p:sldId id="269" r:id="rId27"/>
+    <p:sldId id="270" r:id="rId28"/>
+    <p:sldId id="271" r:id="rId29"/>
   </p:sldIdLst>
   <p:sldSz cx="12192000" cy="6858000"/>
   <p:notesSz cx="6858000" cy="9144000"/>
@@ -4598,56 +4593,6 @@
       </p:sp>
       <p:sp>
         <p:nvSpPr>
-          <p:cNvPr id="6" name="Content Placeholder 2">
-            <a:extLst>
-              <a:ext uri="{FF2B5EF4-FFF2-40B4-BE49-F238E27FC236}">
-                <a16:creationId xmlns:a16="http://schemas.microsoft.com/office/drawing/2014/main" id="{DBD3A432-9AC2-914E-AE28-086F832CB8A9}"/>
-              </a:ext>
-            </a:extLst>
-          </p:cNvPr>
-          <p:cNvSpPr>
-            <a:spLocks noGrp="1"/>
-          </p:cNvSpPr>
-          <p:nvPr>
-            <p:ph idx="1"/>
-          </p:nvPr>
-        </p:nvSpPr>
-        <p:spPr>
-          <a:xfrm>
-            <a:off x="1954924" y="1240221"/>
-            <a:ext cx="9335814" cy="5467514"/>
-          </a:xfrm>
-        </p:spPr>
-        <p:txBody>
-          <a:bodyPr>
-            <a:normAutofit fontScale="85000" lnSpcReduction="20000"/>
-          </a:bodyPr>
-          <a:lstStyle/>
-          <a:p>
-            <a:pPr marL="0" indent="0">
-              <a:lnSpc>
-                <a:spcPct val="120000"/>
-              </a:lnSpc>
-              <a:buNone/>
-            </a:pPr>
-            <a:r>
-              <a:rPr lang="en-US" dirty="0"/>
-              <a:t>?</a:t>
-            </a:r>
-          </a:p>
-          <a:p>
-            <a:pPr marL="0" indent="0">
-              <a:lnSpc>
-                <a:spcPct val="120000"/>
-              </a:lnSpc>
-              <a:buNone/>
-            </a:pPr>
-            <a:endParaRPr lang="en-US" dirty="0"/>
-          </a:p>
-        </p:txBody>
-      </p:sp>
-      <p:sp>
-        <p:nvSpPr>
           <p:cNvPr id="7" name="Rectangle 6">
             <a:extLst>
               <a:ext uri="{FF2B5EF4-FFF2-40B4-BE49-F238E27FC236}">
@@ -4722,10 +4667,10 @@
       </p:sp>
       <p:pic>
         <p:nvPicPr>
-          <p:cNvPr id="3" name="Picture 2">
-            <a:extLst>
-              <a:ext uri="{FF2B5EF4-FFF2-40B4-BE49-F238E27FC236}">
-                <a16:creationId xmlns:a16="http://schemas.microsoft.com/office/drawing/2014/main" id="{FEAB15D5-1361-8F45-BD0B-637D2BDB6C39}"/>
+          <p:cNvPr id="9" name="Picture 8">
+            <a:extLst>
+              <a:ext uri="{FF2B5EF4-FFF2-40B4-BE49-F238E27FC236}">
+                <a16:creationId xmlns:a16="http://schemas.microsoft.com/office/drawing/2014/main" id="{3880D3C2-3857-F440-9F12-8A256029171A}"/>
               </a:ext>
             </a:extLst>
           </p:cNvPr>
@@ -4742,14 +4687,377 @@
         </p:blipFill>
         <p:spPr>
           <a:xfrm>
-            <a:off x="2381250" y="1835951"/>
-            <a:ext cx="7429500" cy="4178300"/>
+            <a:off x="4734517" y="1315708"/>
+            <a:ext cx="6772716" cy="3158461"/>
           </a:xfrm>
           <a:prstGeom prst="rect">
             <a:avLst/>
           </a:prstGeom>
+          <a:effectLst>
+            <a:outerShdw blurRad="152400" dist="38100" dir="2700000" algn="tl" rotWithShape="0">
+              <a:prstClr val="black">
+                <a:alpha val="40000"/>
+              </a:prstClr>
+            </a:outerShdw>
+          </a:effectLst>
         </p:spPr>
       </p:pic>
+      <p:pic>
+        <p:nvPicPr>
+          <p:cNvPr id="3" name="Picture 2">
+            <a:extLst>
+              <a:ext uri="{FF2B5EF4-FFF2-40B4-BE49-F238E27FC236}">
+                <a16:creationId xmlns:a16="http://schemas.microsoft.com/office/drawing/2014/main" id="{FEAB15D5-1361-8F45-BD0B-637D2BDB6C39}"/>
+              </a:ext>
+            </a:extLst>
+          </p:cNvPr>
+          <p:cNvPicPr>
+            <a:picLocks noChangeAspect="1"/>
+          </p:cNvPicPr>
+          <p:nvPr/>
+        </p:nvPicPr>
+        <p:blipFill rotWithShape="1">
+          <a:blip r:embed="rId3"/>
+          <a:srcRect l="4613" r="20573"/>
+          <a:stretch/>
+        </p:blipFill>
+        <p:spPr>
+          <a:xfrm>
+            <a:off x="6466916" y="2515975"/>
+            <a:ext cx="5400000" cy="4059267"/>
+          </a:xfrm>
+          <a:prstGeom prst="rect">
+            <a:avLst/>
+          </a:prstGeom>
+          <a:effectLst>
+            <a:outerShdw blurRad="152400" dist="38100" dir="2700000" algn="tl" rotWithShape="0">
+              <a:prstClr val="black">
+                <a:alpha val="40000"/>
+              </a:prstClr>
+            </a:outerShdw>
+          </a:effectLst>
+        </p:spPr>
+      </p:pic>
+      <p:pic>
+        <p:nvPicPr>
+          <p:cNvPr id="12" name="Picture 11">
+            <a:extLst>
+              <a:ext uri="{FF2B5EF4-FFF2-40B4-BE49-F238E27FC236}">
+                <a16:creationId xmlns:a16="http://schemas.microsoft.com/office/drawing/2014/main" id="{D9CAF0D3-C693-6E42-A2DC-B83F4EB894FA}"/>
+              </a:ext>
+            </a:extLst>
+          </p:cNvPr>
+          <p:cNvPicPr>
+            <a:picLocks noChangeAspect="1"/>
+          </p:cNvPicPr>
+          <p:nvPr/>
+        </p:nvPicPr>
+        <p:blipFill>
+          <a:blip r:embed="rId4"/>
+          <a:stretch>
+            <a:fillRect/>
+          </a:stretch>
+        </p:blipFill>
+        <p:spPr>
+          <a:xfrm rot="17902526">
+            <a:off x="6619888" y="2776373"/>
+            <a:ext cx="785737" cy="1309562"/>
+          </a:xfrm>
+          <a:prstGeom prst="rect">
+            <a:avLst/>
+          </a:prstGeom>
+        </p:spPr>
+      </p:pic>
+      <p:sp>
+        <p:nvSpPr>
+          <p:cNvPr id="14" name="Content Placeholder 2">
+            <a:extLst>
+              <a:ext uri="{FF2B5EF4-FFF2-40B4-BE49-F238E27FC236}">
+                <a16:creationId xmlns:a16="http://schemas.microsoft.com/office/drawing/2014/main" id="{D0A93715-D034-9E42-B1DF-86A1508AC155}"/>
+              </a:ext>
+            </a:extLst>
+          </p:cNvPr>
+          <p:cNvSpPr txBox="1">
+            <a:spLocks/>
+          </p:cNvSpPr>
+          <p:nvPr/>
+        </p:nvSpPr>
+        <p:spPr>
+          <a:xfrm>
+            <a:off x="1954924" y="1273751"/>
+            <a:ext cx="9909176" cy="5467514"/>
+          </a:xfrm>
+          <a:prstGeom prst="rect">
+            <a:avLst/>
+          </a:prstGeom>
+        </p:spPr>
+        <p:txBody>
+          <a:bodyPr vert="horz" lIns="91440" tIns="45720" rIns="91440" bIns="45720" rtlCol="0">
+            <a:normAutofit/>
+          </a:bodyPr>
+          <a:lstStyle>
+            <a:lvl1pPr marL="228600" indent="-228600" algn="l" defTabSz="914400" rtl="0" eaLnBrk="1" latinLnBrk="0" hangingPunct="1">
+              <a:lnSpc>
+                <a:spcPct val="90000"/>
+              </a:lnSpc>
+              <a:spcBef>
+                <a:spcPts val="1000"/>
+              </a:spcBef>
+              <a:buFont typeface="Arial" panose="020B0604020202020204" pitchFamily="34" charset="0"/>
+              <a:buChar char="•"/>
+              <a:defRPr sz="2800" kern="1200">
+                <a:solidFill>
+                  <a:schemeClr val="tx1"/>
+                </a:solidFill>
+                <a:latin typeface="+mn-lt"/>
+                <a:ea typeface="+mn-ea"/>
+                <a:cs typeface="+mn-cs"/>
+              </a:defRPr>
+            </a:lvl1pPr>
+            <a:lvl2pPr marL="685800" indent="-228600" algn="l" defTabSz="914400" rtl="0" eaLnBrk="1" latinLnBrk="0" hangingPunct="1">
+              <a:lnSpc>
+                <a:spcPct val="90000"/>
+              </a:lnSpc>
+              <a:spcBef>
+                <a:spcPts val="500"/>
+              </a:spcBef>
+              <a:buFont typeface="Arial" panose="020B0604020202020204" pitchFamily="34" charset="0"/>
+              <a:buChar char="•"/>
+              <a:defRPr sz="2400" kern="1200">
+                <a:solidFill>
+                  <a:schemeClr val="tx1"/>
+                </a:solidFill>
+                <a:latin typeface="+mn-lt"/>
+                <a:ea typeface="+mn-ea"/>
+                <a:cs typeface="+mn-cs"/>
+              </a:defRPr>
+            </a:lvl2pPr>
+            <a:lvl3pPr marL="1143000" indent="-228600" algn="l" defTabSz="914400" rtl="0" eaLnBrk="1" latinLnBrk="0" hangingPunct="1">
+              <a:lnSpc>
+                <a:spcPct val="90000"/>
+              </a:lnSpc>
+              <a:spcBef>
+                <a:spcPts val="500"/>
+              </a:spcBef>
+              <a:buFont typeface="Arial" panose="020B0604020202020204" pitchFamily="34" charset="0"/>
+              <a:buChar char="•"/>
+              <a:defRPr sz="2000" kern="1200">
+                <a:solidFill>
+                  <a:schemeClr val="tx1"/>
+                </a:solidFill>
+                <a:latin typeface="+mn-lt"/>
+                <a:ea typeface="+mn-ea"/>
+                <a:cs typeface="+mn-cs"/>
+              </a:defRPr>
+            </a:lvl3pPr>
+            <a:lvl4pPr marL="1600200" indent="-228600" algn="l" defTabSz="914400" rtl="0" eaLnBrk="1" latinLnBrk="0" hangingPunct="1">
+              <a:lnSpc>
+                <a:spcPct val="90000"/>
+              </a:lnSpc>
+              <a:spcBef>
+                <a:spcPts val="500"/>
+              </a:spcBef>
+              <a:buFont typeface="Arial" panose="020B0604020202020204" pitchFamily="34" charset="0"/>
+              <a:buChar char="•"/>
+              <a:defRPr sz="1800" kern="1200">
+                <a:solidFill>
+                  <a:schemeClr val="tx1"/>
+                </a:solidFill>
+                <a:latin typeface="+mn-lt"/>
+                <a:ea typeface="+mn-ea"/>
+                <a:cs typeface="+mn-cs"/>
+              </a:defRPr>
+            </a:lvl4pPr>
+            <a:lvl5pPr marL="2057400" indent="-228600" algn="l" defTabSz="914400" rtl="0" eaLnBrk="1" latinLnBrk="0" hangingPunct="1">
+              <a:lnSpc>
+                <a:spcPct val="90000"/>
+              </a:lnSpc>
+              <a:spcBef>
+                <a:spcPts val="500"/>
+              </a:spcBef>
+              <a:buFont typeface="Arial" panose="020B0604020202020204" pitchFamily="34" charset="0"/>
+              <a:buChar char="•"/>
+              <a:defRPr sz="1800" kern="1200">
+                <a:solidFill>
+                  <a:schemeClr val="tx1"/>
+                </a:solidFill>
+                <a:latin typeface="+mn-lt"/>
+                <a:ea typeface="+mn-ea"/>
+                <a:cs typeface="+mn-cs"/>
+              </a:defRPr>
+            </a:lvl5pPr>
+            <a:lvl6pPr marL="2514600" indent="-228600" algn="l" defTabSz="914400" rtl="0" eaLnBrk="1" latinLnBrk="0" hangingPunct="1">
+              <a:lnSpc>
+                <a:spcPct val="90000"/>
+              </a:lnSpc>
+              <a:spcBef>
+                <a:spcPts val="500"/>
+              </a:spcBef>
+              <a:buFont typeface="Arial" panose="020B0604020202020204" pitchFamily="34" charset="0"/>
+              <a:buChar char="•"/>
+              <a:defRPr sz="1800" kern="1200">
+                <a:solidFill>
+                  <a:schemeClr val="tx1"/>
+                </a:solidFill>
+                <a:latin typeface="+mn-lt"/>
+                <a:ea typeface="+mn-ea"/>
+                <a:cs typeface="+mn-cs"/>
+              </a:defRPr>
+            </a:lvl6pPr>
+            <a:lvl7pPr marL="2971800" indent="-228600" algn="l" defTabSz="914400" rtl="0" eaLnBrk="1" latinLnBrk="0" hangingPunct="1">
+              <a:lnSpc>
+                <a:spcPct val="90000"/>
+              </a:lnSpc>
+              <a:spcBef>
+                <a:spcPts val="500"/>
+              </a:spcBef>
+              <a:buFont typeface="Arial" panose="020B0604020202020204" pitchFamily="34" charset="0"/>
+              <a:buChar char="•"/>
+              <a:defRPr sz="1800" kern="1200">
+                <a:solidFill>
+                  <a:schemeClr val="tx1"/>
+                </a:solidFill>
+                <a:latin typeface="+mn-lt"/>
+                <a:ea typeface="+mn-ea"/>
+                <a:cs typeface="+mn-cs"/>
+              </a:defRPr>
+            </a:lvl7pPr>
+            <a:lvl8pPr marL="3429000" indent="-228600" algn="l" defTabSz="914400" rtl="0" eaLnBrk="1" latinLnBrk="0" hangingPunct="1">
+              <a:lnSpc>
+                <a:spcPct val="90000"/>
+              </a:lnSpc>
+              <a:spcBef>
+                <a:spcPts val="500"/>
+              </a:spcBef>
+              <a:buFont typeface="Arial" panose="020B0604020202020204" pitchFamily="34" charset="0"/>
+              <a:buChar char="•"/>
+              <a:defRPr sz="1800" kern="1200">
+                <a:solidFill>
+                  <a:schemeClr val="tx1"/>
+                </a:solidFill>
+                <a:latin typeface="+mn-lt"/>
+                <a:ea typeface="+mn-ea"/>
+                <a:cs typeface="+mn-cs"/>
+              </a:defRPr>
+            </a:lvl8pPr>
+            <a:lvl9pPr marL="3886200" indent="-228600" algn="l" defTabSz="914400" rtl="0" eaLnBrk="1" latinLnBrk="0" hangingPunct="1">
+              <a:lnSpc>
+                <a:spcPct val="90000"/>
+              </a:lnSpc>
+              <a:spcBef>
+                <a:spcPts val="500"/>
+              </a:spcBef>
+              <a:buFont typeface="Arial" panose="020B0604020202020204" pitchFamily="34" charset="0"/>
+              <a:buChar char="•"/>
+              <a:defRPr sz="1800" kern="1200">
+                <a:solidFill>
+                  <a:schemeClr val="tx1"/>
+                </a:solidFill>
+                <a:latin typeface="+mn-lt"/>
+                <a:ea typeface="+mn-ea"/>
+                <a:cs typeface="+mn-cs"/>
+              </a:defRPr>
+            </a:lvl9pPr>
+          </a:lstStyle>
+          <a:p>
+            <a:pPr>
+              <a:lnSpc>
+                <a:spcPct val="120000"/>
+              </a:lnSpc>
+            </a:pPr>
+            <a:r>
+              <a:rPr lang="en-US" sz="2400" dirty="0"/>
+              <a:t>Apartments were</a:t>
+            </a:r>
+            <a:br>
+              <a:rPr lang="en-US" sz="2400" dirty="0"/>
+            </a:br>
+            <a:r>
+              <a:rPr lang="en-US" sz="2400" dirty="0"/>
+              <a:t>the vast majority</a:t>
+            </a:r>
+            <a:br>
+              <a:rPr lang="en-US" sz="2400" dirty="0"/>
+            </a:br>
+            <a:r>
+              <a:rPr lang="en-US" sz="2400" dirty="0"/>
+              <a:t>of property types.</a:t>
+            </a:r>
+          </a:p>
+          <a:p>
+            <a:pPr>
+              <a:lnSpc>
+                <a:spcPct val="120000"/>
+              </a:lnSpc>
+            </a:pPr>
+            <a:r>
+              <a:rPr lang="en-US" sz="2400" dirty="0"/>
+              <a:t>Three other </a:t>
+            </a:r>
+            <a:br>
+              <a:rPr lang="en-US" sz="2400" dirty="0"/>
+            </a:br>
+            <a:r>
+              <a:rPr lang="en-US" sz="2400" dirty="0"/>
+              <a:t>property types</a:t>
+            </a:r>
+            <a:br>
+              <a:rPr lang="en-US" sz="2400" dirty="0"/>
+            </a:br>
+            <a:r>
+              <a:rPr lang="en-US" sz="2400" dirty="0"/>
+              <a:t>were showing</a:t>
+            </a:r>
+            <a:br>
+              <a:rPr lang="en-US" sz="2400" dirty="0"/>
+            </a:br>
+            <a:r>
+              <a:rPr lang="en-US" sz="2400" dirty="0"/>
+              <a:t>higher rates per</a:t>
+            </a:r>
+            <a:br>
+              <a:rPr lang="en-US" sz="2400" dirty="0"/>
+            </a:br>
+            <a:r>
+              <a:rPr lang="en-US" sz="2400" dirty="0"/>
+              <a:t>person</a:t>
+            </a:r>
+          </a:p>
+          <a:p>
+            <a:pPr>
+              <a:lnSpc>
+                <a:spcPct val="120000"/>
+              </a:lnSpc>
+            </a:pPr>
+            <a:r>
+              <a:rPr lang="en-US" sz="2400" dirty="0"/>
+              <a:t>It felt unwise to be basing</a:t>
+            </a:r>
+            <a:br>
+              <a:rPr lang="en-US" sz="2400" dirty="0"/>
+            </a:br>
+            <a:r>
+              <a:rPr lang="en-US" sz="2400" dirty="0"/>
+              <a:t>decisions on </a:t>
+            </a:r>
+            <a:r>
+              <a:rPr lang="en-US" sz="2400" dirty="0" err="1"/>
+              <a:t>anyting</a:t>
+            </a:r>
+            <a:r>
+              <a:rPr lang="en-US" sz="2400" dirty="0"/>
+              <a:t> other than</a:t>
+            </a:r>
+            <a:br>
+              <a:rPr lang="en-US" sz="2400" dirty="0"/>
+            </a:br>
+            <a:r>
+              <a:rPr lang="en-US" sz="2400" dirty="0"/>
+              <a:t>apartments</a:t>
+            </a:r>
+          </a:p>
+        </p:txBody>
+      </p:sp>
     </p:spTree>
     <p:extLst>
       <p:ext uri="{BB962C8B-B14F-4D97-AF65-F5344CB8AC3E}">
@@ -4801,15 +5109,15 @@
           </a:stretch>
         </p:blipFill>
         <p:spPr>
-          <a:xfrm rot="20980266">
-            <a:off x="6397210" y="2367460"/>
+          <a:xfrm>
+            <a:off x="6725823" y="2681785"/>
             <a:ext cx="5061965" cy="3817391"/>
           </a:xfrm>
           <a:prstGeom prst="rect">
             <a:avLst/>
           </a:prstGeom>
           <a:effectLst>
-            <a:outerShdw blurRad="50800" dist="38100" dir="2700000" algn="tl" rotWithShape="0">
+            <a:outerShdw blurRad="152400" dist="38100" dir="2700000" algn="tl" rotWithShape="0">
               <a:prstClr val="black">
                 <a:alpha val="40000"/>
               </a:prstClr>
@@ -5065,9 +5373,9 @@
           </a:stretch>
         </p:blipFill>
         <p:spPr bwMode="auto">
-          <a:xfrm rot="3813172">
-            <a:off x="7556861" y="2781267"/>
-            <a:ext cx="1320871" cy="1263442"/>
+          <a:xfrm rot="4670653">
+            <a:off x="8285727" y="3051090"/>
+            <a:ext cx="1362132" cy="1302909"/>
           </a:xfrm>
           <a:prstGeom prst="rect">
             <a:avLst/>
@@ -5112,8 +5420,8 @@
           </a:stretch>
         </p:blipFill>
         <p:spPr bwMode="auto">
-          <a:xfrm rot="1046593">
-            <a:off x="9404364" y="2460189"/>
+          <a:xfrm rot="1123718">
+            <a:off x="9795727" y="3005600"/>
             <a:ext cx="1330431" cy="1625355"/>
           </a:xfrm>
           <a:prstGeom prst="rect">
@@ -5163,42 +5471,6 @@
       </p:grpSpPr>
       <p:pic>
         <p:nvPicPr>
-          <p:cNvPr id="11" name="Picture 10">
-            <a:extLst>
-              <a:ext uri="{FF2B5EF4-FFF2-40B4-BE49-F238E27FC236}">
-                <a16:creationId xmlns:a16="http://schemas.microsoft.com/office/drawing/2014/main" id="{9E485ACD-BBB7-1646-825B-23D6E3E0E726}"/>
-              </a:ext>
-            </a:extLst>
-          </p:cNvPr>
-          <p:cNvPicPr>
-            <a:picLocks noChangeAspect="1"/>
-          </p:cNvPicPr>
-          <p:nvPr/>
-        </p:nvPicPr>
-        <p:blipFill rotWithShape="1">
-          <a:blip r:embed="rId2"/>
-          <a:srcRect l="-26" t="10948" r="8090" b="51988"/>
-          <a:stretch/>
-        </p:blipFill>
-        <p:spPr>
-          <a:xfrm rot="21285106">
-            <a:off x="5133213" y="2230757"/>
-            <a:ext cx="6629365" cy="4009021"/>
-          </a:xfrm>
-          <a:prstGeom prst="rect">
-            <a:avLst/>
-          </a:prstGeom>
-          <a:effectLst>
-            <a:outerShdw blurRad="50800" dist="38100" dir="2700000" algn="tl" rotWithShape="0">
-              <a:prstClr val="black">
-                <a:alpha val="40000"/>
-              </a:prstClr>
-            </a:outerShdw>
-          </a:effectLst>
-        </p:spPr>
-      </p:pic>
-      <p:pic>
-        <p:nvPicPr>
           <p:cNvPr id="8200" name="Picture 8" descr="Black Circle 1393*786 transprent Png Free Download - Happiness,  Calligraphy, Text. - CleanPNG / KissPNG">
             <a:extLst>
               <a:ext uri="{FF2B5EF4-FFF2-40B4-BE49-F238E27FC236}">
@@ -5212,7 +5484,7 @@
           <p:nvPr/>
         </p:nvPicPr>
         <p:blipFill rotWithShape="1">
-          <a:blip r:embed="rId3">
+          <a:blip r:embed="rId2">
             <a:extLst>
               <a:ext uri="{28A0092B-C50C-407E-A947-70E740481C1C}">
                 <a14:useLocalDpi xmlns:a14="http://schemas.microsoft.com/office/drawing/2010/main" val="0"/>
@@ -5224,7 +5496,7 @@
         </p:blipFill>
         <p:spPr bwMode="auto">
           <a:xfrm rot="950785">
-            <a:off x="1270511" y="3805647"/>
+            <a:off x="1627863" y="4587550"/>
             <a:ext cx="2808245" cy="1638143"/>
           </a:xfrm>
           <a:prstGeom prst="rect">
@@ -5240,6 +5512,42 @@
               </a14:hiddenFill>
             </a:ext>
           </a:extLst>
+        </p:spPr>
+      </p:pic>
+      <p:pic>
+        <p:nvPicPr>
+          <p:cNvPr id="11" name="Picture 10">
+            <a:extLst>
+              <a:ext uri="{FF2B5EF4-FFF2-40B4-BE49-F238E27FC236}">
+                <a16:creationId xmlns:a16="http://schemas.microsoft.com/office/drawing/2014/main" id="{9E485ACD-BBB7-1646-825B-23D6E3E0E726}"/>
+              </a:ext>
+            </a:extLst>
+          </p:cNvPr>
+          <p:cNvPicPr>
+            <a:picLocks noChangeAspect="1"/>
+          </p:cNvPicPr>
+          <p:nvPr/>
+        </p:nvPicPr>
+        <p:blipFill rotWithShape="1">
+          <a:blip r:embed="rId3"/>
+          <a:srcRect l="-26" t="10948" r="8090" b="51988"/>
+          <a:stretch/>
+        </p:blipFill>
+        <p:spPr>
+          <a:xfrm>
+            <a:off x="5190365" y="2587956"/>
+            <a:ext cx="6629365" cy="4009021"/>
+          </a:xfrm>
+          <a:prstGeom prst="rect">
+            <a:avLst/>
+          </a:prstGeom>
+          <a:effectLst>
+            <a:outerShdw blurRad="152400" dist="38100" dir="2700000" algn="tl" rotWithShape="0">
+              <a:prstClr val="black">
+                <a:alpha val="40000"/>
+              </a:prstClr>
+            </a:outerShdw>
+          </a:effectLst>
         </p:spPr>
       </p:pic>
       <p:sp>
@@ -5348,6 +5656,28 @@
             <a:r>
               <a:rPr lang="en-US" dirty="0"/>
               <a:t>common sense test.</a:t>
+            </a:r>
+            <a:br>
+              <a:rPr lang="en-US" dirty="0"/>
+            </a:br>
+            <a:endParaRPr lang="en-US" dirty="0"/>
+          </a:p>
+          <a:p>
+            <a:pPr>
+              <a:lnSpc>
+                <a:spcPct val="120000"/>
+              </a:lnSpc>
+            </a:pPr>
+            <a:r>
+              <a:rPr lang="en-US" dirty="0"/>
+              <a:t>At each wave a new</a:t>
+            </a:r>
+            <a:br>
+              <a:rPr lang="en-US" dirty="0"/>
+            </a:br>
+            <a:r>
+              <a:rPr lang="en-US" dirty="0"/>
+              <a:t>CSV was exported</a:t>
             </a:r>
           </a:p>
         </p:txBody>
@@ -5458,35 +5788,10 @@
       </p:grpSpPr>
       <p:sp>
         <p:nvSpPr>
-          <p:cNvPr id="2" name="Title 1">
-            <a:extLst>
-              <a:ext uri="{FF2B5EF4-FFF2-40B4-BE49-F238E27FC236}">
-                <a16:creationId xmlns:a16="http://schemas.microsoft.com/office/drawing/2014/main" id="{72A7D2B4-3A98-E44E-9D53-5EE0910C3C36}"/>
-              </a:ext>
-            </a:extLst>
-          </p:cNvPr>
-          <p:cNvSpPr>
-            <a:spLocks noGrp="1"/>
-          </p:cNvSpPr>
-          <p:nvPr>
-            <p:ph type="title"/>
-          </p:nvPr>
-        </p:nvSpPr>
-        <p:spPr/>
-        <p:txBody>
-          <a:bodyPr/>
-          <a:lstStyle/>
-          <a:p>
-            <a:endParaRPr lang="en-US"/>
-          </a:p>
-        </p:txBody>
-      </p:sp>
-      <p:sp>
-        <p:nvSpPr>
           <p:cNvPr id="3" name="Content Placeholder 2">
             <a:extLst>
               <a:ext uri="{FF2B5EF4-FFF2-40B4-BE49-F238E27FC236}">
-                <a16:creationId xmlns:a16="http://schemas.microsoft.com/office/drawing/2014/main" id="{39461998-4904-774E-B183-CA306ED202FB}"/>
+                <a16:creationId xmlns:a16="http://schemas.microsoft.com/office/drawing/2014/main" id="{0FB7235C-C25A-DD4F-9DA3-9B342DBBB755}"/>
               </a:ext>
             </a:extLst>
           </p:cNvPr>
@@ -5504,60 +5809,137 @@
           <a:p>
             <a:r>
               <a:rPr lang="en-AU" dirty="0"/>
-              <a:t>Filter out irrelevant data based on or initial  assessment of criteria (</a:t>
-            </a:r>
-            <a:r>
-              <a:rPr lang="en-AU" dirty="0" err="1"/>
-              <a:t>ie</a:t>
-            </a:r>
+              <a:t>As an indication to occupancy rates, we looked at the number of ratings per month for each listing in our data. We wanted to include the popularity of areas within Melbourne to our decision making as investors.</a:t>
+            </a:r>
+          </a:p>
+          <a:p>
+            <a:r>
+              <a:rPr lang="en-AU" b="1" dirty="0" err="1"/>
+              <a:t>LImitations</a:t>
+            </a:r>
+            <a:endParaRPr lang="en-AU" b="1" dirty="0"/>
+          </a:p>
+          <a:p>
             <a:r>
               <a:rPr lang="en-AU" dirty="0"/>
-              <a:t> removed areas over 12km) - </a:t>
-            </a:r>
-            <a:r>
-              <a:rPr lang="en-AU" dirty="0" err="1"/>
-              <a:t>Raph’s</a:t>
-            </a:r>
-            <a:r>
-              <a:rPr lang="en-AU" dirty="0"/>
-              <a:t> work</a:t>
-            </a:r>
-          </a:p>
-          <a:p>
-            <a:r>
-              <a:rPr lang="en-AU" dirty="0"/>
-              <a:t>Data clean of rubbish fields - My work</a:t>
-            </a:r>
-          </a:p>
-          <a:p>
-            <a:r>
-              <a:rPr lang="en-AU" dirty="0"/>
-              <a:t>Decision to only analyse apartments - </a:t>
-            </a:r>
-            <a:r>
-              <a:rPr lang="en-AU" dirty="0" err="1"/>
-              <a:t>Swobabika’s</a:t>
-            </a:r>
-            <a:r>
-              <a:rPr lang="en-AU" dirty="0"/>
-              <a:t> work</a:t>
-            </a:r>
-          </a:p>
-          <a:p>
-            <a:r>
-              <a:rPr lang="en-AU" dirty="0"/>
-              <a:t>Realisation that small data points are providing incorrect misleading outcomes ( dropping low data points)</a:t>
+              <a:t>We were unable source actual data for occupancy rates. Other data considered was availability of the listing but as a host can limit the availability of the listing, we felt that was even more problematic that the number of reviews posted.</a:t>
             </a:r>
           </a:p>
           <a:p>
             <a:endParaRPr lang="en-US" dirty="0"/>
+          </a:p>
+        </p:txBody>
+      </p:sp>
+      <p:sp>
+        <p:nvSpPr>
+          <p:cNvPr id="4" name="Rectangle 3">
+            <a:extLst>
+              <a:ext uri="{FF2B5EF4-FFF2-40B4-BE49-F238E27FC236}">
+                <a16:creationId xmlns:a16="http://schemas.microsoft.com/office/drawing/2014/main" id="{F555A6B0-A439-9443-A251-F97140853746}"/>
+              </a:ext>
+            </a:extLst>
+          </p:cNvPr>
+          <p:cNvSpPr/>
+          <p:nvPr/>
+        </p:nvSpPr>
+        <p:spPr>
+          <a:xfrm>
+            <a:off x="-115614" y="-136634"/>
+            <a:ext cx="357352" cy="7273158"/>
+          </a:xfrm>
+          <a:prstGeom prst="rect">
+            <a:avLst/>
+          </a:prstGeom>
+          <a:solidFill>
+            <a:schemeClr val="tx1"/>
+          </a:solidFill>
+          <a:ln>
+            <a:noFill/>
+          </a:ln>
+        </p:spPr>
+        <p:style>
+          <a:lnRef idx="2">
+            <a:schemeClr val="accent1">
+              <a:shade val="50000"/>
+            </a:schemeClr>
+          </a:lnRef>
+          <a:fillRef idx="1">
+            <a:schemeClr val="accent1"/>
+          </a:fillRef>
+          <a:effectRef idx="0">
+            <a:schemeClr val="accent1"/>
+          </a:effectRef>
+          <a:fontRef idx="minor">
+            <a:schemeClr val="lt1"/>
+          </a:fontRef>
+        </p:style>
+        <p:txBody>
+          <a:bodyPr rtlCol="0" anchor="ctr"/>
+          <a:lstStyle/>
+          <a:p>
+            <a:pPr algn="ctr"/>
+            <a:endParaRPr lang="en-US"/>
+          </a:p>
+        </p:txBody>
+      </p:sp>
+      <p:sp>
+        <p:nvSpPr>
+          <p:cNvPr id="7" name="Title 1">
+            <a:extLst>
+              <a:ext uri="{FF2B5EF4-FFF2-40B4-BE49-F238E27FC236}">
+                <a16:creationId xmlns:a16="http://schemas.microsoft.com/office/drawing/2014/main" id="{2D38CD6A-13E0-2D41-A70B-DFD822D16CE2}"/>
+              </a:ext>
+            </a:extLst>
+          </p:cNvPr>
+          <p:cNvSpPr txBox="1">
+            <a:spLocks/>
+          </p:cNvSpPr>
+          <p:nvPr/>
+        </p:nvSpPr>
+        <p:spPr>
+          <a:xfrm>
+            <a:off x="333703" y="115615"/>
+            <a:ext cx="10515600" cy="708080"/>
+          </a:xfrm>
+          <a:prstGeom prst="rect">
+            <a:avLst/>
+          </a:prstGeom>
+        </p:spPr>
+        <p:txBody>
+          <a:bodyPr vert="horz" lIns="91440" tIns="45720" rIns="91440" bIns="45720" rtlCol="0" anchor="ctr">
+            <a:normAutofit/>
+          </a:bodyPr>
+          <a:lstStyle>
+            <a:lvl1pPr algn="l" defTabSz="914400" rtl="0" eaLnBrk="1" latinLnBrk="0" hangingPunct="1">
+              <a:lnSpc>
+                <a:spcPct val="90000"/>
+              </a:lnSpc>
+              <a:spcBef>
+                <a:spcPct val="0"/>
+              </a:spcBef>
+              <a:buNone/>
+              <a:defRPr sz="4400" kern="1200">
+                <a:solidFill>
+                  <a:schemeClr val="tx1"/>
+                </a:solidFill>
+                <a:latin typeface="+mj-lt"/>
+                <a:ea typeface="+mj-ea"/>
+                <a:cs typeface="+mj-cs"/>
+              </a:defRPr>
+            </a:lvl1pPr>
+          </a:lstStyle>
+          <a:p>
+            <a:r>
+              <a:rPr lang="en-US" dirty="0"/>
+              <a:t>Indication of occupancy – All property types</a:t>
+            </a:r>
           </a:p>
         </p:txBody>
       </p:sp>
     </p:spTree>
     <p:extLst>
       <p:ext uri="{BB962C8B-B14F-4D97-AF65-F5344CB8AC3E}">
-        <p14:creationId xmlns:p14="http://schemas.microsoft.com/office/powerpoint/2010/main" val="584785550"/>
+        <p14:creationId xmlns:p14="http://schemas.microsoft.com/office/powerpoint/2010/main" val="575191998"/>
       </p:ext>
     </p:extLst>
   </p:cSld>
@@ -5586,10 +5968,79 @@
       </p:grpSpPr>
       <p:sp>
         <p:nvSpPr>
-          <p:cNvPr id="4" name="Rectangle 3">
-            <a:extLst>
-              <a:ext uri="{FF2B5EF4-FFF2-40B4-BE49-F238E27FC236}">
-                <a16:creationId xmlns:a16="http://schemas.microsoft.com/office/drawing/2014/main" id="{F555A6B0-A439-9443-A251-F97140853746}"/>
+          <p:cNvPr id="2" name="Title 1">
+            <a:extLst>
+              <a:ext uri="{FF2B5EF4-FFF2-40B4-BE49-F238E27FC236}">
+                <a16:creationId xmlns:a16="http://schemas.microsoft.com/office/drawing/2014/main" id="{29A24FC4-E6EA-D141-ABFE-77572F638708}"/>
+              </a:ext>
+            </a:extLst>
+          </p:cNvPr>
+          <p:cNvSpPr>
+            <a:spLocks noGrp="1"/>
+          </p:cNvSpPr>
+          <p:nvPr>
+            <p:ph type="title"/>
+          </p:nvPr>
+        </p:nvSpPr>
+        <p:spPr>
+          <a:xfrm>
+            <a:off x="922284" y="823694"/>
+            <a:ext cx="10018983" cy="412641"/>
+          </a:xfrm>
+        </p:spPr>
+        <p:txBody>
+          <a:bodyPr>
+            <a:normAutofit/>
+          </a:bodyPr>
+          <a:lstStyle/>
+          <a:p>
+            <a:r>
+              <a:rPr lang="en-US" sz="1600" b="1" dirty="0" err="1"/>
+              <a:t>Neighbourhood</a:t>
+            </a:r>
+            <a:r>
+              <a:rPr lang="en-US" sz="1600" b="1" dirty="0"/>
+              <a:t>  - Summary Table</a:t>
+            </a:r>
+            <a:endParaRPr lang="en-US" sz="1600" dirty="0"/>
+          </a:p>
+        </p:txBody>
+      </p:sp>
+      <p:pic>
+        <p:nvPicPr>
+          <p:cNvPr id="5" name="Content Placeholder 4">
+            <a:extLst>
+              <a:ext uri="{FF2B5EF4-FFF2-40B4-BE49-F238E27FC236}">
+                <a16:creationId xmlns:a16="http://schemas.microsoft.com/office/drawing/2014/main" id="{E8B20747-F340-3C44-9AD0-F47DF3A697DE}"/>
+              </a:ext>
+            </a:extLst>
+          </p:cNvPr>
+          <p:cNvPicPr>
+            <a:picLocks noGrp="1" noChangeAspect="1"/>
+          </p:cNvPicPr>
+          <p:nvPr>
+            <p:ph idx="1"/>
+          </p:nvPr>
+        </p:nvPicPr>
+        <p:blipFill>
+          <a:blip r:embed="rId2"/>
+          <a:stretch>
+            <a:fillRect/>
+          </a:stretch>
+        </p:blipFill>
+        <p:spPr>
+          <a:xfrm>
+            <a:off x="1007977" y="2136227"/>
+            <a:ext cx="10176041" cy="4351338"/>
+          </a:xfrm>
+        </p:spPr>
+      </p:pic>
+      <p:sp>
+        <p:nvSpPr>
+          <p:cNvPr id="6" name="Oval 5">
+            <a:extLst>
+              <a:ext uri="{FF2B5EF4-FFF2-40B4-BE49-F238E27FC236}">
+                <a16:creationId xmlns:a16="http://schemas.microsoft.com/office/drawing/2014/main" id="{4CF9222E-7869-824B-BD5D-95E8659D3C77}"/>
               </a:ext>
             </a:extLst>
           </p:cNvPr>
@@ -5598,17 +6049,17 @@
         </p:nvSpPr>
         <p:spPr>
           <a:xfrm>
-            <a:off x="-115614" y="-136634"/>
-            <a:ext cx="357352" cy="7273158"/>
-          </a:xfrm>
-          <a:prstGeom prst="rect">
+            <a:off x="3258206" y="2824545"/>
+            <a:ext cx="1187669" cy="430924"/>
+          </a:xfrm>
+          <a:prstGeom prst="ellipse">
             <a:avLst/>
           </a:prstGeom>
-          <a:solidFill>
-            <a:schemeClr val="tx1"/>
-          </a:solidFill>
-          <a:ln>
-            <a:noFill/>
+          <a:noFill/>
+          <a:ln w="38100">
+            <a:solidFill>
+              <a:srgbClr val="FF0000"/>
+            </a:solidFill>
           </a:ln>
         </p:spPr>
         <p:style>
@@ -5638,10 +6089,114 @@
       </p:sp>
       <p:sp>
         <p:nvSpPr>
-          <p:cNvPr id="8" name="Title 1">
-            <a:extLst>
-              <a:ext uri="{FF2B5EF4-FFF2-40B4-BE49-F238E27FC236}">
-                <a16:creationId xmlns:a16="http://schemas.microsoft.com/office/drawing/2014/main" id="{DFD2B9D5-1FFB-004F-BAAE-9EAF622D38AD}"/>
+          <p:cNvPr id="7" name="Oval 6">
+            <a:extLst>
+              <a:ext uri="{FF2B5EF4-FFF2-40B4-BE49-F238E27FC236}">
+                <a16:creationId xmlns:a16="http://schemas.microsoft.com/office/drawing/2014/main" id="{C152FF89-3FE1-0E4D-9493-5FAB571BEBA8}"/>
+              </a:ext>
+            </a:extLst>
+          </p:cNvPr>
+          <p:cNvSpPr/>
+          <p:nvPr/>
+        </p:nvSpPr>
+        <p:spPr>
+          <a:xfrm>
+            <a:off x="4908329" y="2798269"/>
+            <a:ext cx="1187669" cy="430924"/>
+          </a:xfrm>
+          <a:prstGeom prst="ellipse">
+            <a:avLst/>
+          </a:prstGeom>
+          <a:noFill/>
+          <a:ln w="38100">
+            <a:solidFill>
+              <a:srgbClr val="FF0000"/>
+            </a:solidFill>
+          </a:ln>
+        </p:spPr>
+        <p:style>
+          <a:lnRef idx="2">
+            <a:schemeClr val="accent1">
+              <a:shade val="50000"/>
+            </a:schemeClr>
+          </a:lnRef>
+          <a:fillRef idx="1">
+            <a:schemeClr val="accent1"/>
+          </a:fillRef>
+          <a:effectRef idx="0">
+            <a:schemeClr val="accent1"/>
+          </a:effectRef>
+          <a:fontRef idx="minor">
+            <a:schemeClr val="lt1"/>
+          </a:fontRef>
+        </p:style>
+        <p:txBody>
+          <a:bodyPr rtlCol="0" anchor="ctr"/>
+          <a:lstStyle/>
+          <a:p>
+            <a:pPr algn="ctr"/>
+            <a:endParaRPr lang="en-US"/>
+          </a:p>
+        </p:txBody>
+      </p:sp>
+      <p:sp>
+        <p:nvSpPr>
+          <p:cNvPr id="8" name="Oval 7">
+            <a:extLst>
+              <a:ext uri="{FF2B5EF4-FFF2-40B4-BE49-F238E27FC236}">
+                <a16:creationId xmlns:a16="http://schemas.microsoft.com/office/drawing/2014/main" id="{49730498-3C57-F64D-8435-37321D82D75F}"/>
+              </a:ext>
+            </a:extLst>
+          </p:cNvPr>
+          <p:cNvSpPr/>
+          <p:nvPr/>
+        </p:nvSpPr>
+        <p:spPr>
+          <a:xfrm>
+            <a:off x="6401306" y="2824545"/>
+            <a:ext cx="1187669" cy="430924"/>
+          </a:xfrm>
+          <a:prstGeom prst="ellipse">
+            <a:avLst/>
+          </a:prstGeom>
+          <a:noFill/>
+          <a:ln w="38100">
+            <a:solidFill>
+              <a:srgbClr val="FF0000"/>
+            </a:solidFill>
+          </a:ln>
+        </p:spPr>
+        <p:style>
+          <a:lnRef idx="2">
+            <a:schemeClr val="accent1">
+              <a:shade val="50000"/>
+            </a:schemeClr>
+          </a:lnRef>
+          <a:fillRef idx="1">
+            <a:schemeClr val="accent1"/>
+          </a:fillRef>
+          <a:effectRef idx="0">
+            <a:schemeClr val="accent1"/>
+          </a:effectRef>
+          <a:fontRef idx="minor">
+            <a:schemeClr val="lt1"/>
+          </a:fontRef>
+        </p:style>
+        <p:txBody>
+          <a:bodyPr rtlCol="0" anchor="ctr"/>
+          <a:lstStyle/>
+          <a:p>
+            <a:pPr algn="ctr"/>
+            <a:endParaRPr lang="en-US"/>
+          </a:p>
+        </p:txBody>
+      </p:sp>
+      <p:sp>
+        <p:nvSpPr>
+          <p:cNvPr id="10" name="Title 1">
+            <a:extLst>
+              <a:ext uri="{FF2B5EF4-FFF2-40B4-BE49-F238E27FC236}">
+                <a16:creationId xmlns:a16="http://schemas.microsoft.com/office/drawing/2014/main" id="{E7113B67-E30C-D147-896B-A166FFCA86D2}"/>
               </a:ext>
             </a:extLst>
           </p:cNvPr>
@@ -5652,8 +6207,8 @@
         </p:nvSpPr>
         <p:spPr>
           <a:xfrm>
-            <a:off x="333703" y="129244"/>
-            <a:ext cx="10515600" cy="1103585"/>
+            <a:off x="922283" y="1145628"/>
+            <a:ext cx="10347431" cy="990599"/>
           </a:xfrm>
           <a:prstGeom prst="rect">
             <a:avLst/>
@@ -5661,7 +6216,7 @@
         </p:spPr>
         <p:txBody>
           <a:bodyPr vert="horz" lIns="91440" tIns="45720" rIns="91440" bIns="45720" rtlCol="0" anchor="ctr">
-            <a:normAutofit fontScale="47500" lnSpcReduction="20000"/>
+            <a:normAutofit fontScale="97500"/>
           </a:bodyPr>
           <a:lstStyle>
             <a:lvl1pPr algn="l" defTabSz="914400" rtl="0" eaLnBrk="1" latinLnBrk="0" hangingPunct="1">
@@ -5683,289 +6238,155 @@
             </a:lvl1pPr>
           </a:lstStyle>
           <a:p>
-            <a:r>
-              <a:rPr lang="en-AU" b="1" dirty="0"/>
-              <a:t>Section C: Describe the Data Wrangling (looking for detail on ALL steps in data cleansing:</a:t>
-            </a:r>
-          </a:p>
-          <a:p>
-            <a:endParaRPr lang="en-AU" b="1" dirty="0"/>
-          </a:p>
-          <a:p>
-            <a:r>
-              <a:rPr lang="en-AU" b="1" dirty="0"/>
-              <a:t>Second clean</a:t>
-            </a:r>
-          </a:p>
-        </p:txBody>
-      </p:sp>
-      <p:sp>
-        <p:nvSpPr>
-          <p:cNvPr id="6" name="Content Placeholder 5">
-            <a:extLst>
-              <a:ext uri="{FF2B5EF4-FFF2-40B4-BE49-F238E27FC236}">
-                <a16:creationId xmlns:a16="http://schemas.microsoft.com/office/drawing/2014/main" id="{68A785DA-1B19-6747-91F3-5EA3BB28B184}"/>
-              </a:ext>
-            </a:extLst>
-          </p:cNvPr>
-          <p:cNvSpPr>
-            <a:spLocks noGrp="1"/>
-          </p:cNvSpPr>
-          <p:nvPr>
-            <p:ph idx="1"/>
-          </p:nvPr>
-        </p:nvSpPr>
-        <p:spPr/>
-        <p:txBody>
-          <a:bodyPr/>
+            <a:pPr marL="285750" indent="-285750">
+              <a:buFont typeface="Arial" panose="020B0604020202020204" pitchFamily="34" charset="0"/>
+              <a:buChar char="•"/>
+            </a:pPr>
+            <a:r>
+              <a:rPr lang="en-US" sz="1600" dirty="0"/>
+              <a:t>Looking at the Mean and variance, the median is possibly the best measure of central tendency.</a:t>
+            </a:r>
+          </a:p>
+          <a:p>
+            <a:pPr marL="285750" indent="-285750">
+              <a:buFont typeface="Arial" panose="020B0604020202020204" pitchFamily="34" charset="0"/>
+              <a:buChar char="•"/>
+            </a:pPr>
+            <a:r>
+              <a:rPr lang="en-US" sz="1600" dirty="0"/>
+              <a:t>Not surprisingly, Melbourne stands out with the highest median reviews per month.</a:t>
+            </a:r>
+          </a:p>
+          <a:p>
+            <a:pPr marL="285750" indent="-285750">
+              <a:buFont typeface="Arial" panose="020B0604020202020204" pitchFamily="34" charset="0"/>
+              <a:buChar char="•"/>
+            </a:pPr>
+            <a:r>
+              <a:rPr lang="en-US" sz="1600" dirty="0"/>
+              <a:t>With the variances indicating a wide range of "occupancies" throughout each </a:t>
+            </a:r>
+            <a:r>
+              <a:rPr lang="en-US" sz="1600" dirty="0" err="1"/>
+              <a:t>neighbourhood</a:t>
+            </a:r>
+            <a:r>
+              <a:rPr lang="en-US" sz="1600" dirty="0"/>
+              <a:t>, it was beneficial to break the data down and see if there was more consistency at the individual suburbs level</a:t>
+            </a:r>
+          </a:p>
+        </p:txBody>
+      </p:sp>
+      <p:sp>
+        <p:nvSpPr>
+          <p:cNvPr id="13" name="Rectangle 12">
+            <a:extLst>
+              <a:ext uri="{FF2B5EF4-FFF2-40B4-BE49-F238E27FC236}">
+                <a16:creationId xmlns:a16="http://schemas.microsoft.com/office/drawing/2014/main" id="{D07C0096-86AD-874E-8429-AC9D7A69FB2B}"/>
+              </a:ext>
+            </a:extLst>
+          </p:cNvPr>
+          <p:cNvSpPr/>
+          <p:nvPr/>
+        </p:nvSpPr>
+        <p:spPr>
+          <a:xfrm>
+            <a:off x="-115614" y="-136634"/>
+            <a:ext cx="357352" cy="7273158"/>
+          </a:xfrm>
+          <a:prstGeom prst="rect">
+            <a:avLst/>
+          </a:prstGeom>
+          <a:solidFill>
+            <a:schemeClr val="tx1"/>
+          </a:solidFill>
+          <a:ln>
+            <a:noFill/>
+          </a:ln>
+        </p:spPr>
+        <p:style>
+          <a:lnRef idx="2">
+            <a:schemeClr val="accent1">
+              <a:shade val="50000"/>
+            </a:schemeClr>
+          </a:lnRef>
+          <a:fillRef idx="1">
+            <a:schemeClr val="accent1"/>
+          </a:fillRef>
+          <a:effectRef idx="0">
+            <a:schemeClr val="accent1"/>
+          </a:effectRef>
+          <a:fontRef idx="minor">
+            <a:schemeClr val="lt1"/>
+          </a:fontRef>
+        </p:style>
+        <p:txBody>
+          <a:bodyPr rtlCol="0" anchor="ctr"/>
           <a:lstStyle/>
           <a:p>
-            <a:endParaRPr lang="en-US" dirty="0"/>
-          </a:p>
-          <a:p>
-            <a:endParaRPr lang="en-US" dirty="0"/>
-          </a:p>
-          <a:p>
-            <a:r>
-              <a:rPr lang="en-US" dirty="0"/>
-              <a:t>Data cleaning process:</a:t>
-            </a:r>
-          </a:p>
-          <a:p>
-            <a:endParaRPr lang="en-US" dirty="0"/>
-          </a:p>
-          <a:p>
-            <a:r>
-              <a:rPr lang="en-US" dirty="0"/>
-              <a:t>Followed the the Ultimate guide to data cleaning from  </a:t>
-            </a:r>
-            <a:r>
-              <a:rPr lang="en-US" dirty="0" err="1"/>
-              <a:t>towardsdatascience.com</a:t>
-            </a:r>
-            <a:endParaRPr lang="en-US" dirty="0"/>
-          </a:p>
-          <a:p>
-            <a:endParaRPr lang="en-US" dirty="0"/>
-          </a:p>
-          <a:p>
-            <a:endParaRPr lang="en-US" dirty="0"/>
-          </a:p>
-          <a:p>
-            <a:endParaRPr lang="en-US" dirty="0"/>
-          </a:p>
-          <a:p>
-            <a:r>
-              <a:rPr lang="en-US" dirty="0"/>
-              <a:t>Duplicates – none identified</a:t>
-            </a:r>
-          </a:p>
-          <a:p>
-            <a:endParaRPr lang="en-US" dirty="0"/>
-          </a:p>
-          <a:p>
-            <a:endParaRPr lang="en-US" dirty="0"/>
-          </a:p>
-          <a:p>
-            <a:endParaRPr lang="en-US" dirty="0"/>
-          </a:p>
-          <a:p>
-            <a:endParaRPr lang="en-US" dirty="0"/>
-          </a:p>
-          <a:p>
-            <a:endParaRPr lang="en-US" dirty="0"/>
-          </a:p>
-          <a:p>
-            <a:r>
-              <a:rPr lang="en-US" dirty="0"/>
-              <a:t>#Check data info for null fields</a:t>
-            </a:r>
-          </a:p>
-          <a:p>
-            <a:endParaRPr lang="en-US" dirty="0"/>
-          </a:p>
-          <a:p>
-            <a:r>
-              <a:rPr lang="en-US" dirty="0"/>
-              <a:t>#Replace null (missing) value with relevant data</a:t>
-            </a:r>
-          </a:p>
-          <a:p>
-            <a:endParaRPr lang="en-US" dirty="0"/>
-          </a:p>
-          <a:p>
-            <a:endParaRPr lang="en-US" dirty="0"/>
-          </a:p>
-          <a:p>
-            <a:endParaRPr lang="en-US" dirty="0"/>
-          </a:p>
-          <a:p>
-            <a:r>
-              <a:rPr lang="en-US" dirty="0"/>
-              <a:t># - the </a:t>
-            </a:r>
-            <a:r>
-              <a:rPr lang="en-US" dirty="0" err="1"/>
-              <a:t>followng</a:t>
-            </a:r>
-            <a:r>
-              <a:rPr lang="en-US" dirty="0"/>
-              <a:t> columns have incorrect </a:t>
-            </a:r>
-            <a:r>
-              <a:rPr lang="en-US" dirty="0" err="1"/>
-              <a:t>dtypes</a:t>
-            </a:r>
-            <a:endParaRPr lang="en-US" dirty="0"/>
-          </a:p>
-          <a:p>
-            <a:endParaRPr lang="en-US" dirty="0"/>
-          </a:p>
-          <a:p>
-            <a:r>
-              <a:rPr lang="en-US" dirty="0"/>
-              <a:t>	converted strings to:</a:t>
-            </a:r>
-          </a:p>
-          <a:p>
-            <a:endParaRPr lang="en-US" dirty="0"/>
-          </a:p>
-          <a:p>
-            <a:r>
-              <a:rPr lang="en-US" dirty="0"/>
-              <a:t>	integers and floats</a:t>
-            </a:r>
-          </a:p>
-          <a:p>
-            <a:endParaRPr lang="en-US" dirty="0"/>
-          </a:p>
-          <a:p>
-            <a:r>
-              <a:rPr lang="en-US" dirty="0"/>
-              <a:t>	(including currency)</a:t>
-            </a:r>
-          </a:p>
-          <a:p>
-            <a:endParaRPr lang="en-US" dirty="0"/>
-          </a:p>
-          <a:p>
-            <a:r>
-              <a:rPr lang="en-US" dirty="0"/>
-              <a:t>#strip leading and trailing space</a:t>
-            </a:r>
-          </a:p>
-          <a:p>
-            <a:endParaRPr lang="en-US" dirty="0"/>
-          </a:p>
-          <a:p>
-            <a:endParaRPr lang="en-US" dirty="0"/>
-          </a:p>
-          <a:p>
-            <a:endParaRPr lang="en-US" dirty="0"/>
-          </a:p>
-          <a:p>
-            <a:r>
-              <a:rPr lang="en-US" dirty="0"/>
-              <a:t>#checked unique values in city column</a:t>
-            </a:r>
-          </a:p>
-          <a:p>
-            <a:endParaRPr lang="en-US" dirty="0"/>
-          </a:p>
-          <a:p>
-            <a:r>
-              <a:rPr lang="en-US" dirty="0"/>
-              <a:t>	#corrected spelling mistakes</a:t>
-            </a:r>
-          </a:p>
-          <a:p>
-            <a:endParaRPr lang="en-US" dirty="0"/>
-          </a:p>
-          <a:p>
-            <a:r>
-              <a:rPr lang="en-US" dirty="0"/>
-              <a:t>	#formalized suburb naming conventions</a:t>
-            </a:r>
-          </a:p>
-          <a:p>
-            <a:endParaRPr lang="en-US" dirty="0"/>
-          </a:p>
-          <a:p>
-            <a:r>
-              <a:rPr lang="en-US" dirty="0"/>
-              <a:t>	#dropped non-sensical data</a:t>
-            </a:r>
-          </a:p>
-          <a:p>
-            <a:endParaRPr lang="en-US" dirty="0"/>
-          </a:p>
-          <a:p>
-            <a:r>
-              <a:rPr lang="en-US" dirty="0"/>
-              <a:t>#Drop </a:t>
-            </a:r>
-            <a:r>
-              <a:rPr lang="en-US" dirty="0" err="1"/>
-              <a:t>irrlevant</a:t>
-            </a:r>
-            <a:r>
-              <a:rPr lang="en-US" dirty="0"/>
-              <a:t> </a:t>
-            </a:r>
-            <a:r>
-              <a:rPr lang="en-US" dirty="0" err="1"/>
-              <a:t>colum</a:t>
-            </a:r>
-            <a:endParaRPr lang="en-US" dirty="0"/>
-          </a:p>
-          <a:p>
-            <a:endParaRPr lang="en-US" dirty="0"/>
-          </a:p>
-          <a:p>
-            <a:r>
-              <a:rPr lang="en-US" dirty="0"/>
-              <a:t>Verifying - re-inspecting data - sometimes even just a common sense check – verifying as I go</a:t>
-            </a:r>
-          </a:p>
-          <a:p>
-            <a:endParaRPr lang="en-US" dirty="0"/>
-          </a:p>
-          <a:p>
-            <a:endParaRPr lang="en-US" dirty="0"/>
-          </a:p>
-          <a:p>
-            <a:endParaRPr lang="en-US" dirty="0"/>
-          </a:p>
-          <a:p>
-            <a:r>
-              <a:rPr lang="en-US" dirty="0"/>
-              <a:t>Reporting - Reporting how healthy the data is?? Checking as I go</a:t>
-            </a:r>
-          </a:p>
-          <a:p>
-            <a:endParaRPr lang="en-US" dirty="0"/>
-          </a:p>
-          <a:p>
-            <a:endParaRPr lang="en-US" dirty="0"/>
-          </a:p>
-          <a:p>
-            <a:endParaRPr lang="en-US" dirty="0"/>
-          </a:p>
-          <a:p>
-            <a:endParaRPr lang="en-US" dirty="0"/>
-          </a:p>
-          <a:p>
-            <a:endParaRPr lang="en-US" dirty="0"/>
-          </a:p>
-          <a:p>
-            <a:endParaRPr lang="en-US" dirty="0"/>
+            <a:pPr algn="ctr"/>
+            <a:endParaRPr lang="en-US"/>
+          </a:p>
+        </p:txBody>
+      </p:sp>
+      <p:sp>
+        <p:nvSpPr>
+          <p:cNvPr id="15" name="Title 1">
+            <a:extLst>
+              <a:ext uri="{FF2B5EF4-FFF2-40B4-BE49-F238E27FC236}">
+                <a16:creationId xmlns:a16="http://schemas.microsoft.com/office/drawing/2014/main" id="{06AD1C83-7EBB-2F4B-9F92-0F144A2F5D0D}"/>
+              </a:ext>
+            </a:extLst>
+          </p:cNvPr>
+          <p:cNvSpPr txBox="1">
+            <a:spLocks/>
+          </p:cNvSpPr>
+          <p:nvPr/>
+        </p:nvSpPr>
+        <p:spPr>
+          <a:xfrm>
+            <a:off x="333703" y="115615"/>
+            <a:ext cx="10515600" cy="708080"/>
+          </a:xfrm>
+          <a:prstGeom prst="rect">
+            <a:avLst/>
+          </a:prstGeom>
+        </p:spPr>
+        <p:txBody>
+          <a:bodyPr vert="horz" lIns="91440" tIns="45720" rIns="91440" bIns="45720" rtlCol="0" anchor="ctr">
+            <a:normAutofit/>
+          </a:bodyPr>
+          <a:lstStyle>
+            <a:lvl1pPr algn="l" defTabSz="914400" rtl="0" eaLnBrk="1" latinLnBrk="0" hangingPunct="1">
+              <a:lnSpc>
+                <a:spcPct val="90000"/>
+              </a:lnSpc>
+              <a:spcBef>
+                <a:spcPct val="0"/>
+              </a:spcBef>
+              <a:buNone/>
+              <a:defRPr sz="4400" kern="1200">
+                <a:solidFill>
+                  <a:schemeClr val="tx1"/>
+                </a:solidFill>
+                <a:latin typeface="+mj-lt"/>
+                <a:ea typeface="+mj-ea"/>
+                <a:cs typeface="+mj-cs"/>
+              </a:defRPr>
+            </a:lvl1pPr>
+          </a:lstStyle>
+          <a:p>
+            <a:r>
+              <a:rPr lang="en-US" dirty="0"/>
+              <a:t>Indication of occupancy – All property types</a:t>
+            </a:r>
           </a:p>
         </p:txBody>
       </p:sp>
     </p:spTree>
     <p:extLst>
       <p:ext uri="{BB962C8B-B14F-4D97-AF65-F5344CB8AC3E}">
-        <p14:creationId xmlns:p14="http://schemas.microsoft.com/office/powerpoint/2010/main" val="2946968274"/>
+        <p14:creationId xmlns:p14="http://schemas.microsoft.com/office/powerpoint/2010/main" val="2606064567"/>
       </p:ext>
     </p:extLst>
   </p:cSld>
@@ -5992,182 +6413,41 @@
           <a:chExt cx="0" cy="0"/>
         </a:xfrm>
       </p:grpSpPr>
-      <p:sp>
-        <p:nvSpPr>
-          <p:cNvPr id="3" name="Content Placeholder 2">
-            <a:extLst>
-              <a:ext uri="{FF2B5EF4-FFF2-40B4-BE49-F238E27FC236}">
-                <a16:creationId xmlns:a16="http://schemas.microsoft.com/office/drawing/2014/main" id="{0FB7235C-C25A-DD4F-9DA3-9B342DBBB755}"/>
-              </a:ext>
-            </a:extLst>
-          </p:cNvPr>
-          <p:cNvSpPr>
-            <a:spLocks noGrp="1"/>
-          </p:cNvSpPr>
+      <p:pic>
+        <p:nvPicPr>
+          <p:cNvPr id="5" name="Content Placeholder 4">
+            <a:extLst>
+              <a:ext uri="{FF2B5EF4-FFF2-40B4-BE49-F238E27FC236}">
+                <a16:creationId xmlns:a16="http://schemas.microsoft.com/office/drawing/2014/main" id="{CAD4592B-27CE-BF46-A3F0-47FA81E823C7}"/>
+              </a:ext>
+            </a:extLst>
+          </p:cNvPr>
+          <p:cNvPicPr>
+            <a:picLocks noGrp="1" noChangeAspect="1"/>
+          </p:cNvPicPr>
           <p:nvPr>
             <p:ph idx="1"/>
           </p:nvPr>
-        </p:nvSpPr>
-        <p:spPr>
-          <a:xfrm>
-            <a:off x="838200" y="1334814"/>
-            <a:ext cx="10515600" cy="5097517"/>
-          </a:xfrm>
-        </p:spPr>
-        <p:txBody>
-          <a:bodyPr>
-            <a:normAutofit fontScale="40000" lnSpcReduction="20000"/>
-          </a:bodyPr>
-          <a:lstStyle/>
-          <a:p>
-            <a:pPr marL="0" indent="0">
-              <a:buNone/>
-            </a:pPr>
-            <a:endParaRPr lang="en-US" dirty="0"/>
-          </a:p>
-          <a:p>
-            <a:r>
-              <a:rPr lang="en-US" dirty="0"/>
-              <a:t>Duplicates – none identified</a:t>
-            </a:r>
-          </a:p>
-          <a:p>
-            <a:r>
-              <a:rPr lang="en-US" dirty="0"/>
-              <a:t>Type conversion - done</a:t>
-            </a:r>
-          </a:p>
-          <a:p>
-            <a:r>
-              <a:rPr lang="en-US" dirty="0"/>
-              <a:t>Syntax errors(remove white space) – done</a:t>
-            </a:r>
-          </a:p>
-          <a:p>
-            <a:r>
-              <a:rPr lang="en-US" dirty="0"/>
-              <a:t>Remove white spaces – checking with team if issue columns are required</a:t>
-            </a:r>
-          </a:p>
-          <a:p>
-            <a:r>
-              <a:rPr lang="en-US" dirty="0"/>
-              <a:t>Pad strings: </a:t>
-            </a:r>
-            <a:r>
-              <a:rPr lang="en-US" dirty="0" err="1"/>
-              <a:t>ie</a:t>
-            </a:r>
-            <a:r>
-              <a:rPr lang="en-US" dirty="0"/>
-              <a:t> 313 =&gt; 000313 (6 digits) = not required</a:t>
-            </a:r>
-          </a:p>
-          <a:p>
-            <a:r>
-              <a:rPr lang="en-US" dirty="0"/>
-              <a:t>Fix typos: check unique values for consistency– checking with team if issue columns are required</a:t>
-            </a:r>
-          </a:p>
-          <a:p>
-            <a:r>
-              <a:rPr lang="en-US" dirty="0"/>
-              <a:t>Gender</a:t>
-            </a:r>
-          </a:p>
-          <a:p>
-            <a:r>
-              <a:rPr lang="en-US" dirty="0"/>
-              <a:t>m</a:t>
-            </a:r>
-          </a:p>
-          <a:p>
-            <a:r>
-              <a:rPr lang="en-US" dirty="0"/>
-              <a:t>Male</a:t>
-            </a:r>
-          </a:p>
-          <a:p>
-            <a:r>
-              <a:rPr lang="en-US" dirty="0"/>
-              <a:t>To fix: </a:t>
-            </a:r>
-            <a:r>
-              <a:rPr lang="en-US" dirty="0" err="1"/>
-              <a:t>dataframe</a:t>
-            </a:r>
-            <a:r>
-              <a:rPr lang="en-US" dirty="0"/>
-              <a:t>['gender'].map({'m': 'male', fem.': 'female', ...})</a:t>
-            </a:r>
-          </a:p>
-          <a:p>
-            <a:r>
-              <a:rPr lang="en-US" dirty="0"/>
-              <a:t>Standardize</a:t>
-            </a:r>
-          </a:p>
-          <a:p>
-            <a:r>
-              <a:rPr lang="en-US" dirty="0"/>
-              <a:t>	For strings, make sure all values are either in lower or upper case – not  required</a:t>
-            </a:r>
-          </a:p>
-          <a:p>
-            <a:r>
-              <a:rPr lang="en-US" dirty="0"/>
-              <a:t>	Dates – not required</a:t>
-            </a:r>
-          </a:p>
-          <a:p>
-            <a:r>
-              <a:rPr lang="en-US" dirty="0"/>
-              <a:t>Missing values - done</a:t>
-            </a:r>
-          </a:p>
-          <a:p>
-            <a:r>
-              <a:rPr lang="en-US" dirty="0"/>
-              <a:t>	Outliers - worth investigating before removing – to be done during individual </a:t>
-            </a:r>
-            <a:r>
-              <a:rPr lang="en-US" dirty="0" err="1"/>
-              <a:t>tasls</a:t>
-            </a:r>
-            <a:endParaRPr lang="en-US" dirty="0"/>
-          </a:p>
-          <a:p>
-            <a:r>
-              <a:rPr lang="en-US" dirty="0"/>
-              <a:t>in-record &amp; cross-datasets errors – not required</a:t>
-            </a:r>
-          </a:p>
-          <a:p>
-            <a:r>
-              <a:rPr lang="en-US" dirty="0"/>
-              <a:t>For example, if we have a dataset about the cost of living in cities. The total column must be equivalent to the sum of rent, transport, and food.</a:t>
-            </a:r>
-          </a:p>
-          <a:p>
-            <a:r>
-              <a:rPr lang="en-US" dirty="0"/>
-              <a:t>Verifying - re-inspecting data - sometimes even just a common sense check – verifying as I go</a:t>
-            </a:r>
-          </a:p>
-          <a:p>
-            <a:r>
-              <a:rPr lang="en-US" dirty="0"/>
-              <a:t>Reporting - Reporting how healthy the data is?? Checking as I go</a:t>
-            </a:r>
-          </a:p>
-        </p:txBody>
-      </p:sp>
-      <p:sp>
-        <p:nvSpPr>
-          <p:cNvPr id="4" name="Rectangle 3">
-            <a:extLst>
-              <a:ext uri="{FF2B5EF4-FFF2-40B4-BE49-F238E27FC236}">
-                <a16:creationId xmlns:a16="http://schemas.microsoft.com/office/drawing/2014/main" id="{F555A6B0-A439-9443-A251-F97140853746}"/>
+        </p:nvPicPr>
+        <p:blipFill>
+          <a:blip r:embed="rId2"/>
+          <a:stretch>
+            <a:fillRect/>
+          </a:stretch>
+        </p:blipFill>
+        <p:spPr>
+          <a:xfrm>
+            <a:off x="838200" y="2288753"/>
+            <a:ext cx="10515600" cy="3425081"/>
+          </a:xfrm>
+        </p:spPr>
+      </p:pic>
+      <p:sp>
+        <p:nvSpPr>
+          <p:cNvPr id="11" name="Rectangle 10">
+            <a:extLst>
+              <a:ext uri="{FF2B5EF4-FFF2-40B4-BE49-F238E27FC236}">
+                <a16:creationId xmlns:a16="http://schemas.microsoft.com/office/drawing/2014/main" id="{243C64BF-DEB7-BF41-AD8D-83A8A9AA1250}"/>
               </a:ext>
             </a:extLst>
           </p:cNvPr>
@@ -6216,10 +6496,10 @@
       </p:sp>
       <p:sp>
         <p:nvSpPr>
-          <p:cNvPr id="8" name="Title 1">
-            <a:extLst>
-              <a:ext uri="{FF2B5EF4-FFF2-40B4-BE49-F238E27FC236}">
-                <a16:creationId xmlns:a16="http://schemas.microsoft.com/office/drawing/2014/main" id="{DFD2B9D5-1FFB-004F-BAAE-9EAF622D38AD}"/>
+          <p:cNvPr id="14" name="Title 1">
+            <a:extLst>
+              <a:ext uri="{FF2B5EF4-FFF2-40B4-BE49-F238E27FC236}">
+                <a16:creationId xmlns:a16="http://schemas.microsoft.com/office/drawing/2014/main" id="{CC3CB8F7-452D-0946-9C93-85AA166DD59F}"/>
               </a:ext>
             </a:extLst>
           </p:cNvPr>
@@ -6230,8 +6510,8 @@
         </p:nvSpPr>
         <p:spPr>
           <a:xfrm>
-            <a:off x="333703" y="129244"/>
-            <a:ext cx="10515600" cy="1103585"/>
+            <a:off x="922284" y="823694"/>
+            <a:ext cx="10018983" cy="412641"/>
           </a:xfrm>
           <a:prstGeom prst="rect">
             <a:avLst/>
@@ -6239,7 +6519,7 @@
         </p:spPr>
         <p:txBody>
           <a:bodyPr vert="horz" lIns="91440" tIns="45720" rIns="91440" bIns="45720" rtlCol="0" anchor="ctr">
-            <a:normAutofit fontScale="92500" lnSpcReduction="20000"/>
+            <a:normAutofit/>
           </a:bodyPr>
           <a:lstStyle>
             <a:lvl1pPr algn="l" defTabSz="914400" rtl="0" eaLnBrk="1" latinLnBrk="0" hangingPunct="1">
@@ -6262,210 +6542,121 @@
           </a:lstStyle>
           <a:p>
             <a:r>
-              <a:rPr lang="en-AU" b="1" dirty="0"/>
-              <a:t>Section C: Describe the Data Wrangling (looking for detail on ALL steps in data cleansing:</a:t>
-            </a:r>
-          </a:p>
-        </p:txBody>
-      </p:sp>
-      <p:sp>
-        <p:nvSpPr>
-          <p:cNvPr id="2" name="Rectangle 1">
-            <a:extLst>
-              <a:ext uri="{FF2B5EF4-FFF2-40B4-BE49-F238E27FC236}">
-                <a16:creationId xmlns:a16="http://schemas.microsoft.com/office/drawing/2014/main" id="{5E70937E-05D1-C149-8418-52B2C035C339}"/>
-              </a:ext>
-            </a:extLst>
-          </p:cNvPr>
-          <p:cNvSpPr/>
+              <a:rPr lang="en-US" sz="1600" b="1" dirty="0"/>
+              <a:t>Top Ten Suburbs - Summary Table</a:t>
+            </a:r>
+            <a:endParaRPr lang="en-US" sz="1600" dirty="0"/>
+          </a:p>
+        </p:txBody>
+      </p:sp>
+      <p:sp>
+        <p:nvSpPr>
+          <p:cNvPr id="19" name="Title 1">
+            <a:extLst>
+              <a:ext uri="{FF2B5EF4-FFF2-40B4-BE49-F238E27FC236}">
+                <a16:creationId xmlns:a16="http://schemas.microsoft.com/office/drawing/2014/main" id="{818DC147-5CF3-1146-A220-765009AAA42B}"/>
+              </a:ext>
+            </a:extLst>
+          </p:cNvPr>
+          <p:cNvSpPr txBox="1">
+            <a:spLocks/>
+          </p:cNvSpPr>
           <p:nvPr/>
         </p:nvSpPr>
         <p:spPr>
           <a:xfrm>
-            <a:off x="7546427" y="1420450"/>
-            <a:ext cx="6096000" cy="4801314"/>
+            <a:off x="922283" y="1145628"/>
+            <a:ext cx="10347431" cy="990599"/>
           </a:xfrm>
           <a:prstGeom prst="rect">
             <a:avLst/>
           </a:prstGeom>
         </p:spPr>
         <p:txBody>
-          <a:bodyPr>
-            <a:spAutoFit/>
+          <a:bodyPr vert="horz" lIns="91440" tIns="45720" rIns="91440" bIns="45720" rtlCol="0" anchor="ctr">
+            <a:normAutofit fontScale="97500"/>
           </a:bodyPr>
-          <a:lstStyle/>
-          <a:p>
-            <a:endParaRPr lang="en-US" dirty="0"/>
-          </a:p>
-          <a:p>
-            <a:r>
-              <a:rPr lang="en-US" dirty="0"/>
-              <a:t>Data cleaning process:</a:t>
-            </a:r>
-          </a:p>
-          <a:p>
-            <a:endParaRPr lang="en-US" dirty="0"/>
-          </a:p>
-          <a:p>
-            <a:r>
-              <a:rPr lang="en-US" dirty="0"/>
-              <a:t>#Check data info for null fields</a:t>
-            </a:r>
-          </a:p>
-          <a:p>
-            <a:r>
-              <a:rPr lang="en-US" dirty="0"/>
-              <a:t>#Replace null (missing) value with relevant data</a:t>
-            </a:r>
-          </a:p>
-          <a:p>
-            <a:endParaRPr lang="en-US" dirty="0"/>
-          </a:p>
-          <a:p>
-            <a:r>
-              <a:rPr lang="en-US" dirty="0"/>
-              <a:t># - the </a:t>
-            </a:r>
-            <a:r>
-              <a:rPr lang="en-US" dirty="0" err="1"/>
-              <a:t>followng</a:t>
-            </a:r>
-            <a:r>
-              <a:rPr lang="en-US" dirty="0"/>
-              <a:t> columns have incorrect </a:t>
-            </a:r>
-            <a:r>
-              <a:rPr lang="en-US" dirty="0" err="1"/>
-              <a:t>dtypes</a:t>
-            </a:r>
-            <a:endParaRPr lang="en-US" dirty="0"/>
-          </a:p>
-          <a:p>
-            <a:r>
-              <a:rPr lang="en-US" dirty="0"/>
-              <a:t>	converted strings to:</a:t>
-            </a:r>
-          </a:p>
-          <a:p>
-            <a:r>
-              <a:rPr lang="en-US" dirty="0"/>
-              <a:t>	integers and floats</a:t>
-            </a:r>
-          </a:p>
-          <a:p>
-            <a:r>
-              <a:rPr lang="en-US" dirty="0"/>
-              <a:t>	(including currency)</a:t>
-            </a:r>
-          </a:p>
-          <a:p>
-            <a:r>
-              <a:rPr lang="en-US" dirty="0"/>
-              <a:t>#strip leading and trailing space</a:t>
-            </a:r>
-          </a:p>
-          <a:p>
-            <a:endParaRPr lang="en-US" dirty="0"/>
-          </a:p>
-          <a:p>
-            <a:r>
-              <a:rPr lang="en-US" dirty="0"/>
-              <a:t>#checked unique values in city column</a:t>
-            </a:r>
-          </a:p>
-          <a:p>
-            <a:r>
-              <a:rPr lang="en-US" dirty="0"/>
-              <a:t>	#corrected spelling mistakes</a:t>
-            </a:r>
-          </a:p>
-          <a:p>
-            <a:r>
-              <a:rPr lang="en-US" dirty="0"/>
-              <a:t>	#formalized suburb naming conventions</a:t>
-            </a:r>
-          </a:p>
-          <a:p>
-            <a:r>
-              <a:rPr lang="en-US" dirty="0"/>
-              <a:t>	#dropped non-sensical data</a:t>
-            </a:r>
-          </a:p>
-          <a:p>
-            <a:r>
-              <a:rPr lang="en-US" dirty="0"/>
-              <a:t>#Drop </a:t>
-            </a:r>
-            <a:r>
-              <a:rPr lang="en-US" dirty="0" err="1"/>
-              <a:t>irrlevant</a:t>
-            </a:r>
-            <a:r>
-              <a:rPr lang="en-US" dirty="0"/>
-              <a:t> </a:t>
-            </a:r>
-            <a:r>
-              <a:rPr lang="en-US" dirty="0" err="1"/>
-              <a:t>colum</a:t>
-            </a:r>
-            <a:endParaRPr lang="en-US" dirty="0"/>
-          </a:p>
-        </p:txBody>
-      </p:sp>
-      <p:sp>
-        <p:nvSpPr>
-          <p:cNvPr id="5" name="Rectangle 4">
-            <a:extLst>
-              <a:ext uri="{FF2B5EF4-FFF2-40B4-BE49-F238E27FC236}">
-                <a16:creationId xmlns:a16="http://schemas.microsoft.com/office/drawing/2014/main" id="{97CED423-EE81-794C-842C-7E6265A838DA}"/>
-              </a:ext>
-            </a:extLst>
-          </p:cNvPr>
-          <p:cNvSpPr/>
+          <a:lstStyle>
+            <a:lvl1pPr algn="l" defTabSz="914400" rtl="0" eaLnBrk="1" latinLnBrk="0" hangingPunct="1">
+              <a:lnSpc>
+                <a:spcPct val="90000"/>
+              </a:lnSpc>
+              <a:spcBef>
+                <a:spcPct val="0"/>
+              </a:spcBef>
+              <a:buNone/>
+              <a:defRPr sz="4400" kern="1200">
+                <a:solidFill>
+                  <a:schemeClr val="tx1"/>
+                </a:solidFill>
+                <a:latin typeface="+mj-lt"/>
+                <a:ea typeface="+mj-ea"/>
+                <a:cs typeface="+mj-cs"/>
+              </a:defRPr>
+            </a:lvl1pPr>
+          </a:lstStyle>
+          <a:p>
+            <a:pPr marL="285750" indent="-285750">
+              <a:buFont typeface="Arial" panose="020B0604020202020204" pitchFamily="34" charset="0"/>
+              <a:buChar char="•"/>
+            </a:pPr>
+            <a:r>
+              <a:rPr lang="en-US" sz="1600" dirty="0"/>
+              <a:t>?</a:t>
+            </a:r>
+          </a:p>
+        </p:txBody>
+      </p:sp>
+      <p:sp>
+        <p:nvSpPr>
+          <p:cNvPr id="20" name="Title 1">
+            <a:extLst>
+              <a:ext uri="{FF2B5EF4-FFF2-40B4-BE49-F238E27FC236}">
+                <a16:creationId xmlns:a16="http://schemas.microsoft.com/office/drawing/2014/main" id="{4331E14C-7484-0344-AED1-5DEAF97C8EBA}"/>
+              </a:ext>
+            </a:extLst>
+          </p:cNvPr>
+          <p:cNvSpPr txBox="1">
+            <a:spLocks/>
+          </p:cNvSpPr>
           <p:nvPr/>
         </p:nvSpPr>
         <p:spPr>
           <a:xfrm>
-            <a:off x="594216" y="1219177"/>
-            <a:ext cx="4663584" cy="734945"/>
+            <a:off x="333703" y="115615"/>
+            <a:ext cx="10515600" cy="708080"/>
           </a:xfrm>
           <a:prstGeom prst="rect">
             <a:avLst/>
           </a:prstGeom>
         </p:spPr>
         <p:txBody>
-          <a:bodyPr wrap="none">
-            <a:spAutoFit/>
+          <a:bodyPr vert="horz" lIns="91440" tIns="45720" rIns="91440" bIns="45720" rtlCol="0" anchor="ctr">
+            <a:normAutofit/>
           </a:bodyPr>
-          <a:lstStyle/>
-          <a:p>
-            <a:pPr>
-              <a:lnSpc>
-                <a:spcPct val="120000"/>
-              </a:lnSpc>
-            </a:pPr>
-            <a:r>
-              <a:rPr lang="en-US" dirty="0"/>
-              <a:t>3</a:t>
-            </a:r>
-            <a:r>
-              <a:rPr lang="en-US" baseline="30000" dirty="0"/>
-              <a:t>rd</a:t>
-            </a:r>
-            <a:r>
-              <a:rPr lang="en-US" dirty="0"/>
-              <a:t> clean</a:t>
-            </a:r>
-          </a:p>
-          <a:p>
-            <a:pPr>
-              <a:lnSpc>
-                <a:spcPct val="120000"/>
-              </a:lnSpc>
-            </a:pPr>
-            <a:r>
-              <a:rPr lang="en-US" dirty="0"/>
-              <a:t>outliers – not removed until later in the analysis</a:t>
+          <a:lstStyle>
+            <a:lvl1pPr algn="l" defTabSz="914400" rtl="0" eaLnBrk="1" latinLnBrk="0" hangingPunct="1">
+              <a:lnSpc>
+                <a:spcPct val="90000"/>
+              </a:lnSpc>
+              <a:spcBef>
+                <a:spcPct val="0"/>
+              </a:spcBef>
+              <a:buNone/>
+              <a:defRPr sz="4400" kern="1200">
+                <a:solidFill>
+                  <a:schemeClr val="tx1"/>
+                </a:solidFill>
+                <a:latin typeface="+mj-lt"/>
+                <a:ea typeface="+mj-ea"/>
+                <a:cs typeface="+mj-cs"/>
+              </a:defRPr>
+            </a:lvl1pPr>
+          </a:lstStyle>
+          <a:p>
+            <a:r>
+              <a:rPr lang="en-US" dirty="0"/>
+              <a:t>Indication of occupancy – All property types</a:t>
             </a:r>
           </a:p>
         </p:txBody>
@@ -6473,7 +6664,7 @@
     </p:spTree>
     <p:extLst>
       <p:ext uri="{BB962C8B-B14F-4D97-AF65-F5344CB8AC3E}">
-        <p14:creationId xmlns:p14="http://schemas.microsoft.com/office/powerpoint/2010/main" val="4070565767"/>
+        <p14:creationId xmlns:p14="http://schemas.microsoft.com/office/powerpoint/2010/main" val="2304675304"/>
       </p:ext>
     </p:extLst>
   </p:cSld>
@@ -6502,206 +6693,10 @@
       </p:grpSpPr>
       <p:sp>
         <p:nvSpPr>
-          <p:cNvPr id="3" name="Content Placeholder 2">
-            <a:extLst>
-              <a:ext uri="{FF2B5EF4-FFF2-40B4-BE49-F238E27FC236}">
-                <a16:creationId xmlns:a16="http://schemas.microsoft.com/office/drawing/2014/main" id="{0FB7235C-C25A-DD4F-9DA3-9B342DBBB755}"/>
-              </a:ext>
-            </a:extLst>
-          </p:cNvPr>
-          <p:cNvSpPr>
-            <a:spLocks noGrp="1"/>
-          </p:cNvSpPr>
-          <p:nvPr>
-            <p:ph idx="1"/>
-          </p:nvPr>
-        </p:nvSpPr>
-        <p:spPr>
-          <a:xfrm>
-            <a:off x="838200" y="1334814"/>
-            <a:ext cx="10515600" cy="5097517"/>
-          </a:xfrm>
-        </p:spPr>
-        <p:txBody>
-          <a:bodyPr>
-            <a:normAutofit fontScale="77500" lnSpcReduction="20000"/>
-          </a:bodyPr>
-          <a:lstStyle/>
-          <a:p>
-            <a:r>
-              <a:rPr lang="en-US" dirty="0"/>
-              <a:t>Followed the the </a:t>
-            </a:r>
-            <a:r>
-              <a:rPr lang="en-US" i="1" dirty="0"/>
-              <a:t>Ultimate guide to data cleaning </a:t>
-            </a:r>
-            <a:r>
-              <a:rPr lang="en-US" dirty="0"/>
-              <a:t>from  </a:t>
-            </a:r>
-            <a:r>
-              <a:rPr lang="en-US" dirty="0" err="1"/>
-              <a:t>towardsdatascience.com</a:t>
-            </a:r>
-            <a:endParaRPr lang="en-US" dirty="0"/>
-          </a:p>
-          <a:p>
-            <a:pPr marL="0" indent="0">
-              <a:buNone/>
-            </a:pPr>
-            <a:r>
-              <a:rPr lang="en-US" dirty="0"/>
-              <a:t>Data from inside Airbnb was:</a:t>
-            </a:r>
-          </a:p>
-          <a:p>
-            <a:r>
-              <a:rPr lang="en-US" dirty="0"/>
-              <a:t>extremely large in numbers of the datasets</a:t>
-            </a:r>
-          </a:p>
-          <a:p>
-            <a:r>
-              <a:rPr lang="en-US" dirty="0"/>
-              <a:t>Not clearly defined</a:t>
-            </a:r>
-          </a:p>
-          <a:p>
-            <a:pPr lvl="1"/>
-            <a:r>
-              <a:rPr lang="en-US" dirty="0" err="1"/>
-              <a:t>eg</a:t>
-            </a:r>
-            <a:r>
-              <a:rPr lang="en-US" dirty="0"/>
-              <a:t> </a:t>
-            </a:r>
-            <a:r>
-              <a:rPr lang="en-US" dirty="0" err="1"/>
-              <a:t>Multilpe</a:t>
-            </a:r>
-            <a:r>
-              <a:rPr lang="en-US" dirty="0"/>
-              <a:t> columns loosely referred to location of the Airbnb property</a:t>
-            </a:r>
-            <a:br>
-              <a:rPr lang="en-US" dirty="0"/>
-            </a:br>
-            <a:r>
-              <a:rPr lang="en-US" dirty="0"/>
-              <a:t> - </a:t>
-            </a:r>
-            <a:r>
-              <a:rPr lang="en-US" dirty="0" err="1"/>
-              <a:t>neighbourhood</a:t>
-            </a:r>
-            <a:r>
-              <a:rPr lang="en-US" dirty="0"/>
-              <a:t> - </a:t>
-            </a:r>
-            <a:r>
-              <a:rPr lang="en-US" dirty="0" err="1"/>
-              <a:t>neighbourhood</a:t>
-            </a:r>
-            <a:r>
-              <a:rPr lang="en-US" dirty="0"/>
-              <a:t> cleansed – city - smart-location</a:t>
-            </a:r>
-          </a:p>
-          <a:p>
-            <a:pPr lvl="1"/>
-            <a:r>
-              <a:rPr lang="en-US" dirty="0"/>
-              <a:t>Only one of these matched the coordinates stored against the Airbnb listing</a:t>
-            </a:r>
-          </a:p>
-          <a:p>
-            <a:r>
-              <a:rPr lang="en-US" dirty="0"/>
-              <a:t>Quite messy</a:t>
-            </a:r>
-          </a:p>
-          <a:p>
-            <a:pPr lvl="1"/>
-            <a:r>
-              <a:rPr lang="en-US" dirty="0" err="1"/>
-              <a:t>eg</a:t>
-            </a:r>
-            <a:r>
-              <a:rPr lang="en-US" dirty="0"/>
-              <a:t> room type was free form - we had 1 ”castle” in Melbourne on the listing</a:t>
-            </a:r>
-          </a:p>
-          <a:p>
-            <a:r>
-              <a:rPr lang="en-US" dirty="0"/>
-              <a:t>typos in information (multiple spellings and configuration of suburb names)</a:t>
-            </a:r>
-          </a:p>
-          <a:p>
-            <a:r>
-              <a:rPr lang="en-US" dirty="0"/>
-              <a:t>outliers – not removed until later in the analysis</a:t>
-            </a:r>
-          </a:p>
-          <a:p>
-            <a:pPr marL="0" indent="0">
-              <a:buNone/>
-            </a:pPr>
-            <a:r>
-              <a:rPr lang="en-US" dirty="0"/>
-              <a:t>Data from DELWP</a:t>
-            </a:r>
-          </a:p>
-          <a:p>
-            <a:r>
-              <a:rPr lang="en-US" dirty="0"/>
-              <a:t>Quite large, this will be reduced one scope for the data from </a:t>
-            </a:r>
-            <a:r>
-              <a:rPr lang="en-US" dirty="0" err="1"/>
-              <a:t>insideairbnb</a:t>
-            </a:r>
-            <a:r>
-              <a:rPr lang="en-US" dirty="0"/>
-              <a:t> is </a:t>
-            </a:r>
-            <a:r>
-              <a:rPr lang="en-US" dirty="0" err="1"/>
-              <a:t>finalised</a:t>
-            </a:r>
-            <a:endParaRPr lang="en-US" dirty="0"/>
-          </a:p>
-          <a:p>
-            <a:r>
-              <a:rPr lang="en-US" dirty="0"/>
-              <a:t>Clean, succinct, ready to be mined, containing train stop name, stop id, longitude and latitude</a:t>
-            </a:r>
-          </a:p>
-          <a:p>
-            <a:pPr marL="0" indent="0">
-              <a:buNone/>
-            </a:pPr>
-            <a:endParaRPr lang="en-US" dirty="0"/>
-          </a:p>
-          <a:p>
-            <a:endParaRPr lang="en-US" dirty="0"/>
-          </a:p>
-          <a:p>
-            <a:endParaRPr lang="en-US" dirty="0"/>
-          </a:p>
-          <a:p>
-            <a:endParaRPr lang="en-US" dirty="0"/>
-          </a:p>
-        </p:txBody>
-      </p:sp>
-      <p:sp>
-        <p:nvSpPr>
           <p:cNvPr id="4" name="Rectangle 3">
             <a:extLst>
               <a:ext uri="{FF2B5EF4-FFF2-40B4-BE49-F238E27FC236}">
-                <a16:creationId xmlns:a16="http://schemas.microsoft.com/office/drawing/2014/main" id="{F555A6B0-A439-9443-A251-F97140853746}"/>
+                <a16:creationId xmlns:a16="http://schemas.microsoft.com/office/drawing/2014/main" id="{9A58FA3E-EEC3-DF45-9F50-3114EF4C0916}"/>
               </a:ext>
             </a:extLst>
           </p:cNvPr>
@@ -6750,10 +6745,10 @@
       </p:sp>
       <p:sp>
         <p:nvSpPr>
-          <p:cNvPr id="8" name="Title 1">
-            <a:extLst>
-              <a:ext uri="{FF2B5EF4-FFF2-40B4-BE49-F238E27FC236}">
-                <a16:creationId xmlns:a16="http://schemas.microsoft.com/office/drawing/2014/main" id="{DFD2B9D5-1FFB-004F-BAAE-9EAF622D38AD}"/>
+          <p:cNvPr id="12" name="Title 1">
+            <a:extLst>
+              <a:ext uri="{FF2B5EF4-FFF2-40B4-BE49-F238E27FC236}">
+                <a16:creationId xmlns:a16="http://schemas.microsoft.com/office/drawing/2014/main" id="{FA2A6C2F-5DD5-9B43-8E33-694C7E454662}"/>
               </a:ext>
             </a:extLst>
           </p:cNvPr>
@@ -6764,8 +6759,8 @@
         </p:nvSpPr>
         <p:spPr>
           <a:xfrm>
-            <a:off x="333703" y="129244"/>
-            <a:ext cx="10515600" cy="1103585"/>
+            <a:off x="922284" y="823694"/>
+            <a:ext cx="10018983" cy="412641"/>
           </a:xfrm>
           <a:prstGeom prst="rect">
             <a:avLst/>
@@ -6773,7 +6768,7 @@
         </p:spPr>
         <p:txBody>
           <a:bodyPr vert="horz" lIns="91440" tIns="45720" rIns="91440" bIns="45720" rtlCol="0" anchor="ctr">
-            <a:normAutofit fontScale="77500" lnSpcReduction="20000"/>
+            <a:normAutofit/>
           </a:bodyPr>
           <a:lstStyle>
             <a:lvl1pPr algn="l" defTabSz="914400" rtl="0" eaLnBrk="1" latinLnBrk="0" hangingPunct="1">
@@ -6796,8 +6791,206 @@
           </a:lstStyle>
           <a:p>
             <a:r>
-              <a:rPr lang="en-AU" b="1" dirty="0"/>
-              <a:t>Section D: Describe the Data Exploration (evidence: histograms, scatterplots, outliers, grouping/aggregation:</a:t>
+              <a:rPr lang="en-US" sz="1600" b="1" dirty="0"/>
+              <a:t>Bottom Ten Suburbs - Summary Table</a:t>
+            </a:r>
+            <a:endParaRPr lang="en-US" sz="1600" dirty="0"/>
+          </a:p>
+        </p:txBody>
+      </p:sp>
+      <p:sp>
+        <p:nvSpPr>
+          <p:cNvPr id="14" name="Title 1">
+            <a:extLst>
+              <a:ext uri="{FF2B5EF4-FFF2-40B4-BE49-F238E27FC236}">
+                <a16:creationId xmlns:a16="http://schemas.microsoft.com/office/drawing/2014/main" id="{F65E0600-6B4A-CB40-94A6-AE0FC42CF00F}"/>
+              </a:ext>
+            </a:extLst>
+          </p:cNvPr>
+          <p:cNvSpPr txBox="1">
+            <a:spLocks/>
+          </p:cNvSpPr>
+          <p:nvPr/>
+        </p:nvSpPr>
+        <p:spPr>
+          <a:xfrm>
+            <a:off x="922283" y="1145628"/>
+            <a:ext cx="10347431" cy="1312533"/>
+          </a:xfrm>
+          <a:prstGeom prst="rect">
+            <a:avLst/>
+          </a:prstGeom>
+        </p:spPr>
+        <p:txBody>
+          <a:bodyPr vert="horz" lIns="91440" tIns="45720" rIns="91440" bIns="45720" rtlCol="0" anchor="ctr">
+            <a:normAutofit fontScale="97500" lnSpcReduction="10000"/>
+          </a:bodyPr>
+          <a:lstStyle>
+            <a:lvl1pPr algn="l" defTabSz="914400" rtl="0" eaLnBrk="1" latinLnBrk="0" hangingPunct="1">
+              <a:lnSpc>
+                <a:spcPct val="90000"/>
+              </a:lnSpc>
+              <a:spcBef>
+                <a:spcPct val="0"/>
+              </a:spcBef>
+              <a:buNone/>
+              <a:defRPr sz="4400" kern="1200">
+                <a:solidFill>
+                  <a:schemeClr val="tx1"/>
+                </a:solidFill>
+                <a:latin typeface="+mj-lt"/>
+                <a:ea typeface="+mj-ea"/>
+                <a:cs typeface="+mj-cs"/>
+              </a:defRPr>
+            </a:lvl1pPr>
+          </a:lstStyle>
+          <a:p>
+            <a:pPr marL="285750" indent="-285750">
+              <a:buFont typeface="Arial" panose="020B0604020202020204" pitchFamily="34" charset="0"/>
+              <a:buChar char="•"/>
+            </a:pPr>
+            <a:r>
+              <a:rPr lang="en-US" sz="1600" dirty="0"/>
+              <a:t>Breaking it down into suburbs has allowed us to better see areas of interest and areas to avoid.</a:t>
+            </a:r>
+          </a:p>
+          <a:p>
+            <a:pPr marL="285750" indent="-285750">
+              <a:buFont typeface="Arial" panose="020B0604020202020204" pitchFamily="34" charset="0"/>
+              <a:buChar char="•"/>
+            </a:pPr>
+            <a:r>
+              <a:rPr lang="en-US" sz="1600" dirty="0"/>
+              <a:t>Of note, some of the bottom ten suburbs are in areas I would have considered popular tourist areas - </a:t>
+            </a:r>
+            <a:r>
+              <a:rPr lang="en-US" sz="1600" dirty="0" err="1"/>
+              <a:t>ie</a:t>
+            </a:r>
+            <a:endParaRPr lang="en-US" sz="1600" dirty="0"/>
+          </a:p>
+          <a:p>
+            <a:pPr marL="285750" indent="-285750">
+              <a:buFont typeface="Courier New" panose="02070309020205020404" pitchFamily="49" charset="0"/>
+              <a:buChar char="o"/>
+            </a:pPr>
+            <a:r>
+              <a:rPr lang="en-US" sz="1600" dirty="0"/>
+              <a:t>Balaclava</a:t>
+            </a:r>
+          </a:p>
+          <a:p>
+            <a:pPr marL="285750" indent="-285750">
+              <a:buFont typeface="Courier New" panose="02070309020205020404" pitchFamily="49" charset="0"/>
+              <a:buChar char="o"/>
+            </a:pPr>
+            <a:r>
+              <a:rPr lang="en-US" sz="1600" dirty="0"/>
+              <a:t>St Kilda East</a:t>
+            </a:r>
+          </a:p>
+          <a:p>
+            <a:pPr marL="285750" indent="-285750">
+              <a:buFont typeface="Courier New" panose="02070309020205020404" pitchFamily="49" charset="0"/>
+              <a:buChar char="o"/>
+            </a:pPr>
+            <a:r>
+              <a:rPr lang="en-US" sz="1600" dirty="0"/>
+              <a:t>Elwood</a:t>
+            </a:r>
+          </a:p>
+          <a:p>
+            <a:pPr marL="285750" indent="-285750">
+              <a:buFont typeface="Arial" panose="020B0604020202020204" pitchFamily="34" charset="0"/>
+              <a:buChar char="•"/>
+            </a:pPr>
+            <a:r>
+              <a:rPr lang="en-US" sz="1600" dirty="0"/>
+              <a:t>This further calls into question the viability of using number of reviews as an indication of occupancy rates.</a:t>
+            </a:r>
+          </a:p>
+        </p:txBody>
+      </p:sp>
+      <p:pic>
+        <p:nvPicPr>
+          <p:cNvPr id="16" name="Picture 15">
+            <a:extLst>
+              <a:ext uri="{FF2B5EF4-FFF2-40B4-BE49-F238E27FC236}">
+                <a16:creationId xmlns:a16="http://schemas.microsoft.com/office/drawing/2014/main" id="{E1CFED92-31DF-9D46-993B-79B7225B3F82}"/>
+              </a:ext>
+            </a:extLst>
+          </p:cNvPr>
+          <p:cNvPicPr>
+            <a:picLocks noChangeAspect="1"/>
+          </p:cNvPicPr>
+          <p:nvPr/>
+        </p:nvPicPr>
+        <p:blipFill>
+          <a:blip r:embed="rId2"/>
+          <a:stretch>
+            <a:fillRect/>
+          </a:stretch>
+        </p:blipFill>
+        <p:spPr>
+          <a:xfrm>
+            <a:off x="922283" y="2458161"/>
+            <a:ext cx="10928131" cy="3541109"/>
+          </a:xfrm>
+          <a:prstGeom prst="rect">
+            <a:avLst/>
+          </a:prstGeom>
+        </p:spPr>
+      </p:pic>
+      <p:sp>
+        <p:nvSpPr>
+          <p:cNvPr id="17" name="Title 1">
+            <a:extLst>
+              <a:ext uri="{FF2B5EF4-FFF2-40B4-BE49-F238E27FC236}">
+                <a16:creationId xmlns:a16="http://schemas.microsoft.com/office/drawing/2014/main" id="{E6D8FE6C-0060-1543-A746-7C744F9F961F}"/>
+              </a:ext>
+            </a:extLst>
+          </p:cNvPr>
+          <p:cNvSpPr txBox="1">
+            <a:spLocks/>
+          </p:cNvSpPr>
+          <p:nvPr/>
+        </p:nvSpPr>
+        <p:spPr>
+          <a:xfrm>
+            <a:off x="333703" y="115615"/>
+            <a:ext cx="10515600" cy="708080"/>
+          </a:xfrm>
+          <a:prstGeom prst="rect">
+            <a:avLst/>
+          </a:prstGeom>
+        </p:spPr>
+        <p:txBody>
+          <a:bodyPr vert="horz" lIns="91440" tIns="45720" rIns="91440" bIns="45720" rtlCol="0" anchor="ctr">
+            <a:normAutofit/>
+          </a:bodyPr>
+          <a:lstStyle>
+            <a:lvl1pPr algn="l" defTabSz="914400" rtl="0" eaLnBrk="1" latinLnBrk="0" hangingPunct="1">
+              <a:lnSpc>
+                <a:spcPct val="90000"/>
+              </a:lnSpc>
+              <a:spcBef>
+                <a:spcPct val="0"/>
+              </a:spcBef>
+              <a:buNone/>
+              <a:defRPr sz="4400" kern="1200">
+                <a:solidFill>
+                  <a:schemeClr val="tx1"/>
+                </a:solidFill>
+                <a:latin typeface="+mj-lt"/>
+                <a:ea typeface="+mj-ea"/>
+                <a:cs typeface="+mj-cs"/>
+              </a:defRPr>
+            </a:lvl1pPr>
+          </a:lstStyle>
+          <a:p>
+            <a:r>
+              <a:rPr lang="en-US" dirty="0"/>
+              <a:t>Indication of occupancy – All property types</a:t>
             </a:r>
           </a:p>
         </p:txBody>
@@ -6805,7 +6998,7 @@
     </p:spTree>
     <p:extLst>
       <p:ext uri="{BB962C8B-B14F-4D97-AF65-F5344CB8AC3E}">
-        <p14:creationId xmlns:p14="http://schemas.microsoft.com/office/powerpoint/2010/main" val="1109965122"/>
+        <p14:creationId xmlns:p14="http://schemas.microsoft.com/office/powerpoint/2010/main" val="799541923"/>
       </p:ext>
     </p:extLst>
   </p:cSld>
@@ -6832,46 +7025,19 @@
           <a:chExt cx="0" cy="0"/>
         </a:xfrm>
       </p:grpSpPr>
-      <p:sp>
-        <p:nvSpPr>
-          <p:cNvPr id="2" name="Title 1">
-            <a:extLst>
-              <a:ext uri="{FF2B5EF4-FFF2-40B4-BE49-F238E27FC236}">
-                <a16:creationId xmlns:a16="http://schemas.microsoft.com/office/drawing/2014/main" id="{1C5483EF-D5EE-024D-9B37-14C43132F457}"/>
-              </a:ext>
-            </a:extLst>
-          </p:cNvPr>
-          <p:cNvSpPr>
-            <a:spLocks noGrp="1"/>
-          </p:cNvSpPr>
-          <p:nvPr>
-            <p:ph type="title"/>
-          </p:nvPr>
-        </p:nvSpPr>
-        <p:spPr/>
-        <p:txBody>
-          <a:bodyPr/>
-          <a:lstStyle/>
-          <a:p>
-            <a:endParaRPr lang="en-US"/>
-          </a:p>
-        </p:txBody>
-      </p:sp>
       <p:pic>
         <p:nvPicPr>
-          <p:cNvPr id="5" name="Content Placeholder 4">
-            <a:extLst>
-              <a:ext uri="{FF2B5EF4-FFF2-40B4-BE49-F238E27FC236}">
-                <a16:creationId xmlns:a16="http://schemas.microsoft.com/office/drawing/2014/main" id="{E86E1EF3-E81B-5A46-B7F5-21F23BB25C2A}"/>
+          <p:cNvPr id="9" name="Picture 8">
+            <a:extLst>
+              <a:ext uri="{FF2B5EF4-FFF2-40B4-BE49-F238E27FC236}">
+                <a16:creationId xmlns:a16="http://schemas.microsoft.com/office/drawing/2014/main" id="{3AD5ECA3-6DD5-E741-8A3D-CCE87AF4F832}"/>
               </a:ext>
             </a:extLst>
           </p:cNvPr>
           <p:cNvPicPr>
-            <a:picLocks noGrp="1" noChangeAspect="1"/>
+            <a:picLocks noChangeAspect="1"/>
           </p:cNvPicPr>
-          <p:nvPr>
-            <p:ph idx="1"/>
-          </p:nvPr>
+          <p:nvPr/>
         </p:nvPicPr>
         <p:blipFill>
           <a:blip r:embed="rId2"/>
@@ -6881,15 +7047,237 @@
         </p:blipFill>
         <p:spPr>
           <a:xfrm>
-            <a:off x="1744662" y="1825625"/>
-            <a:ext cx="8702676" cy="4351338"/>
-          </a:xfrm>
+            <a:off x="1017739" y="823694"/>
+            <a:ext cx="4014976" cy="6022466"/>
+          </a:xfrm>
+          <a:prstGeom prst="rect">
+            <a:avLst/>
+          </a:prstGeom>
         </p:spPr>
       </p:pic>
+      <p:sp>
+        <p:nvSpPr>
+          <p:cNvPr id="4" name="Rectangle 3">
+            <a:extLst>
+              <a:ext uri="{FF2B5EF4-FFF2-40B4-BE49-F238E27FC236}">
+                <a16:creationId xmlns:a16="http://schemas.microsoft.com/office/drawing/2014/main" id="{4EF757AE-2D17-FA47-9785-D261A86894D7}"/>
+              </a:ext>
+            </a:extLst>
+          </p:cNvPr>
+          <p:cNvSpPr/>
+          <p:nvPr/>
+        </p:nvSpPr>
+        <p:spPr>
+          <a:xfrm>
+            <a:off x="-115614" y="-136634"/>
+            <a:ext cx="357352" cy="7273158"/>
+          </a:xfrm>
+          <a:prstGeom prst="rect">
+            <a:avLst/>
+          </a:prstGeom>
+          <a:solidFill>
+            <a:schemeClr val="tx1"/>
+          </a:solidFill>
+          <a:ln>
+            <a:noFill/>
+          </a:ln>
+        </p:spPr>
+        <p:style>
+          <a:lnRef idx="2">
+            <a:schemeClr val="accent1">
+              <a:shade val="50000"/>
+            </a:schemeClr>
+          </a:lnRef>
+          <a:fillRef idx="1">
+            <a:schemeClr val="accent1"/>
+          </a:fillRef>
+          <a:effectRef idx="0">
+            <a:schemeClr val="accent1"/>
+          </a:effectRef>
+          <a:fontRef idx="minor">
+            <a:schemeClr val="lt1"/>
+          </a:fontRef>
+        </p:style>
+        <p:txBody>
+          <a:bodyPr rtlCol="0" anchor="ctr"/>
+          <a:lstStyle/>
+          <a:p>
+            <a:pPr algn="ctr"/>
+            <a:endParaRPr lang="en-US"/>
+          </a:p>
+        </p:txBody>
+      </p:sp>
+      <p:sp>
+        <p:nvSpPr>
+          <p:cNvPr id="5" name="Title 1">
+            <a:extLst>
+              <a:ext uri="{FF2B5EF4-FFF2-40B4-BE49-F238E27FC236}">
+                <a16:creationId xmlns:a16="http://schemas.microsoft.com/office/drawing/2014/main" id="{A1E3F8C2-5169-F94F-8388-7A4D03A7EB9F}"/>
+              </a:ext>
+            </a:extLst>
+          </p:cNvPr>
+          <p:cNvSpPr txBox="1">
+            <a:spLocks/>
+          </p:cNvSpPr>
+          <p:nvPr/>
+        </p:nvSpPr>
+        <p:spPr>
+          <a:xfrm>
+            <a:off x="5716751" y="823694"/>
+            <a:ext cx="6046075" cy="412641"/>
+          </a:xfrm>
+          <a:prstGeom prst="rect">
+            <a:avLst/>
+          </a:prstGeom>
+        </p:spPr>
+        <p:txBody>
+          <a:bodyPr vert="horz" lIns="91440" tIns="45720" rIns="91440" bIns="45720" rtlCol="0" anchor="ctr">
+            <a:normAutofit/>
+          </a:bodyPr>
+          <a:lstStyle>
+            <a:lvl1pPr algn="l" defTabSz="914400" rtl="0" eaLnBrk="1" latinLnBrk="0" hangingPunct="1">
+              <a:lnSpc>
+                <a:spcPct val="90000"/>
+              </a:lnSpc>
+              <a:spcBef>
+                <a:spcPct val="0"/>
+              </a:spcBef>
+              <a:buNone/>
+              <a:defRPr sz="4400" kern="1200">
+                <a:solidFill>
+                  <a:schemeClr val="tx1"/>
+                </a:solidFill>
+                <a:latin typeface="+mj-lt"/>
+                <a:ea typeface="+mj-ea"/>
+                <a:cs typeface="+mj-cs"/>
+              </a:defRPr>
+            </a:lvl1pPr>
+          </a:lstStyle>
+          <a:p>
+            <a:r>
+              <a:rPr lang="en-US" sz="1600" b="1" dirty="0"/>
+              <a:t>Top Ten and Bottom Ten Suburbs – Bar Plot</a:t>
+            </a:r>
+            <a:endParaRPr lang="en-US" sz="1600" dirty="0"/>
+          </a:p>
+        </p:txBody>
+      </p:sp>
+      <p:sp>
+        <p:nvSpPr>
+          <p:cNvPr id="6" name="Title 1">
+            <a:extLst>
+              <a:ext uri="{FF2B5EF4-FFF2-40B4-BE49-F238E27FC236}">
+                <a16:creationId xmlns:a16="http://schemas.microsoft.com/office/drawing/2014/main" id="{89D9B52D-6CEB-3145-9D8F-A486F5E3B5E5}"/>
+              </a:ext>
+            </a:extLst>
+          </p:cNvPr>
+          <p:cNvSpPr txBox="1">
+            <a:spLocks/>
+          </p:cNvSpPr>
+          <p:nvPr/>
+        </p:nvSpPr>
+        <p:spPr>
+          <a:xfrm>
+            <a:off x="5716751" y="1296601"/>
+            <a:ext cx="6109138" cy="1325563"/>
+          </a:xfrm>
+          <a:prstGeom prst="rect">
+            <a:avLst/>
+          </a:prstGeom>
+        </p:spPr>
+        <p:txBody>
+          <a:bodyPr vert="horz" lIns="91440" tIns="45720" rIns="91440" bIns="45720" rtlCol="0" anchor="ctr">
+            <a:normAutofit fontScale="97500"/>
+          </a:bodyPr>
+          <a:lstStyle>
+            <a:lvl1pPr algn="l" defTabSz="914400" rtl="0" eaLnBrk="1" latinLnBrk="0" hangingPunct="1">
+              <a:lnSpc>
+                <a:spcPct val="90000"/>
+              </a:lnSpc>
+              <a:spcBef>
+                <a:spcPct val="0"/>
+              </a:spcBef>
+              <a:buNone/>
+              <a:defRPr sz="4400" kern="1200">
+                <a:solidFill>
+                  <a:schemeClr val="tx1"/>
+                </a:solidFill>
+                <a:latin typeface="+mj-lt"/>
+                <a:ea typeface="+mj-ea"/>
+                <a:cs typeface="+mj-cs"/>
+              </a:defRPr>
+            </a:lvl1pPr>
+          </a:lstStyle>
+          <a:p>
+            <a:pPr marL="285750" indent="-285750">
+              <a:buFont typeface="Arial" panose="020B0604020202020204" pitchFamily="34" charset="0"/>
+              <a:buChar char="•"/>
+            </a:pPr>
+            <a:r>
+              <a:rPr lang="en-US" sz="1600" dirty="0"/>
+              <a:t>To get a sense of how reviews per month might look for a year, the data has be extrapolated to over 12 months</a:t>
+            </a:r>
+          </a:p>
+        </p:txBody>
+      </p:sp>
+      <p:sp>
+        <p:nvSpPr>
+          <p:cNvPr id="10" name="Title 1">
+            <a:extLst>
+              <a:ext uri="{FF2B5EF4-FFF2-40B4-BE49-F238E27FC236}">
+                <a16:creationId xmlns:a16="http://schemas.microsoft.com/office/drawing/2014/main" id="{1EE2638E-5E80-1A41-B695-A4DCB3C16B2E}"/>
+              </a:ext>
+            </a:extLst>
+          </p:cNvPr>
+          <p:cNvSpPr txBox="1">
+            <a:spLocks/>
+          </p:cNvSpPr>
+          <p:nvPr/>
+        </p:nvSpPr>
+        <p:spPr>
+          <a:xfrm>
+            <a:off x="333703" y="115615"/>
+            <a:ext cx="10515600" cy="708080"/>
+          </a:xfrm>
+          <a:prstGeom prst="rect">
+            <a:avLst/>
+          </a:prstGeom>
+        </p:spPr>
+        <p:txBody>
+          <a:bodyPr vert="horz" lIns="91440" tIns="45720" rIns="91440" bIns="45720" rtlCol="0" anchor="ctr">
+            <a:normAutofit/>
+          </a:bodyPr>
+          <a:lstStyle>
+            <a:lvl1pPr algn="l" defTabSz="914400" rtl="0" eaLnBrk="1" latinLnBrk="0" hangingPunct="1">
+              <a:lnSpc>
+                <a:spcPct val="90000"/>
+              </a:lnSpc>
+              <a:spcBef>
+                <a:spcPct val="0"/>
+              </a:spcBef>
+              <a:buNone/>
+              <a:defRPr sz="4400" kern="1200">
+                <a:solidFill>
+                  <a:schemeClr val="tx1"/>
+                </a:solidFill>
+                <a:latin typeface="+mj-lt"/>
+                <a:ea typeface="+mj-ea"/>
+                <a:cs typeface="+mj-cs"/>
+              </a:defRPr>
+            </a:lvl1pPr>
+          </a:lstStyle>
+          <a:p>
+            <a:r>
+              <a:rPr lang="en-US" dirty="0"/>
+              <a:t>Indication of occupancy – All property types</a:t>
+            </a:r>
+          </a:p>
+        </p:txBody>
+      </p:sp>
     </p:spTree>
     <p:extLst>
       <p:ext uri="{BB962C8B-B14F-4D97-AF65-F5344CB8AC3E}">
-        <p14:creationId xmlns:p14="http://schemas.microsoft.com/office/powerpoint/2010/main" val="199472509"/>
+        <p14:creationId xmlns:p14="http://schemas.microsoft.com/office/powerpoint/2010/main" val="3240267983"/>
       </p:ext>
     </p:extLst>
   </p:cSld>
@@ -7082,54 +7470,10 @@
       </p:grpSpPr>
       <p:sp>
         <p:nvSpPr>
-          <p:cNvPr id="3" name="Content Placeholder 2">
-            <a:extLst>
-              <a:ext uri="{FF2B5EF4-FFF2-40B4-BE49-F238E27FC236}">
-                <a16:creationId xmlns:a16="http://schemas.microsoft.com/office/drawing/2014/main" id="{0FB7235C-C25A-DD4F-9DA3-9B342DBBB755}"/>
-              </a:ext>
-            </a:extLst>
-          </p:cNvPr>
-          <p:cNvSpPr>
-            <a:spLocks noGrp="1"/>
-          </p:cNvSpPr>
-          <p:nvPr>
-            <p:ph idx="1"/>
-          </p:nvPr>
-        </p:nvSpPr>
-        <p:spPr/>
-        <p:txBody>
-          <a:bodyPr/>
-          <a:lstStyle/>
-          <a:p>
-            <a:r>
-              <a:rPr lang="en-AU" dirty="0"/>
-              <a:t>As an indication to occupancy rates, we looked at the number of ratings per month for each listing in our data. We wanted to include the popularity of areas within Melbourne to our decision making as investors.</a:t>
-            </a:r>
-          </a:p>
-          <a:p>
-            <a:r>
-              <a:rPr lang="en-AU" b="1" dirty="0" err="1"/>
-              <a:t>LImitations</a:t>
-            </a:r>
-            <a:endParaRPr lang="en-AU" b="1" dirty="0"/>
-          </a:p>
-          <a:p>
-            <a:r>
-              <a:rPr lang="en-AU" dirty="0"/>
-              <a:t>We were unable source actual data for occupancy rates. Other data considered was availability of the listing but as a host can limit the availability of the listing, we felt that was even more problematic that the number of reviews posted.</a:t>
-            </a:r>
-          </a:p>
-          <a:p>
-            <a:endParaRPr lang="en-US" dirty="0"/>
-          </a:p>
-        </p:txBody>
-      </p:sp>
-      <p:sp>
-        <p:nvSpPr>
-          <p:cNvPr id="4" name="Rectangle 3">
-            <a:extLst>
-              <a:ext uri="{FF2B5EF4-FFF2-40B4-BE49-F238E27FC236}">
-                <a16:creationId xmlns:a16="http://schemas.microsoft.com/office/drawing/2014/main" id="{F555A6B0-A439-9443-A251-F97140853746}"/>
+          <p:cNvPr id="8" name="Rectangle 7">
+            <a:extLst>
+              <a:ext uri="{FF2B5EF4-FFF2-40B4-BE49-F238E27FC236}">
+                <a16:creationId xmlns:a16="http://schemas.microsoft.com/office/drawing/2014/main" id="{1ACE4145-348A-D74D-83A7-F1421294F19B}"/>
               </a:ext>
             </a:extLst>
           </p:cNvPr>
@@ -7178,10 +7522,10 @@
       </p:sp>
       <p:sp>
         <p:nvSpPr>
-          <p:cNvPr id="7" name="Title 1">
-            <a:extLst>
-              <a:ext uri="{FF2B5EF4-FFF2-40B4-BE49-F238E27FC236}">
-                <a16:creationId xmlns:a16="http://schemas.microsoft.com/office/drawing/2014/main" id="{2D38CD6A-13E0-2D41-A70B-DFD822D16CE2}"/>
+          <p:cNvPr id="9" name="Title 1">
+            <a:extLst>
+              <a:ext uri="{FF2B5EF4-FFF2-40B4-BE49-F238E27FC236}">
+                <a16:creationId xmlns:a16="http://schemas.microsoft.com/office/drawing/2014/main" id="{031684C9-D079-4C44-8297-CB7A6E7804F7}"/>
               </a:ext>
             </a:extLst>
           </p:cNvPr>
@@ -7230,10 +7574,163 @@
           </a:p>
         </p:txBody>
       </p:sp>
+      <p:sp>
+        <p:nvSpPr>
+          <p:cNvPr id="10" name="Title 1">
+            <a:extLst>
+              <a:ext uri="{FF2B5EF4-FFF2-40B4-BE49-F238E27FC236}">
+                <a16:creationId xmlns:a16="http://schemas.microsoft.com/office/drawing/2014/main" id="{CC0E11F2-3321-CD45-AC05-F1B3B95B3384}"/>
+              </a:ext>
+            </a:extLst>
+          </p:cNvPr>
+          <p:cNvSpPr txBox="1">
+            <a:spLocks/>
+          </p:cNvSpPr>
+          <p:nvPr/>
+        </p:nvSpPr>
+        <p:spPr>
+          <a:xfrm>
+            <a:off x="922284" y="823694"/>
+            <a:ext cx="10018983" cy="412641"/>
+          </a:xfrm>
+          <a:prstGeom prst="rect">
+            <a:avLst/>
+          </a:prstGeom>
+        </p:spPr>
+        <p:txBody>
+          <a:bodyPr vert="horz" lIns="91440" tIns="45720" rIns="91440" bIns="45720" rtlCol="0" anchor="ctr">
+            <a:normAutofit/>
+          </a:bodyPr>
+          <a:lstStyle>
+            <a:lvl1pPr algn="l" defTabSz="914400" rtl="0" eaLnBrk="1" latinLnBrk="0" hangingPunct="1">
+              <a:lnSpc>
+                <a:spcPct val="90000"/>
+              </a:lnSpc>
+              <a:spcBef>
+                <a:spcPct val="0"/>
+              </a:spcBef>
+              <a:buNone/>
+              <a:defRPr sz="4400" kern="1200">
+                <a:solidFill>
+                  <a:schemeClr val="tx1"/>
+                </a:solidFill>
+                <a:latin typeface="+mj-lt"/>
+                <a:ea typeface="+mj-ea"/>
+                <a:cs typeface="+mj-cs"/>
+              </a:defRPr>
+            </a:lvl1pPr>
+          </a:lstStyle>
+          <a:p>
+            <a:r>
+              <a:rPr lang="en-US" sz="1600" b="1" dirty="0"/>
+              <a:t>Occupancy by property type</a:t>
+            </a:r>
+            <a:endParaRPr lang="en-US" sz="1600" dirty="0"/>
+          </a:p>
+        </p:txBody>
+      </p:sp>
+      <p:sp>
+        <p:nvSpPr>
+          <p:cNvPr id="11" name="Title 1">
+            <a:extLst>
+              <a:ext uri="{FF2B5EF4-FFF2-40B4-BE49-F238E27FC236}">
+                <a16:creationId xmlns:a16="http://schemas.microsoft.com/office/drawing/2014/main" id="{1D60E81B-53ED-B248-A1B6-C45A4138A10E}"/>
+              </a:ext>
+            </a:extLst>
+          </p:cNvPr>
+          <p:cNvSpPr txBox="1">
+            <a:spLocks/>
+          </p:cNvSpPr>
+          <p:nvPr/>
+        </p:nvSpPr>
+        <p:spPr>
+          <a:xfrm>
+            <a:off x="922283" y="1145629"/>
+            <a:ext cx="10347431" cy="935420"/>
+          </a:xfrm>
+          <a:prstGeom prst="rect">
+            <a:avLst/>
+          </a:prstGeom>
+        </p:spPr>
+        <p:txBody>
+          <a:bodyPr vert="horz" lIns="91440" tIns="45720" rIns="91440" bIns="45720" rtlCol="0" anchor="ctr">
+            <a:normAutofit fontScale="97500" lnSpcReduction="10000"/>
+          </a:bodyPr>
+          <a:lstStyle>
+            <a:lvl1pPr algn="l" defTabSz="914400" rtl="0" eaLnBrk="1" latinLnBrk="0" hangingPunct="1">
+              <a:lnSpc>
+                <a:spcPct val="90000"/>
+              </a:lnSpc>
+              <a:spcBef>
+                <a:spcPct val="0"/>
+              </a:spcBef>
+              <a:buNone/>
+              <a:defRPr sz="4400" kern="1200">
+                <a:solidFill>
+                  <a:schemeClr val="tx1"/>
+                </a:solidFill>
+                <a:latin typeface="+mj-lt"/>
+                <a:ea typeface="+mj-ea"/>
+                <a:cs typeface="+mj-cs"/>
+              </a:defRPr>
+            </a:lvl1pPr>
+          </a:lstStyle>
+          <a:p>
+            <a:pPr marL="285750" indent="-285750">
+              <a:buFont typeface="Arial" panose="020B0604020202020204" pitchFamily="34" charset="0"/>
+              <a:buChar char="•"/>
+            </a:pPr>
+            <a:r>
+              <a:rPr lang="en-US" sz="1600" dirty="0"/>
+              <a:t>Although lofts were the property type with the highest number of reviews it was based on the smallest number of data points.</a:t>
+            </a:r>
+          </a:p>
+          <a:p>
+            <a:pPr marL="285750" indent="-285750">
+              <a:buFont typeface="Arial" panose="020B0604020202020204" pitchFamily="34" charset="0"/>
+              <a:buChar char="•"/>
+            </a:pPr>
+            <a:r>
+              <a:rPr lang="en-US" sz="1600" dirty="0"/>
+              <a:t>The second highest in the chart is apartment. As this is by far the highest amount of property types in the data, and with the highest indication of "occupancy", we decided to only look at apartments.</a:t>
+            </a:r>
+          </a:p>
+        </p:txBody>
+      </p:sp>
+      <p:pic>
+        <p:nvPicPr>
+          <p:cNvPr id="13" name="Picture 12">
+            <a:extLst>
+              <a:ext uri="{FF2B5EF4-FFF2-40B4-BE49-F238E27FC236}">
+                <a16:creationId xmlns:a16="http://schemas.microsoft.com/office/drawing/2014/main" id="{04BC401D-580A-5F43-99CD-961ACD6F63E5}"/>
+              </a:ext>
+            </a:extLst>
+          </p:cNvPr>
+          <p:cNvPicPr>
+            <a:picLocks noChangeAspect="1"/>
+          </p:cNvPicPr>
+          <p:nvPr/>
+        </p:nvPicPr>
+        <p:blipFill>
+          <a:blip r:embed="rId2"/>
+          <a:stretch>
+            <a:fillRect/>
+          </a:stretch>
+        </p:blipFill>
+        <p:spPr>
+          <a:xfrm>
+            <a:off x="1523998" y="2004848"/>
+            <a:ext cx="9144000" cy="4572000"/>
+          </a:xfrm>
+          <a:prstGeom prst="rect">
+            <a:avLst/>
+          </a:prstGeom>
+        </p:spPr>
+      </p:pic>
     </p:spTree>
     <p:extLst>
       <p:ext uri="{BB962C8B-B14F-4D97-AF65-F5344CB8AC3E}">
-        <p14:creationId xmlns:p14="http://schemas.microsoft.com/office/powerpoint/2010/main" val="575191998"/>
+        <p14:creationId xmlns:p14="http://schemas.microsoft.com/office/powerpoint/2010/main" val="347504305"/>
       </p:ext>
     </p:extLst>
   </p:cSld>
@@ -7262,79 +7759,10 @@
       </p:grpSpPr>
       <p:sp>
         <p:nvSpPr>
-          <p:cNvPr id="2" name="Title 1">
-            <a:extLst>
-              <a:ext uri="{FF2B5EF4-FFF2-40B4-BE49-F238E27FC236}">
-                <a16:creationId xmlns:a16="http://schemas.microsoft.com/office/drawing/2014/main" id="{29A24FC4-E6EA-D141-ABFE-77572F638708}"/>
-              </a:ext>
-            </a:extLst>
-          </p:cNvPr>
-          <p:cNvSpPr>
-            <a:spLocks noGrp="1"/>
-          </p:cNvSpPr>
-          <p:nvPr>
-            <p:ph type="title"/>
-          </p:nvPr>
-        </p:nvSpPr>
-        <p:spPr>
-          <a:xfrm>
-            <a:off x="922284" y="823694"/>
-            <a:ext cx="10018983" cy="412641"/>
-          </a:xfrm>
-        </p:spPr>
-        <p:txBody>
-          <a:bodyPr>
-            <a:normAutofit/>
-          </a:bodyPr>
-          <a:lstStyle/>
-          <a:p>
-            <a:r>
-              <a:rPr lang="en-US" sz="1600" b="1" dirty="0" err="1"/>
-              <a:t>Neighbourhood</a:t>
-            </a:r>
-            <a:r>
-              <a:rPr lang="en-US" sz="1600" b="1" dirty="0"/>
-              <a:t>  - Summary Table</a:t>
-            </a:r>
-            <a:endParaRPr lang="en-US" sz="1600" dirty="0"/>
-          </a:p>
-        </p:txBody>
-      </p:sp>
-      <p:pic>
-        <p:nvPicPr>
-          <p:cNvPr id="5" name="Content Placeholder 4">
-            <a:extLst>
-              <a:ext uri="{FF2B5EF4-FFF2-40B4-BE49-F238E27FC236}">
-                <a16:creationId xmlns:a16="http://schemas.microsoft.com/office/drawing/2014/main" id="{E8B20747-F340-3C44-9AD0-F47DF3A697DE}"/>
-              </a:ext>
-            </a:extLst>
-          </p:cNvPr>
-          <p:cNvPicPr>
-            <a:picLocks noGrp="1" noChangeAspect="1"/>
-          </p:cNvPicPr>
-          <p:nvPr>
-            <p:ph idx="1"/>
-          </p:nvPr>
-        </p:nvPicPr>
-        <p:blipFill>
-          <a:blip r:embed="rId2"/>
-          <a:stretch>
-            <a:fillRect/>
-          </a:stretch>
-        </p:blipFill>
-        <p:spPr>
-          <a:xfrm>
-            <a:off x="1007977" y="2136227"/>
-            <a:ext cx="10176041" cy="4351338"/>
-          </a:xfrm>
-        </p:spPr>
-      </p:pic>
-      <p:sp>
-        <p:nvSpPr>
-          <p:cNvPr id="6" name="Oval 5">
-            <a:extLst>
-              <a:ext uri="{FF2B5EF4-FFF2-40B4-BE49-F238E27FC236}">
-                <a16:creationId xmlns:a16="http://schemas.microsoft.com/office/drawing/2014/main" id="{4CF9222E-7869-824B-BD5D-95E8659D3C77}"/>
+          <p:cNvPr id="8" name="Rectangle 7">
+            <a:extLst>
+              <a:ext uri="{FF2B5EF4-FFF2-40B4-BE49-F238E27FC236}">
+                <a16:creationId xmlns:a16="http://schemas.microsoft.com/office/drawing/2014/main" id="{37CB9B8F-D94F-7F4A-BC03-3D35B7D0DD7F}"/>
               </a:ext>
             </a:extLst>
           </p:cNvPr>
@@ -7343,17 +7771,17 @@
         </p:nvSpPr>
         <p:spPr>
           <a:xfrm>
-            <a:off x="3258206" y="2824545"/>
-            <a:ext cx="1187669" cy="430924"/>
-          </a:xfrm>
-          <a:prstGeom prst="ellipse">
+            <a:off x="-115614" y="-207579"/>
+            <a:ext cx="357352" cy="7273158"/>
+          </a:xfrm>
+          <a:prstGeom prst="rect">
             <a:avLst/>
           </a:prstGeom>
-          <a:noFill/>
-          <a:ln w="38100">
-            <a:solidFill>
-              <a:srgbClr val="FF0000"/>
-            </a:solidFill>
+          <a:solidFill>
+            <a:schemeClr val="tx1"/>
+          </a:solidFill>
+          <a:ln>
+            <a:noFill/>
           </a:ln>
         </p:spPr>
         <p:style>
@@ -7383,114 +7811,10 @@
       </p:sp>
       <p:sp>
         <p:nvSpPr>
-          <p:cNvPr id="7" name="Oval 6">
-            <a:extLst>
-              <a:ext uri="{FF2B5EF4-FFF2-40B4-BE49-F238E27FC236}">
-                <a16:creationId xmlns:a16="http://schemas.microsoft.com/office/drawing/2014/main" id="{C152FF89-3FE1-0E4D-9493-5FAB571BEBA8}"/>
-              </a:ext>
-            </a:extLst>
-          </p:cNvPr>
-          <p:cNvSpPr/>
-          <p:nvPr/>
-        </p:nvSpPr>
-        <p:spPr>
-          <a:xfrm>
-            <a:off x="4908329" y="2798269"/>
-            <a:ext cx="1187669" cy="430924"/>
-          </a:xfrm>
-          <a:prstGeom prst="ellipse">
-            <a:avLst/>
-          </a:prstGeom>
-          <a:noFill/>
-          <a:ln w="38100">
-            <a:solidFill>
-              <a:srgbClr val="FF0000"/>
-            </a:solidFill>
-          </a:ln>
-        </p:spPr>
-        <p:style>
-          <a:lnRef idx="2">
-            <a:schemeClr val="accent1">
-              <a:shade val="50000"/>
-            </a:schemeClr>
-          </a:lnRef>
-          <a:fillRef idx="1">
-            <a:schemeClr val="accent1"/>
-          </a:fillRef>
-          <a:effectRef idx="0">
-            <a:schemeClr val="accent1"/>
-          </a:effectRef>
-          <a:fontRef idx="minor">
-            <a:schemeClr val="lt1"/>
-          </a:fontRef>
-        </p:style>
-        <p:txBody>
-          <a:bodyPr rtlCol="0" anchor="ctr"/>
-          <a:lstStyle/>
-          <a:p>
-            <a:pPr algn="ctr"/>
-            <a:endParaRPr lang="en-US"/>
-          </a:p>
-        </p:txBody>
-      </p:sp>
-      <p:sp>
-        <p:nvSpPr>
-          <p:cNvPr id="8" name="Oval 7">
-            <a:extLst>
-              <a:ext uri="{FF2B5EF4-FFF2-40B4-BE49-F238E27FC236}">
-                <a16:creationId xmlns:a16="http://schemas.microsoft.com/office/drawing/2014/main" id="{49730498-3C57-F64D-8435-37321D82D75F}"/>
-              </a:ext>
-            </a:extLst>
-          </p:cNvPr>
-          <p:cNvSpPr/>
-          <p:nvPr/>
-        </p:nvSpPr>
-        <p:spPr>
-          <a:xfrm>
-            <a:off x="6401306" y="2824545"/>
-            <a:ext cx="1187669" cy="430924"/>
-          </a:xfrm>
-          <a:prstGeom prst="ellipse">
-            <a:avLst/>
-          </a:prstGeom>
-          <a:noFill/>
-          <a:ln w="38100">
-            <a:solidFill>
-              <a:srgbClr val="FF0000"/>
-            </a:solidFill>
-          </a:ln>
-        </p:spPr>
-        <p:style>
-          <a:lnRef idx="2">
-            <a:schemeClr val="accent1">
-              <a:shade val="50000"/>
-            </a:schemeClr>
-          </a:lnRef>
-          <a:fillRef idx="1">
-            <a:schemeClr val="accent1"/>
-          </a:fillRef>
-          <a:effectRef idx="0">
-            <a:schemeClr val="accent1"/>
-          </a:effectRef>
-          <a:fontRef idx="minor">
-            <a:schemeClr val="lt1"/>
-          </a:fontRef>
-        </p:style>
-        <p:txBody>
-          <a:bodyPr rtlCol="0" anchor="ctr"/>
-          <a:lstStyle/>
-          <a:p>
-            <a:pPr algn="ctr"/>
-            <a:endParaRPr lang="en-US"/>
-          </a:p>
-        </p:txBody>
-      </p:sp>
-      <p:sp>
-        <p:nvSpPr>
           <p:cNvPr id="10" name="Title 1">
             <a:extLst>
               <a:ext uri="{FF2B5EF4-FFF2-40B4-BE49-F238E27FC236}">
-                <a16:creationId xmlns:a16="http://schemas.microsoft.com/office/drawing/2014/main" id="{E7113B67-E30C-D147-896B-A166FFCA86D2}"/>
+                <a16:creationId xmlns:a16="http://schemas.microsoft.com/office/drawing/2014/main" id="{AEB50CB7-EBBB-1848-99F8-9254D02640A2}"/>
               </a:ext>
             </a:extLst>
           </p:cNvPr>
@@ -7501,8 +7825,8 @@
         </p:nvSpPr>
         <p:spPr>
           <a:xfrm>
-            <a:off x="922283" y="1145628"/>
-            <a:ext cx="10347431" cy="990599"/>
+            <a:off x="922283" y="1145629"/>
+            <a:ext cx="10347431" cy="708080"/>
           </a:xfrm>
           <a:prstGeom prst="rect">
             <a:avLst/>
@@ -7538,27 +7862,7 @@
             </a:pPr>
             <a:r>
               <a:rPr lang="en-US" sz="1600" dirty="0"/>
-              <a:t>Looking at the Mean and variance, the median is possibly the best measure of central tendency.</a:t>
-            </a:r>
-          </a:p>
-          <a:p>
-            <a:pPr marL="285750" indent="-285750">
-              <a:buFont typeface="Arial" panose="020B0604020202020204" pitchFamily="34" charset="0"/>
-              <a:buChar char="•"/>
-            </a:pPr>
-            <a:r>
-              <a:rPr lang="en-US" sz="1600" dirty="0"/>
-              <a:t>Not surprisingly, Melbourne stands out with the highest median reviews per month.</a:t>
-            </a:r>
-          </a:p>
-          <a:p>
-            <a:pPr marL="285750" indent="-285750">
-              <a:buFont typeface="Arial" panose="020B0604020202020204" pitchFamily="34" charset="0"/>
-              <a:buChar char="•"/>
-            </a:pPr>
-            <a:r>
-              <a:rPr lang="en-US" sz="1600" dirty="0"/>
-              <a:t>With the variances indicating a wide range of "occupancies" throughout each </a:t>
+              <a:t>No further major insights into </a:t>
             </a:r>
             <a:r>
               <a:rPr lang="en-US" sz="1600" dirty="0" err="1"/>
@@ -7566,69 +7870,17 @@
             </a:r>
             <a:r>
               <a:rPr lang="en-US" sz="1600" dirty="0"/>
-              <a:t>, it was beneficial to break the data down and see if there was more consistency at the individual suburbs level</a:t>
-            </a:r>
-          </a:p>
-        </p:txBody>
-      </p:sp>
-      <p:sp>
-        <p:nvSpPr>
-          <p:cNvPr id="13" name="Rectangle 12">
-            <a:extLst>
-              <a:ext uri="{FF2B5EF4-FFF2-40B4-BE49-F238E27FC236}">
-                <a16:creationId xmlns:a16="http://schemas.microsoft.com/office/drawing/2014/main" id="{D07C0096-86AD-874E-8429-AC9D7A69FB2B}"/>
-              </a:ext>
-            </a:extLst>
-          </p:cNvPr>
-          <p:cNvSpPr/>
-          <p:nvPr/>
-        </p:nvSpPr>
-        <p:spPr>
-          <a:xfrm>
-            <a:off x="-115614" y="-136634"/>
-            <a:ext cx="357352" cy="7273158"/>
-          </a:xfrm>
-          <a:prstGeom prst="rect">
-            <a:avLst/>
-          </a:prstGeom>
-          <a:solidFill>
-            <a:schemeClr val="tx1"/>
-          </a:solidFill>
-          <a:ln>
-            <a:noFill/>
-          </a:ln>
-        </p:spPr>
-        <p:style>
-          <a:lnRef idx="2">
-            <a:schemeClr val="accent1">
-              <a:shade val="50000"/>
-            </a:schemeClr>
-          </a:lnRef>
-          <a:fillRef idx="1">
-            <a:schemeClr val="accent1"/>
-          </a:fillRef>
-          <a:effectRef idx="0">
-            <a:schemeClr val="accent1"/>
-          </a:effectRef>
-          <a:fontRef idx="minor">
-            <a:schemeClr val="lt1"/>
-          </a:fontRef>
-        </p:style>
-        <p:txBody>
-          <a:bodyPr rtlCol="0" anchor="ctr"/>
-          <a:lstStyle/>
-          <a:p>
-            <a:pPr algn="ctr"/>
-            <a:endParaRPr lang="en-US"/>
-          </a:p>
-        </p:txBody>
-      </p:sp>
-      <p:sp>
-        <p:nvSpPr>
-          <p:cNvPr id="15" name="Title 1">
-            <a:extLst>
-              <a:ext uri="{FF2B5EF4-FFF2-40B4-BE49-F238E27FC236}">
-                <a16:creationId xmlns:a16="http://schemas.microsoft.com/office/drawing/2014/main" id="{06AD1C83-7EBB-2F4B-9F92-0F144A2F5D0D}"/>
+              <a:t> summary</a:t>
+            </a:r>
+          </a:p>
+        </p:txBody>
+      </p:sp>
+      <p:sp>
+        <p:nvSpPr>
+          <p:cNvPr id="11" name="Title 1">
+            <a:extLst>
+              <a:ext uri="{FF2B5EF4-FFF2-40B4-BE49-F238E27FC236}">
+                <a16:creationId xmlns:a16="http://schemas.microsoft.com/office/drawing/2014/main" id="{2EB7A005-5F5F-364C-B859-D023E14E3586}"/>
               </a:ext>
             </a:extLst>
           </p:cNvPr>
@@ -7639,7 +7891,7 @@
         </p:nvSpPr>
         <p:spPr>
           <a:xfrm>
-            <a:off x="333703" y="115615"/>
+            <a:off x="333703" y="44670"/>
             <a:ext cx="10515600" cy="708080"/>
           </a:xfrm>
           <a:prstGeom prst="rect">
@@ -7672,15 +7924,85 @@
           <a:p>
             <a:r>
               <a:rPr lang="en-US" dirty="0"/>
-              <a:t>Indication of occupancy – All property types</a:t>
-            </a:r>
-          </a:p>
-        </p:txBody>
-      </p:sp>
+              <a:t>Indication of occupancy – Apartments</a:t>
+            </a:r>
+          </a:p>
+        </p:txBody>
+      </p:sp>
+      <p:sp>
+        <p:nvSpPr>
+          <p:cNvPr id="13" name="Title 1">
+            <a:extLst>
+              <a:ext uri="{FF2B5EF4-FFF2-40B4-BE49-F238E27FC236}">
+                <a16:creationId xmlns:a16="http://schemas.microsoft.com/office/drawing/2014/main" id="{68F492E4-9661-854F-8B73-F0CDE761A688}"/>
+              </a:ext>
+            </a:extLst>
+          </p:cNvPr>
+          <p:cNvSpPr>
+            <a:spLocks noGrp="1"/>
+          </p:cNvSpPr>
+          <p:nvPr>
+            <p:ph type="title"/>
+          </p:nvPr>
+        </p:nvSpPr>
+        <p:spPr>
+          <a:xfrm>
+            <a:off x="922284" y="823694"/>
+            <a:ext cx="10018983" cy="412641"/>
+          </a:xfrm>
+        </p:spPr>
+        <p:txBody>
+          <a:bodyPr>
+            <a:normAutofit/>
+          </a:bodyPr>
+          <a:lstStyle/>
+          <a:p>
+            <a:r>
+              <a:rPr lang="en-US" sz="1600" b="1" dirty="0" err="1"/>
+              <a:t>Neighbourhood</a:t>
+            </a:r>
+            <a:r>
+              <a:rPr lang="en-US" sz="1600" b="1" dirty="0"/>
+              <a:t>  - Summary Table</a:t>
+            </a:r>
+            <a:endParaRPr lang="en-US" sz="1600" dirty="0"/>
+          </a:p>
+        </p:txBody>
+      </p:sp>
+      <p:pic>
+        <p:nvPicPr>
+          <p:cNvPr id="15" name="Picture 14">
+            <a:extLst>
+              <a:ext uri="{FF2B5EF4-FFF2-40B4-BE49-F238E27FC236}">
+                <a16:creationId xmlns:a16="http://schemas.microsoft.com/office/drawing/2014/main" id="{F9090BCE-1FAC-2E4C-BE05-BC0D6658DD26}"/>
+              </a:ext>
+            </a:extLst>
+          </p:cNvPr>
+          <p:cNvPicPr>
+            <a:picLocks noChangeAspect="1"/>
+          </p:cNvPicPr>
+          <p:nvPr/>
+        </p:nvPicPr>
+        <p:blipFill>
+          <a:blip r:embed="rId2"/>
+          <a:stretch>
+            <a:fillRect/>
+          </a:stretch>
+        </p:blipFill>
+        <p:spPr>
+          <a:xfrm>
+            <a:off x="1066803" y="2412546"/>
+            <a:ext cx="10347431" cy="4329839"/>
+          </a:xfrm>
+          <a:prstGeom prst="rect">
+            <a:avLst/>
+          </a:prstGeom>
+        </p:spPr>
+      </p:pic>
     </p:spTree>
     <p:extLst>
       <p:ext uri="{BB962C8B-B14F-4D97-AF65-F5344CB8AC3E}">
-        <p14:creationId xmlns:p14="http://schemas.microsoft.com/office/powerpoint/2010/main" val="2606064567"/>
+        <p14:creationId xmlns:p14="http://schemas.microsoft.com/office/powerpoint/2010/main" val="3341612760"/>
       </p:ext>
     </p:extLst>
   </p:cSld>
@@ -7707,41 +8029,12 @@
           <a:chExt cx="0" cy="0"/>
         </a:xfrm>
       </p:grpSpPr>
-      <p:pic>
-        <p:nvPicPr>
-          <p:cNvPr id="5" name="Content Placeholder 4">
-            <a:extLst>
-              <a:ext uri="{FF2B5EF4-FFF2-40B4-BE49-F238E27FC236}">
-                <a16:creationId xmlns:a16="http://schemas.microsoft.com/office/drawing/2014/main" id="{CAD4592B-27CE-BF46-A3F0-47FA81E823C7}"/>
-              </a:ext>
-            </a:extLst>
-          </p:cNvPr>
-          <p:cNvPicPr>
-            <a:picLocks noGrp="1" noChangeAspect="1"/>
-          </p:cNvPicPr>
-          <p:nvPr>
-            <p:ph idx="1"/>
-          </p:nvPr>
-        </p:nvPicPr>
-        <p:blipFill>
-          <a:blip r:embed="rId2"/>
-          <a:stretch>
-            <a:fillRect/>
-          </a:stretch>
-        </p:blipFill>
-        <p:spPr>
-          <a:xfrm>
-            <a:off x="838200" y="2288753"/>
-            <a:ext cx="10515600" cy="3425081"/>
-          </a:xfrm>
-        </p:spPr>
-      </p:pic>
-      <p:sp>
-        <p:nvSpPr>
-          <p:cNvPr id="11" name="Rectangle 10">
-            <a:extLst>
-              <a:ext uri="{FF2B5EF4-FFF2-40B4-BE49-F238E27FC236}">
-                <a16:creationId xmlns:a16="http://schemas.microsoft.com/office/drawing/2014/main" id="{243C64BF-DEB7-BF41-AD8D-83A8A9AA1250}"/>
+      <p:sp>
+        <p:nvSpPr>
+          <p:cNvPr id="4" name="Rectangle 3">
+            <a:extLst>
+              <a:ext uri="{FF2B5EF4-FFF2-40B4-BE49-F238E27FC236}">
+                <a16:creationId xmlns:a16="http://schemas.microsoft.com/office/drawing/2014/main" id="{7831F3AE-0B0D-6840-8C3B-0798939EC044}"/>
               </a:ext>
             </a:extLst>
           </p:cNvPr>
@@ -7750,7 +8043,7 @@
         </p:nvSpPr>
         <p:spPr>
           <a:xfrm>
-            <a:off x="-115614" y="-136634"/>
+            <a:off x="-115614" y="-207579"/>
             <a:ext cx="357352" cy="7273158"/>
           </a:xfrm>
           <a:prstGeom prst="rect">
@@ -7790,10 +8083,10 @@
       </p:sp>
       <p:sp>
         <p:nvSpPr>
-          <p:cNvPr id="14" name="Title 1">
-            <a:extLst>
-              <a:ext uri="{FF2B5EF4-FFF2-40B4-BE49-F238E27FC236}">
-                <a16:creationId xmlns:a16="http://schemas.microsoft.com/office/drawing/2014/main" id="{CC3CB8F7-452D-0946-9C93-85AA166DD59F}"/>
+          <p:cNvPr id="5" name="Title 1">
+            <a:extLst>
+              <a:ext uri="{FF2B5EF4-FFF2-40B4-BE49-F238E27FC236}">
+                <a16:creationId xmlns:a16="http://schemas.microsoft.com/office/drawing/2014/main" id="{E114FBA1-7CE8-5D4A-91DC-9548F8F31E00}"/>
               </a:ext>
             </a:extLst>
           </p:cNvPr>
@@ -7804,8 +8097,8 @@
         </p:nvSpPr>
         <p:spPr>
           <a:xfrm>
-            <a:off x="922284" y="823694"/>
-            <a:ext cx="10018983" cy="412641"/>
+            <a:off x="333703" y="44670"/>
+            <a:ext cx="10515600" cy="708080"/>
           </a:xfrm>
           <a:prstGeom prst="rect">
             <a:avLst/>
@@ -7836,19 +8129,18 @@
           </a:lstStyle>
           <a:p>
             <a:r>
-              <a:rPr lang="en-US" sz="1600" b="1" dirty="0"/>
-              <a:t>Top Ten Suburbs - Summary Table</a:t>
-            </a:r>
-            <a:endParaRPr lang="en-US" sz="1600" dirty="0"/>
-          </a:p>
-        </p:txBody>
-      </p:sp>
-      <p:sp>
-        <p:nvSpPr>
-          <p:cNvPr id="19" name="Title 1">
-            <a:extLst>
-              <a:ext uri="{FF2B5EF4-FFF2-40B4-BE49-F238E27FC236}">
-                <a16:creationId xmlns:a16="http://schemas.microsoft.com/office/drawing/2014/main" id="{818DC147-5CF3-1146-A220-765009AAA42B}"/>
+              <a:rPr lang="en-US" dirty="0"/>
+              <a:t>Indication of occupancy – Apartments</a:t>
+            </a:r>
+          </a:p>
+        </p:txBody>
+      </p:sp>
+      <p:sp>
+        <p:nvSpPr>
+          <p:cNvPr id="6" name="Title 1">
+            <a:extLst>
+              <a:ext uri="{FF2B5EF4-FFF2-40B4-BE49-F238E27FC236}">
+                <a16:creationId xmlns:a16="http://schemas.microsoft.com/office/drawing/2014/main" id="{7E895B41-5150-6645-9893-0AE49246F2F1}"/>
               </a:ext>
             </a:extLst>
           </p:cNvPr>
@@ -7859,8 +8151,8 @@
         </p:nvSpPr>
         <p:spPr>
           <a:xfrm>
-            <a:off x="922283" y="1145628"/>
-            <a:ext cx="10347431" cy="990599"/>
+            <a:off x="922284" y="823694"/>
+            <a:ext cx="10018983" cy="412641"/>
           </a:xfrm>
           <a:prstGeom prst="rect">
             <a:avLst/>
@@ -7868,7 +8160,7 @@
         </p:spPr>
         <p:txBody>
           <a:bodyPr vert="horz" lIns="91440" tIns="45720" rIns="91440" bIns="45720" rtlCol="0" anchor="ctr">
-            <a:normAutofit fontScale="97500"/>
+            <a:normAutofit/>
           </a:bodyPr>
           <a:lstStyle>
             <a:lvl1pPr algn="l" defTabSz="914400" rtl="0" eaLnBrk="1" latinLnBrk="0" hangingPunct="1">
@@ -7890,23 +8182,20 @@
             </a:lvl1pPr>
           </a:lstStyle>
           <a:p>
-            <a:pPr marL="285750" indent="-285750">
-              <a:buFont typeface="Arial" panose="020B0604020202020204" pitchFamily="34" charset="0"/>
-              <a:buChar char="•"/>
-            </a:pPr>
-            <a:r>
-              <a:rPr lang="en-US" sz="1600" dirty="0"/>
-              <a:t>?</a:t>
-            </a:r>
-          </a:p>
-        </p:txBody>
-      </p:sp>
-      <p:sp>
-        <p:nvSpPr>
-          <p:cNvPr id="20" name="Title 1">
-            <a:extLst>
-              <a:ext uri="{FF2B5EF4-FFF2-40B4-BE49-F238E27FC236}">
-                <a16:creationId xmlns:a16="http://schemas.microsoft.com/office/drawing/2014/main" id="{4331E14C-7484-0344-AED1-5DEAF97C8EBA}"/>
+            <a:r>
+              <a:rPr lang="en-US" sz="1600" b="1" dirty="0"/>
+              <a:t>Top Ten Suburbs - Summary Table</a:t>
+            </a:r>
+            <a:endParaRPr lang="en-US" sz="1600" dirty="0"/>
+          </a:p>
+        </p:txBody>
+      </p:sp>
+      <p:sp>
+        <p:nvSpPr>
+          <p:cNvPr id="7" name="Title 1">
+            <a:extLst>
+              <a:ext uri="{FF2B5EF4-FFF2-40B4-BE49-F238E27FC236}">
+                <a16:creationId xmlns:a16="http://schemas.microsoft.com/office/drawing/2014/main" id="{E54232B0-332B-5243-921B-F44308F75670}"/>
               </a:ext>
             </a:extLst>
           </p:cNvPr>
@@ -7917,8 +8206,8 @@
         </p:nvSpPr>
         <p:spPr>
           <a:xfrm>
-            <a:off x="333703" y="115615"/>
-            <a:ext cx="10515600" cy="708080"/>
+            <a:off x="922283" y="1145628"/>
+            <a:ext cx="10347431" cy="990599"/>
           </a:xfrm>
           <a:prstGeom prst="rect">
             <a:avLst/>
@@ -7926,7 +8215,7 @@
         </p:spPr>
         <p:txBody>
           <a:bodyPr vert="horz" lIns="91440" tIns="45720" rIns="91440" bIns="45720" rtlCol="0" anchor="ctr">
-            <a:normAutofit/>
+            <a:normAutofit fontScale="97500"/>
           </a:bodyPr>
           <a:lstStyle>
             <a:lvl1pPr algn="l" defTabSz="914400" rtl="0" eaLnBrk="1" latinLnBrk="0" hangingPunct="1">
@@ -7948,17 +8237,51 @@
             </a:lvl1pPr>
           </a:lstStyle>
           <a:p>
-            <a:r>
-              <a:rPr lang="en-US" dirty="0"/>
-              <a:t>Indication of occupancy – All property types</a:t>
-            </a:r>
-          </a:p>
-        </p:txBody>
-      </p:sp>
+            <a:pPr marL="285750" indent="-285750">
+              <a:buFont typeface="Arial" panose="020B0604020202020204" pitchFamily="34" charset="0"/>
+              <a:buChar char="•"/>
+            </a:pPr>
+            <a:r>
+              <a:rPr lang="en-US" sz="1600" dirty="0"/>
+              <a:t>?</a:t>
+            </a:r>
+          </a:p>
+        </p:txBody>
+      </p:sp>
+      <p:pic>
+        <p:nvPicPr>
+          <p:cNvPr id="9" name="Picture 8">
+            <a:extLst>
+              <a:ext uri="{FF2B5EF4-FFF2-40B4-BE49-F238E27FC236}">
+                <a16:creationId xmlns:a16="http://schemas.microsoft.com/office/drawing/2014/main" id="{163B0F29-5121-424A-BEDE-514453BD5132}"/>
+              </a:ext>
+            </a:extLst>
+          </p:cNvPr>
+          <p:cNvPicPr>
+            <a:picLocks noChangeAspect="1"/>
+          </p:cNvPicPr>
+          <p:nvPr/>
+        </p:nvPicPr>
+        <p:blipFill>
+          <a:blip r:embed="rId2"/>
+          <a:stretch>
+            <a:fillRect/>
+          </a:stretch>
+        </p:blipFill>
+        <p:spPr>
+          <a:xfrm>
+            <a:off x="922283" y="2529105"/>
+            <a:ext cx="10967201" cy="3608936"/>
+          </a:xfrm>
+          <a:prstGeom prst="rect">
+            <a:avLst/>
+          </a:prstGeom>
+        </p:spPr>
+      </p:pic>
     </p:spTree>
     <p:extLst>
       <p:ext uri="{BB962C8B-B14F-4D97-AF65-F5344CB8AC3E}">
-        <p14:creationId xmlns:p14="http://schemas.microsoft.com/office/powerpoint/2010/main" val="2304675304"/>
+        <p14:creationId xmlns:p14="http://schemas.microsoft.com/office/powerpoint/2010/main" val="3155850420"/>
       </p:ext>
     </p:extLst>
   </p:cSld>
@@ -7987,10 +8310,127 @@
       </p:grpSpPr>
       <p:sp>
         <p:nvSpPr>
-          <p:cNvPr id="4" name="Rectangle 3">
-            <a:extLst>
-              <a:ext uri="{FF2B5EF4-FFF2-40B4-BE49-F238E27FC236}">
-                <a16:creationId xmlns:a16="http://schemas.microsoft.com/office/drawing/2014/main" id="{9A58FA3E-EEC3-DF45-9F50-3114EF4C0916}"/>
+          <p:cNvPr id="4" name="Title 1">
+            <a:extLst>
+              <a:ext uri="{FF2B5EF4-FFF2-40B4-BE49-F238E27FC236}">
+                <a16:creationId xmlns:a16="http://schemas.microsoft.com/office/drawing/2014/main" id="{2883A6F9-8387-A944-8069-AAC15487AAA6}"/>
+              </a:ext>
+            </a:extLst>
+          </p:cNvPr>
+          <p:cNvSpPr txBox="1">
+            <a:spLocks/>
+          </p:cNvSpPr>
+          <p:nvPr/>
+        </p:nvSpPr>
+        <p:spPr>
+          <a:xfrm>
+            <a:off x="922284" y="823694"/>
+            <a:ext cx="10018983" cy="412641"/>
+          </a:xfrm>
+          <a:prstGeom prst="rect">
+            <a:avLst/>
+          </a:prstGeom>
+        </p:spPr>
+        <p:txBody>
+          <a:bodyPr vert="horz" lIns="91440" tIns="45720" rIns="91440" bIns="45720" rtlCol="0" anchor="ctr">
+            <a:normAutofit/>
+          </a:bodyPr>
+          <a:lstStyle>
+            <a:lvl1pPr algn="l" defTabSz="914400" rtl="0" eaLnBrk="1" latinLnBrk="0" hangingPunct="1">
+              <a:lnSpc>
+                <a:spcPct val="90000"/>
+              </a:lnSpc>
+              <a:spcBef>
+                <a:spcPct val="0"/>
+              </a:spcBef>
+              <a:buNone/>
+              <a:defRPr sz="4400" kern="1200">
+                <a:solidFill>
+                  <a:schemeClr val="tx1"/>
+                </a:solidFill>
+                <a:latin typeface="+mj-lt"/>
+                <a:ea typeface="+mj-ea"/>
+                <a:cs typeface="+mj-cs"/>
+              </a:defRPr>
+            </a:lvl1pPr>
+          </a:lstStyle>
+          <a:p>
+            <a:r>
+              <a:rPr lang="en-US" sz="1600" b="1" dirty="0"/>
+              <a:t>Bottom Ten Suburbs - Summary Table</a:t>
+            </a:r>
+            <a:endParaRPr lang="en-US" sz="1600" dirty="0"/>
+          </a:p>
+        </p:txBody>
+      </p:sp>
+      <p:sp>
+        <p:nvSpPr>
+          <p:cNvPr id="5" name="Title 1">
+            <a:extLst>
+              <a:ext uri="{FF2B5EF4-FFF2-40B4-BE49-F238E27FC236}">
+                <a16:creationId xmlns:a16="http://schemas.microsoft.com/office/drawing/2014/main" id="{D8D2BC8E-44D7-B342-BF53-80D63395EB7B}"/>
+              </a:ext>
+            </a:extLst>
+          </p:cNvPr>
+          <p:cNvSpPr txBox="1">
+            <a:spLocks/>
+          </p:cNvSpPr>
+          <p:nvPr/>
+        </p:nvSpPr>
+        <p:spPr>
+          <a:xfrm>
+            <a:off x="922283" y="1145628"/>
+            <a:ext cx="10347431" cy="1312533"/>
+          </a:xfrm>
+          <a:prstGeom prst="rect">
+            <a:avLst/>
+          </a:prstGeom>
+        </p:spPr>
+        <p:txBody>
+          <a:bodyPr vert="horz" lIns="91440" tIns="45720" rIns="91440" bIns="45720" rtlCol="0" anchor="ctr">
+            <a:normAutofit fontScale="97500"/>
+          </a:bodyPr>
+          <a:lstStyle>
+            <a:lvl1pPr algn="l" defTabSz="914400" rtl="0" eaLnBrk="1" latinLnBrk="0" hangingPunct="1">
+              <a:lnSpc>
+                <a:spcPct val="90000"/>
+              </a:lnSpc>
+              <a:spcBef>
+                <a:spcPct val="0"/>
+              </a:spcBef>
+              <a:buNone/>
+              <a:defRPr sz="4400" kern="1200">
+                <a:solidFill>
+                  <a:schemeClr val="tx1"/>
+                </a:solidFill>
+                <a:latin typeface="+mj-lt"/>
+                <a:ea typeface="+mj-ea"/>
+                <a:cs typeface="+mj-cs"/>
+              </a:defRPr>
+            </a:lvl1pPr>
+          </a:lstStyle>
+          <a:p>
+            <a:pPr marL="285750" indent="-285750">
+              <a:buFont typeface="Arial" panose="020B0604020202020204" pitchFamily="34" charset="0"/>
+              <a:buChar char="•"/>
+            </a:pPr>
+            <a:r>
+              <a:rPr lang="en-US" sz="1600" dirty="0"/>
+              <a:t>?</a:t>
+            </a:r>
+            <a:br>
+              <a:rPr lang="en-US" sz="1600" dirty="0"/>
+            </a:br>
+            <a:endParaRPr lang="en-US" sz="1600" dirty="0"/>
+          </a:p>
+        </p:txBody>
+      </p:sp>
+      <p:sp>
+        <p:nvSpPr>
+          <p:cNvPr id="6" name="Rectangle 5">
+            <a:extLst>
+              <a:ext uri="{FF2B5EF4-FFF2-40B4-BE49-F238E27FC236}">
+                <a16:creationId xmlns:a16="http://schemas.microsoft.com/office/drawing/2014/main" id="{38661285-38D8-CB4D-9685-A56B53F17FFA}"/>
               </a:ext>
             </a:extLst>
           </p:cNvPr>
@@ -7999,7 +8439,7 @@
         </p:nvSpPr>
         <p:spPr>
           <a:xfrm>
-            <a:off x="-115614" y="-136634"/>
+            <a:off x="-115614" y="-207579"/>
             <a:ext cx="357352" cy="7273158"/>
           </a:xfrm>
           <a:prstGeom prst="rect">
@@ -8039,10 +8479,10 @@
       </p:sp>
       <p:sp>
         <p:nvSpPr>
-          <p:cNvPr id="12" name="Title 1">
-            <a:extLst>
-              <a:ext uri="{FF2B5EF4-FFF2-40B4-BE49-F238E27FC236}">
-                <a16:creationId xmlns:a16="http://schemas.microsoft.com/office/drawing/2014/main" id="{FA2A6C2F-5DD5-9B43-8E33-694C7E454662}"/>
+          <p:cNvPr id="7" name="Title 1">
+            <a:extLst>
+              <a:ext uri="{FF2B5EF4-FFF2-40B4-BE49-F238E27FC236}">
+                <a16:creationId xmlns:a16="http://schemas.microsoft.com/office/drawing/2014/main" id="{31C93DC2-1741-B141-BA9F-5468B3A3D5A3}"/>
               </a:ext>
             </a:extLst>
           </p:cNvPr>
@@ -8053,8 +8493,8 @@
         </p:nvSpPr>
         <p:spPr>
           <a:xfrm>
-            <a:off x="922284" y="823694"/>
-            <a:ext cx="10018983" cy="412641"/>
+            <a:off x="333703" y="44670"/>
+            <a:ext cx="10515600" cy="708080"/>
           </a:xfrm>
           <a:prstGeom prst="rect">
             <a:avLst/>
@@ -8085,132 +8525,18 @@
           </a:lstStyle>
           <a:p>
             <a:r>
-              <a:rPr lang="en-US" sz="1600" b="1" dirty="0"/>
-              <a:t>Bottom Ten Suburbs - Summary Table</a:t>
-            </a:r>
-            <a:endParaRPr lang="en-US" sz="1600" dirty="0"/>
-          </a:p>
-        </p:txBody>
-      </p:sp>
-      <p:sp>
-        <p:nvSpPr>
-          <p:cNvPr id="14" name="Title 1">
-            <a:extLst>
-              <a:ext uri="{FF2B5EF4-FFF2-40B4-BE49-F238E27FC236}">
-                <a16:creationId xmlns:a16="http://schemas.microsoft.com/office/drawing/2014/main" id="{F65E0600-6B4A-CB40-94A6-AE0FC42CF00F}"/>
-              </a:ext>
-            </a:extLst>
-          </p:cNvPr>
-          <p:cNvSpPr txBox="1">
-            <a:spLocks/>
-          </p:cNvSpPr>
-          <p:nvPr/>
-        </p:nvSpPr>
-        <p:spPr>
-          <a:xfrm>
-            <a:off x="922283" y="1145628"/>
-            <a:ext cx="10347431" cy="1312533"/>
-          </a:xfrm>
-          <a:prstGeom prst="rect">
-            <a:avLst/>
-          </a:prstGeom>
-        </p:spPr>
-        <p:txBody>
-          <a:bodyPr vert="horz" lIns="91440" tIns="45720" rIns="91440" bIns="45720" rtlCol="0" anchor="ctr">
-            <a:normAutofit fontScale="97500" lnSpcReduction="10000"/>
-          </a:bodyPr>
-          <a:lstStyle>
-            <a:lvl1pPr algn="l" defTabSz="914400" rtl="0" eaLnBrk="1" latinLnBrk="0" hangingPunct="1">
-              <a:lnSpc>
-                <a:spcPct val="90000"/>
-              </a:lnSpc>
-              <a:spcBef>
-                <a:spcPct val="0"/>
-              </a:spcBef>
-              <a:buNone/>
-              <a:defRPr sz="4400" kern="1200">
-                <a:solidFill>
-                  <a:schemeClr val="tx1"/>
-                </a:solidFill>
-                <a:latin typeface="+mj-lt"/>
-                <a:ea typeface="+mj-ea"/>
-                <a:cs typeface="+mj-cs"/>
-              </a:defRPr>
-            </a:lvl1pPr>
-          </a:lstStyle>
-          <a:p>
-            <a:pPr marL="285750" indent="-285750">
-              <a:buFont typeface="Arial" panose="020B0604020202020204" pitchFamily="34" charset="0"/>
-              <a:buChar char="•"/>
-            </a:pPr>
-            <a:r>
-              <a:rPr lang="en-US" sz="1600" dirty="0"/>
-              <a:t>Breaking it down into suburbs has allowed us to better see areas of interest and areas to avoid.</a:t>
-            </a:r>
-          </a:p>
-          <a:p>
-            <a:pPr marL="285750" indent="-285750">
-              <a:buFont typeface="Arial" panose="020B0604020202020204" pitchFamily="34" charset="0"/>
-              <a:buChar char="•"/>
-            </a:pPr>
-            <a:r>
-              <a:rPr lang="en-US" sz="1600" dirty="0"/>
-              <a:t>Of note, some of the bottom ten suburbs are in areas I would have considered popular tourist areas - </a:t>
-            </a:r>
-            <a:r>
-              <a:rPr lang="en-US" sz="1600" dirty="0" err="1"/>
-              <a:t>ie</a:t>
-            </a:r>
-            <a:endParaRPr lang="en-US" sz="1600" dirty="0"/>
-          </a:p>
-          <a:p>
-            <a:pPr marL="285750" indent="-285750">
-              <a:buFont typeface="Courier New" panose="02070309020205020404" pitchFamily="49" charset="0"/>
-              <a:buChar char="o"/>
-            </a:pPr>
-            <a:r>
-              <a:rPr lang="en-US" sz="1600" dirty="0"/>
-              <a:t>Balaclava</a:t>
-            </a:r>
-          </a:p>
-          <a:p>
-            <a:pPr marL="285750" indent="-285750">
-              <a:buFont typeface="Courier New" panose="02070309020205020404" pitchFamily="49" charset="0"/>
-              <a:buChar char="o"/>
-            </a:pPr>
-            <a:r>
-              <a:rPr lang="en-US" sz="1600" dirty="0"/>
-              <a:t>St Kilda East</a:t>
-            </a:r>
-          </a:p>
-          <a:p>
-            <a:pPr marL="285750" indent="-285750">
-              <a:buFont typeface="Courier New" panose="02070309020205020404" pitchFamily="49" charset="0"/>
-              <a:buChar char="o"/>
-            </a:pPr>
-            <a:r>
-              <a:rPr lang="en-US" sz="1600" dirty="0"/>
-              <a:t>Elwood</a:t>
-            </a:r>
-          </a:p>
-          <a:p>
-            <a:pPr marL="285750" indent="-285750">
-              <a:buFont typeface="Arial" panose="020B0604020202020204" pitchFamily="34" charset="0"/>
-              <a:buChar char="•"/>
-            </a:pPr>
-            <a:r>
-              <a:rPr lang="en-US" sz="1600" dirty="0"/>
-              <a:t>This further calls into question the viability of using number of reviews as an indication of occupancy rates.</a:t>
+              <a:rPr lang="en-US" dirty="0"/>
+              <a:t>Indication of occupancy – Apartments</a:t>
             </a:r>
           </a:p>
         </p:txBody>
       </p:sp>
       <p:pic>
         <p:nvPicPr>
-          <p:cNvPr id="16" name="Picture 15">
-            <a:extLst>
-              <a:ext uri="{FF2B5EF4-FFF2-40B4-BE49-F238E27FC236}">
-                <a16:creationId xmlns:a16="http://schemas.microsoft.com/office/drawing/2014/main" id="{E1CFED92-31DF-9D46-993B-79B7225B3F82}"/>
+          <p:cNvPr id="9" name="Picture 8">
+            <a:extLst>
+              <a:ext uri="{FF2B5EF4-FFF2-40B4-BE49-F238E27FC236}">
+                <a16:creationId xmlns:a16="http://schemas.microsoft.com/office/drawing/2014/main" id="{7C222FD0-68B2-9F43-B29C-5793C58F86BE}"/>
               </a:ext>
             </a:extLst>
           </p:cNvPr>
@@ -8227,72 +8553,18 @@
         </p:blipFill>
         <p:spPr>
           <a:xfrm>
-            <a:off x="922283" y="2458161"/>
-            <a:ext cx="10928131" cy="3541109"/>
+            <a:off x="1119353" y="2780095"/>
+            <a:ext cx="10347431" cy="3395376"/>
           </a:xfrm>
           <a:prstGeom prst="rect">
             <a:avLst/>
           </a:prstGeom>
         </p:spPr>
       </p:pic>
-      <p:sp>
-        <p:nvSpPr>
-          <p:cNvPr id="17" name="Title 1">
-            <a:extLst>
-              <a:ext uri="{FF2B5EF4-FFF2-40B4-BE49-F238E27FC236}">
-                <a16:creationId xmlns:a16="http://schemas.microsoft.com/office/drawing/2014/main" id="{E6D8FE6C-0060-1543-A746-7C744F9F961F}"/>
-              </a:ext>
-            </a:extLst>
-          </p:cNvPr>
-          <p:cNvSpPr txBox="1">
-            <a:spLocks/>
-          </p:cNvSpPr>
-          <p:nvPr/>
-        </p:nvSpPr>
-        <p:spPr>
-          <a:xfrm>
-            <a:off x="333703" y="115615"/>
-            <a:ext cx="10515600" cy="708080"/>
-          </a:xfrm>
-          <a:prstGeom prst="rect">
-            <a:avLst/>
-          </a:prstGeom>
-        </p:spPr>
-        <p:txBody>
-          <a:bodyPr vert="horz" lIns="91440" tIns="45720" rIns="91440" bIns="45720" rtlCol="0" anchor="ctr">
-            <a:normAutofit/>
-          </a:bodyPr>
-          <a:lstStyle>
-            <a:lvl1pPr algn="l" defTabSz="914400" rtl="0" eaLnBrk="1" latinLnBrk="0" hangingPunct="1">
-              <a:lnSpc>
-                <a:spcPct val="90000"/>
-              </a:lnSpc>
-              <a:spcBef>
-                <a:spcPct val="0"/>
-              </a:spcBef>
-              <a:buNone/>
-              <a:defRPr sz="4400" kern="1200">
-                <a:solidFill>
-                  <a:schemeClr val="tx1"/>
-                </a:solidFill>
-                <a:latin typeface="+mj-lt"/>
-                <a:ea typeface="+mj-ea"/>
-                <a:cs typeface="+mj-cs"/>
-              </a:defRPr>
-            </a:lvl1pPr>
-          </a:lstStyle>
-          <a:p>
-            <a:r>
-              <a:rPr lang="en-US" dirty="0"/>
-              <a:t>Indication of occupancy – All property types</a:t>
-            </a:r>
-          </a:p>
-        </p:txBody>
-      </p:sp>
     </p:spTree>
     <p:extLst>
       <p:ext uri="{BB962C8B-B14F-4D97-AF65-F5344CB8AC3E}">
-        <p14:creationId xmlns:p14="http://schemas.microsoft.com/office/powerpoint/2010/main" val="799541923"/>
+        <p14:creationId xmlns:p14="http://schemas.microsoft.com/office/powerpoint/2010/main" val="2836392303"/>
       </p:ext>
     </p:extLst>
   </p:cSld>
@@ -8319,42 +8591,12 @@
           <a:chExt cx="0" cy="0"/>
         </a:xfrm>
       </p:grpSpPr>
-      <p:pic>
-        <p:nvPicPr>
-          <p:cNvPr id="9" name="Picture 8">
-            <a:extLst>
-              <a:ext uri="{FF2B5EF4-FFF2-40B4-BE49-F238E27FC236}">
-                <a16:creationId xmlns:a16="http://schemas.microsoft.com/office/drawing/2014/main" id="{3AD5ECA3-6DD5-E741-8A3D-CCE87AF4F832}"/>
-              </a:ext>
-            </a:extLst>
-          </p:cNvPr>
-          <p:cNvPicPr>
-            <a:picLocks noChangeAspect="1"/>
-          </p:cNvPicPr>
-          <p:nvPr/>
-        </p:nvPicPr>
-        <p:blipFill>
-          <a:blip r:embed="rId2"/>
-          <a:stretch>
-            <a:fillRect/>
-          </a:stretch>
-        </p:blipFill>
-        <p:spPr>
-          <a:xfrm>
-            <a:off x="1017739" y="823694"/>
-            <a:ext cx="4014976" cy="6022466"/>
-          </a:xfrm>
-          <a:prstGeom prst="rect">
-            <a:avLst/>
-          </a:prstGeom>
-        </p:spPr>
-      </p:pic>
       <p:sp>
         <p:nvSpPr>
           <p:cNvPr id="4" name="Rectangle 3">
             <a:extLst>
               <a:ext uri="{FF2B5EF4-FFF2-40B4-BE49-F238E27FC236}">
-                <a16:creationId xmlns:a16="http://schemas.microsoft.com/office/drawing/2014/main" id="{4EF757AE-2D17-FA47-9785-D261A86894D7}"/>
+                <a16:creationId xmlns:a16="http://schemas.microsoft.com/office/drawing/2014/main" id="{3711B730-9245-1C47-BBE0-03DC78BD74B9}"/>
               </a:ext>
             </a:extLst>
           </p:cNvPr>
@@ -8363,7 +8605,7 @@
         </p:nvSpPr>
         <p:spPr>
           <a:xfrm>
-            <a:off x="-115614" y="-136634"/>
+            <a:off x="-115614" y="-207579"/>
             <a:ext cx="357352" cy="7273158"/>
           </a:xfrm>
           <a:prstGeom prst="rect">
@@ -8406,7 +8648,7 @@
           <p:cNvPr id="5" name="Title 1">
             <a:extLst>
               <a:ext uri="{FF2B5EF4-FFF2-40B4-BE49-F238E27FC236}">
-                <a16:creationId xmlns:a16="http://schemas.microsoft.com/office/drawing/2014/main" id="{A1E3F8C2-5169-F94F-8388-7A4D03A7EB9F}"/>
+                <a16:creationId xmlns:a16="http://schemas.microsoft.com/office/drawing/2014/main" id="{342DF21D-C1F6-5546-ACCC-43D675666DF2}"/>
               </a:ext>
             </a:extLst>
           </p:cNvPr>
@@ -8417,8 +8659,8 @@
         </p:nvSpPr>
         <p:spPr>
           <a:xfrm>
-            <a:off x="5716751" y="823694"/>
-            <a:ext cx="6046075" cy="412641"/>
+            <a:off x="333703" y="44670"/>
+            <a:ext cx="10515600" cy="708080"/>
           </a:xfrm>
           <a:prstGeom prst="rect">
             <a:avLst/>
@@ -8449,10 +8691,9 @@
           </a:lstStyle>
           <a:p>
             <a:r>
-              <a:rPr lang="en-US" sz="1600" b="1" dirty="0"/>
-              <a:t>Top Ten and Bottom Ten Suburbs – Bar Plot</a:t>
-            </a:r>
-            <a:endParaRPr lang="en-US" sz="1600" dirty="0"/>
+              <a:rPr lang="en-US" dirty="0"/>
+              <a:t>Indication of occupancy – Apartments</a:t>
+            </a:r>
           </a:p>
         </p:txBody>
       </p:sp>
@@ -8461,7 +8702,7 @@
           <p:cNvPr id="6" name="Title 1">
             <a:extLst>
               <a:ext uri="{FF2B5EF4-FFF2-40B4-BE49-F238E27FC236}">
-                <a16:creationId xmlns:a16="http://schemas.microsoft.com/office/drawing/2014/main" id="{89D9B52D-6CEB-3145-9D8F-A486F5E3B5E5}"/>
+                <a16:creationId xmlns:a16="http://schemas.microsoft.com/office/drawing/2014/main" id="{84F04DE5-7826-D746-9A29-826989A16D11}"/>
               </a:ext>
             </a:extLst>
           </p:cNvPr>
@@ -8472,8 +8713,8 @@
         </p:nvSpPr>
         <p:spPr>
           <a:xfrm>
-            <a:off x="5716751" y="1296601"/>
-            <a:ext cx="6109138" cy="1325563"/>
+            <a:off x="5716751" y="823694"/>
+            <a:ext cx="6046075" cy="412641"/>
           </a:xfrm>
           <a:prstGeom prst="rect">
             <a:avLst/>
@@ -8481,7 +8722,7 @@
         </p:spPr>
         <p:txBody>
           <a:bodyPr vert="horz" lIns="91440" tIns="45720" rIns="91440" bIns="45720" rtlCol="0" anchor="ctr">
-            <a:normAutofit fontScale="97500"/>
+            <a:normAutofit/>
           </a:bodyPr>
           <a:lstStyle>
             <a:lvl1pPr algn="l" defTabSz="914400" rtl="0" eaLnBrk="1" latinLnBrk="0" hangingPunct="1">
@@ -8503,23 +8744,20 @@
             </a:lvl1pPr>
           </a:lstStyle>
           <a:p>
-            <a:pPr marL="285750" indent="-285750">
-              <a:buFont typeface="Arial" panose="020B0604020202020204" pitchFamily="34" charset="0"/>
-              <a:buChar char="•"/>
-            </a:pPr>
-            <a:r>
-              <a:rPr lang="en-US" sz="1600" dirty="0"/>
-              <a:t>To get a sense of how reviews per month might look for a year, the data has be extrapolated to over 12 months</a:t>
-            </a:r>
-          </a:p>
-        </p:txBody>
-      </p:sp>
-      <p:sp>
-        <p:nvSpPr>
-          <p:cNvPr id="10" name="Title 1">
-            <a:extLst>
-              <a:ext uri="{FF2B5EF4-FFF2-40B4-BE49-F238E27FC236}">
-                <a16:creationId xmlns:a16="http://schemas.microsoft.com/office/drawing/2014/main" id="{1EE2638E-5E80-1A41-B695-A4DCB3C16B2E}"/>
+            <a:r>
+              <a:rPr lang="en-US" sz="1600" b="1" dirty="0"/>
+              <a:t>Top Ten and Bottom Ten Suburbs – Bar Plot</a:t>
+            </a:r>
+            <a:endParaRPr lang="en-US" sz="1600" dirty="0"/>
+          </a:p>
+        </p:txBody>
+      </p:sp>
+      <p:sp>
+        <p:nvSpPr>
+          <p:cNvPr id="7" name="Title 1">
+            <a:extLst>
+              <a:ext uri="{FF2B5EF4-FFF2-40B4-BE49-F238E27FC236}">
+                <a16:creationId xmlns:a16="http://schemas.microsoft.com/office/drawing/2014/main" id="{F5C8585C-AAF7-3342-B36E-DDA5BE5BB442}"/>
               </a:ext>
             </a:extLst>
           </p:cNvPr>
@@ -8530,8 +8768,8 @@
         </p:nvSpPr>
         <p:spPr>
           <a:xfrm>
-            <a:off x="333703" y="115615"/>
-            <a:ext cx="10515600" cy="708080"/>
+            <a:off x="5716751" y="1296601"/>
+            <a:ext cx="6109138" cy="1325563"/>
           </a:xfrm>
           <a:prstGeom prst="rect">
             <a:avLst/>
@@ -8539,7 +8777,7 @@
         </p:spPr>
         <p:txBody>
           <a:bodyPr vert="horz" lIns="91440" tIns="45720" rIns="91440" bIns="45720" rtlCol="0" anchor="ctr">
-            <a:normAutofit/>
+            <a:normAutofit fontScale="97500"/>
           </a:bodyPr>
           <a:lstStyle>
             <a:lvl1pPr algn="l" defTabSz="914400" rtl="0" eaLnBrk="1" latinLnBrk="0" hangingPunct="1">
@@ -8561,17 +8799,51 @@
             </a:lvl1pPr>
           </a:lstStyle>
           <a:p>
-            <a:r>
-              <a:rPr lang="en-US" dirty="0"/>
-              <a:t>Indication of occupancy – All property types</a:t>
-            </a:r>
-          </a:p>
-        </p:txBody>
-      </p:sp>
+            <a:pPr marL="285750" indent="-285750">
+              <a:buFont typeface="Arial" panose="020B0604020202020204" pitchFamily="34" charset="0"/>
+              <a:buChar char="•"/>
+            </a:pPr>
+            <a:r>
+              <a:rPr lang="en-US" sz="1600" dirty="0"/>
+              <a:t>?</a:t>
+            </a:r>
+          </a:p>
+        </p:txBody>
+      </p:sp>
+      <p:pic>
+        <p:nvPicPr>
+          <p:cNvPr id="9" name="Picture 8">
+            <a:extLst>
+              <a:ext uri="{FF2B5EF4-FFF2-40B4-BE49-F238E27FC236}">
+                <a16:creationId xmlns:a16="http://schemas.microsoft.com/office/drawing/2014/main" id="{54B74F4B-DE1F-4445-9408-98F4D271ED08}"/>
+              </a:ext>
+            </a:extLst>
+          </p:cNvPr>
+          <p:cNvPicPr>
+            <a:picLocks noChangeAspect="1"/>
+          </p:cNvPicPr>
+          <p:nvPr/>
+        </p:nvPicPr>
+        <p:blipFill>
+          <a:blip r:embed="rId2"/>
+          <a:stretch>
+            <a:fillRect/>
+          </a:stretch>
+        </p:blipFill>
+        <p:spPr>
+          <a:xfrm>
+            <a:off x="861848" y="693680"/>
+            <a:ext cx="4139326" cy="6208989"/>
+          </a:xfrm>
+          <a:prstGeom prst="rect">
+            <a:avLst/>
+          </a:prstGeom>
+        </p:spPr>
+      </p:pic>
     </p:spTree>
     <p:extLst>
       <p:ext uri="{BB962C8B-B14F-4D97-AF65-F5344CB8AC3E}">
-        <p14:creationId xmlns:p14="http://schemas.microsoft.com/office/powerpoint/2010/main" val="3240267983"/>
+        <p14:creationId xmlns:p14="http://schemas.microsoft.com/office/powerpoint/2010/main" val="44127994"/>
       </p:ext>
     </p:extLst>
   </p:cSld>
@@ -8600,267 +8872,58 @@
       </p:grpSpPr>
       <p:sp>
         <p:nvSpPr>
-          <p:cNvPr id="8" name="Rectangle 7">
-            <a:extLst>
-              <a:ext uri="{FF2B5EF4-FFF2-40B4-BE49-F238E27FC236}">
-                <a16:creationId xmlns:a16="http://schemas.microsoft.com/office/drawing/2014/main" id="{1ACE4145-348A-D74D-83A7-F1421294F19B}"/>
-              </a:ext>
-            </a:extLst>
-          </p:cNvPr>
-          <p:cNvSpPr/>
-          <p:nvPr/>
-        </p:nvSpPr>
-        <p:spPr>
-          <a:xfrm>
-            <a:off x="-115614" y="-136634"/>
-            <a:ext cx="357352" cy="7273158"/>
-          </a:xfrm>
-          <a:prstGeom prst="rect">
-            <a:avLst/>
-          </a:prstGeom>
-          <a:solidFill>
-            <a:schemeClr val="tx1"/>
-          </a:solidFill>
-          <a:ln>
-            <a:noFill/>
-          </a:ln>
-        </p:spPr>
-        <p:style>
-          <a:lnRef idx="2">
-            <a:schemeClr val="accent1">
-              <a:shade val="50000"/>
-            </a:schemeClr>
-          </a:lnRef>
-          <a:fillRef idx="1">
-            <a:schemeClr val="accent1"/>
-          </a:fillRef>
-          <a:effectRef idx="0">
-            <a:schemeClr val="accent1"/>
-          </a:effectRef>
-          <a:fontRef idx="minor">
-            <a:schemeClr val="lt1"/>
-          </a:fontRef>
-        </p:style>
-        <p:txBody>
-          <a:bodyPr rtlCol="0" anchor="ctr"/>
+          <p:cNvPr id="2" name="Title 1">
+            <a:extLst>
+              <a:ext uri="{FF2B5EF4-FFF2-40B4-BE49-F238E27FC236}">
+                <a16:creationId xmlns:a16="http://schemas.microsoft.com/office/drawing/2014/main" id="{B1E65FC3-1923-F045-AE96-252FBF73935F}"/>
+              </a:ext>
+            </a:extLst>
+          </p:cNvPr>
+          <p:cNvSpPr>
+            <a:spLocks noGrp="1"/>
+          </p:cNvSpPr>
+          <p:nvPr>
+            <p:ph type="title"/>
+          </p:nvPr>
+        </p:nvSpPr>
+        <p:spPr/>
+        <p:txBody>
+          <a:bodyPr/>
           <a:lstStyle/>
           <a:p>
-            <a:pPr algn="ctr"/>
             <a:endParaRPr lang="en-US"/>
           </a:p>
         </p:txBody>
       </p:sp>
       <p:sp>
         <p:nvSpPr>
-          <p:cNvPr id="9" name="Title 1">
-            <a:extLst>
-              <a:ext uri="{FF2B5EF4-FFF2-40B4-BE49-F238E27FC236}">
-                <a16:creationId xmlns:a16="http://schemas.microsoft.com/office/drawing/2014/main" id="{031684C9-D079-4C44-8297-CB7A6E7804F7}"/>
-              </a:ext>
-            </a:extLst>
-          </p:cNvPr>
-          <p:cNvSpPr txBox="1">
-            <a:spLocks/>
-          </p:cNvSpPr>
-          <p:nvPr/>
-        </p:nvSpPr>
-        <p:spPr>
-          <a:xfrm>
-            <a:off x="333703" y="115615"/>
-            <a:ext cx="10515600" cy="708080"/>
-          </a:xfrm>
-          <a:prstGeom prst="rect">
-            <a:avLst/>
-          </a:prstGeom>
-        </p:spPr>
-        <p:txBody>
-          <a:bodyPr vert="horz" lIns="91440" tIns="45720" rIns="91440" bIns="45720" rtlCol="0" anchor="ctr">
-            <a:normAutofit/>
-          </a:bodyPr>
-          <a:lstStyle>
-            <a:lvl1pPr algn="l" defTabSz="914400" rtl="0" eaLnBrk="1" latinLnBrk="0" hangingPunct="1">
-              <a:lnSpc>
-                <a:spcPct val="90000"/>
-              </a:lnSpc>
-              <a:spcBef>
-                <a:spcPct val="0"/>
-              </a:spcBef>
-              <a:buNone/>
-              <a:defRPr sz="4400" kern="1200">
-                <a:solidFill>
-                  <a:schemeClr val="tx1"/>
-                </a:solidFill>
-                <a:latin typeface="+mj-lt"/>
-                <a:ea typeface="+mj-ea"/>
-                <a:cs typeface="+mj-cs"/>
-              </a:defRPr>
-            </a:lvl1pPr>
-          </a:lstStyle>
-          <a:p>
-            <a:r>
-              <a:rPr lang="en-US" dirty="0"/>
-              <a:t>Indication of occupancy – All property types</a:t>
-            </a:r>
-          </a:p>
-        </p:txBody>
-      </p:sp>
-      <p:sp>
-        <p:nvSpPr>
-          <p:cNvPr id="10" name="Title 1">
-            <a:extLst>
-              <a:ext uri="{FF2B5EF4-FFF2-40B4-BE49-F238E27FC236}">
-                <a16:creationId xmlns:a16="http://schemas.microsoft.com/office/drawing/2014/main" id="{CC0E11F2-3321-CD45-AC05-F1B3B95B3384}"/>
-              </a:ext>
-            </a:extLst>
-          </p:cNvPr>
-          <p:cNvSpPr txBox="1">
-            <a:spLocks/>
-          </p:cNvSpPr>
-          <p:nvPr/>
-        </p:nvSpPr>
-        <p:spPr>
-          <a:xfrm>
-            <a:off x="922284" y="823694"/>
-            <a:ext cx="10018983" cy="412641"/>
-          </a:xfrm>
-          <a:prstGeom prst="rect">
-            <a:avLst/>
-          </a:prstGeom>
-        </p:spPr>
-        <p:txBody>
-          <a:bodyPr vert="horz" lIns="91440" tIns="45720" rIns="91440" bIns="45720" rtlCol="0" anchor="ctr">
-            <a:normAutofit/>
-          </a:bodyPr>
-          <a:lstStyle>
-            <a:lvl1pPr algn="l" defTabSz="914400" rtl="0" eaLnBrk="1" latinLnBrk="0" hangingPunct="1">
-              <a:lnSpc>
-                <a:spcPct val="90000"/>
-              </a:lnSpc>
-              <a:spcBef>
-                <a:spcPct val="0"/>
-              </a:spcBef>
-              <a:buNone/>
-              <a:defRPr sz="4400" kern="1200">
-                <a:solidFill>
-                  <a:schemeClr val="tx1"/>
-                </a:solidFill>
-                <a:latin typeface="+mj-lt"/>
-                <a:ea typeface="+mj-ea"/>
-                <a:cs typeface="+mj-cs"/>
-              </a:defRPr>
-            </a:lvl1pPr>
-          </a:lstStyle>
-          <a:p>
-            <a:r>
-              <a:rPr lang="en-US" sz="1600" b="1" dirty="0"/>
-              <a:t>Occupancy by property type</a:t>
-            </a:r>
-            <a:endParaRPr lang="en-US" sz="1600" dirty="0"/>
-          </a:p>
-        </p:txBody>
-      </p:sp>
-      <p:sp>
-        <p:nvSpPr>
-          <p:cNvPr id="11" name="Title 1">
-            <a:extLst>
-              <a:ext uri="{FF2B5EF4-FFF2-40B4-BE49-F238E27FC236}">
-                <a16:creationId xmlns:a16="http://schemas.microsoft.com/office/drawing/2014/main" id="{1D60E81B-53ED-B248-A1B6-C45A4138A10E}"/>
-              </a:ext>
-            </a:extLst>
-          </p:cNvPr>
-          <p:cNvSpPr txBox="1">
-            <a:spLocks/>
-          </p:cNvSpPr>
-          <p:nvPr/>
-        </p:nvSpPr>
-        <p:spPr>
-          <a:xfrm>
-            <a:off x="922283" y="1145629"/>
-            <a:ext cx="10347431" cy="935420"/>
-          </a:xfrm>
-          <a:prstGeom prst="rect">
-            <a:avLst/>
-          </a:prstGeom>
-        </p:spPr>
-        <p:txBody>
-          <a:bodyPr vert="horz" lIns="91440" tIns="45720" rIns="91440" bIns="45720" rtlCol="0" anchor="ctr">
-            <a:normAutofit fontScale="97500" lnSpcReduction="10000"/>
-          </a:bodyPr>
-          <a:lstStyle>
-            <a:lvl1pPr algn="l" defTabSz="914400" rtl="0" eaLnBrk="1" latinLnBrk="0" hangingPunct="1">
-              <a:lnSpc>
-                <a:spcPct val="90000"/>
-              </a:lnSpc>
-              <a:spcBef>
-                <a:spcPct val="0"/>
-              </a:spcBef>
-              <a:buNone/>
-              <a:defRPr sz="4400" kern="1200">
-                <a:solidFill>
-                  <a:schemeClr val="tx1"/>
-                </a:solidFill>
-                <a:latin typeface="+mj-lt"/>
-                <a:ea typeface="+mj-ea"/>
-                <a:cs typeface="+mj-cs"/>
-              </a:defRPr>
-            </a:lvl1pPr>
-          </a:lstStyle>
-          <a:p>
-            <a:pPr marL="285750" indent="-285750">
-              <a:buFont typeface="Arial" panose="020B0604020202020204" pitchFamily="34" charset="0"/>
-              <a:buChar char="•"/>
-            </a:pPr>
-            <a:r>
-              <a:rPr lang="en-US" sz="1600" dirty="0"/>
-              <a:t>Although lofts were the property type with the highest number of reviews it was based on the smallest number of data points.</a:t>
-            </a:r>
-          </a:p>
-          <a:p>
-            <a:pPr marL="285750" indent="-285750">
-              <a:buFont typeface="Arial" panose="020B0604020202020204" pitchFamily="34" charset="0"/>
-              <a:buChar char="•"/>
-            </a:pPr>
-            <a:r>
-              <a:rPr lang="en-US" sz="1600" dirty="0"/>
-              <a:t>The second highest in the chart is apartment. As this is by far the highest amount of property types in the data, and with the highest indication of "occupancy", we decided to only look at apartments.</a:t>
-            </a:r>
-          </a:p>
-        </p:txBody>
-      </p:sp>
-      <p:pic>
-        <p:nvPicPr>
-          <p:cNvPr id="13" name="Picture 12">
-            <a:extLst>
-              <a:ext uri="{FF2B5EF4-FFF2-40B4-BE49-F238E27FC236}">
-                <a16:creationId xmlns:a16="http://schemas.microsoft.com/office/drawing/2014/main" id="{04BC401D-580A-5F43-99CD-961ACD6F63E5}"/>
-              </a:ext>
-            </a:extLst>
-          </p:cNvPr>
-          <p:cNvPicPr>
-            <a:picLocks noChangeAspect="1"/>
-          </p:cNvPicPr>
-          <p:nvPr/>
-        </p:nvPicPr>
-        <p:blipFill>
-          <a:blip r:embed="rId2"/>
-          <a:stretch>
-            <a:fillRect/>
-          </a:stretch>
-        </p:blipFill>
-        <p:spPr>
-          <a:xfrm>
-            <a:off x="1523998" y="2004848"/>
-            <a:ext cx="9144000" cy="4572000"/>
-          </a:xfrm>
-          <a:prstGeom prst="rect">
-            <a:avLst/>
-          </a:prstGeom>
-        </p:spPr>
-      </p:pic>
+          <p:cNvPr id="3" name="Content Placeholder 2">
+            <a:extLst>
+              <a:ext uri="{FF2B5EF4-FFF2-40B4-BE49-F238E27FC236}">
+                <a16:creationId xmlns:a16="http://schemas.microsoft.com/office/drawing/2014/main" id="{C4F7AB40-B9E9-6540-8881-8418001CC6DC}"/>
+              </a:ext>
+            </a:extLst>
+          </p:cNvPr>
+          <p:cNvSpPr>
+            <a:spLocks noGrp="1"/>
+          </p:cNvSpPr>
+          <p:nvPr>
+            <p:ph idx="1"/>
+          </p:nvPr>
+        </p:nvSpPr>
+        <p:spPr/>
+        <p:txBody>
+          <a:bodyPr/>
+          <a:lstStyle/>
+          <a:p>
+            <a:endParaRPr lang="en-US"/>
+          </a:p>
+        </p:txBody>
+      </p:sp>
     </p:spTree>
     <p:extLst>
       <p:ext uri="{BB962C8B-B14F-4D97-AF65-F5344CB8AC3E}">
-        <p14:creationId xmlns:p14="http://schemas.microsoft.com/office/powerpoint/2010/main" val="347504305"/>
+        <p14:creationId xmlns:p14="http://schemas.microsoft.com/office/powerpoint/2010/main" val="3121080766"/>
       </p:ext>
     </p:extLst>
   </p:cSld>
@@ -8889,182 +8952,10 @@
       </p:grpSpPr>
       <p:sp>
         <p:nvSpPr>
-          <p:cNvPr id="8" name="Rectangle 7">
-            <a:extLst>
-              <a:ext uri="{FF2B5EF4-FFF2-40B4-BE49-F238E27FC236}">
-                <a16:creationId xmlns:a16="http://schemas.microsoft.com/office/drawing/2014/main" id="{37CB9B8F-D94F-7F4A-BC03-3D35B7D0DD7F}"/>
-              </a:ext>
-            </a:extLst>
-          </p:cNvPr>
-          <p:cNvSpPr/>
-          <p:nvPr/>
-        </p:nvSpPr>
-        <p:spPr>
-          <a:xfrm>
-            <a:off x="-115614" y="-207579"/>
-            <a:ext cx="357352" cy="7273158"/>
-          </a:xfrm>
-          <a:prstGeom prst="rect">
-            <a:avLst/>
-          </a:prstGeom>
-          <a:solidFill>
-            <a:schemeClr val="tx1"/>
-          </a:solidFill>
-          <a:ln>
-            <a:noFill/>
-          </a:ln>
-        </p:spPr>
-        <p:style>
-          <a:lnRef idx="2">
-            <a:schemeClr val="accent1">
-              <a:shade val="50000"/>
-            </a:schemeClr>
-          </a:lnRef>
-          <a:fillRef idx="1">
-            <a:schemeClr val="accent1"/>
-          </a:fillRef>
-          <a:effectRef idx="0">
-            <a:schemeClr val="accent1"/>
-          </a:effectRef>
-          <a:fontRef idx="minor">
-            <a:schemeClr val="lt1"/>
-          </a:fontRef>
-        </p:style>
-        <p:txBody>
-          <a:bodyPr rtlCol="0" anchor="ctr"/>
-          <a:lstStyle/>
-          <a:p>
-            <a:pPr algn="ctr"/>
-            <a:endParaRPr lang="en-US"/>
-          </a:p>
-        </p:txBody>
-      </p:sp>
-      <p:sp>
-        <p:nvSpPr>
-          <p:cNvPr id="10" name="Title 1">
-            <a:extLst>
-              <a:ext uri="{FF2B5EF4-FFF2-40B4-BE49-F238E27FC236}">
-                <a16:creationId xmlns:a16="http://schemas.microsoft.com/office/drawing/2014/main" id="{AEB50CB7-EBBB-1848-99F8-9254D02640A2}"/>
-              </a:ext>
-            </a:extLst>
-          </p:cNvPr>
-          <p:cNvSpPr txBox="1">
-            <a:spLocks/>
-          </p:cNvSpPr>
-          <p:nvPr/>
-        </p:nvSpPr>
-        <p:spPr>
-          <a:xfrm>
-            <a:off x="922283" y="1145629"/>
-            <a:ext cx="10347431" cy="708080"/>
-          </a:xfrm>
-          <a:prstGeom prst="rect">
-            <a:avLst/>
-          </a:prstGeom>
-        </p:spPr>
-        <p:txBody>
-          <a:bodyPr vert="horz" lIns="91440" tIns="45720" rIns="91440" bIns="45720" rtlCol="0" anchor="ctr">
-            <a:normAutofit fontScale="97500"/>
-          </a:bodyPr>
-          <a:lstStyle>
-            <a:lvl1pPr algn="l" defTabSz="914400" rtl="0" eaLnBrk="1" latinLnBrk="0" hangingPunct="1">
-              <a:lnSpc>
-                <a:spcPct val="90000"/>
-              </a:lnSpc>
-              <a:spcBef>
-                <a:spcPct val="0"/>
-              </a:spcBef>
-              <a:buNone/>
-              <a:defRPr sz="4400" kern="1200">
-                <a:solidFill>
-                  <a:schemeClr val="tx1"/>
-                </a:solidFill>
-                <a:latin typeface="+mj-lt"/>
-                <a:ea typeface="+mj-ea"/>
-                <a:cs typeface="+mj-cs"/>
-              </a:defRPr>
-            </a:lvl1pPr>
-          </a:lstStyle>
-          <a:p>
-            <a:pPr marL="285750" indent="-285750">
-              <a:buFont typeface="Arial" panose="020B0604020202020204" pitchFamily="34" charset="0"/>
-              <a:buChar char="•"/>
-            </a:pPr>
-            <a:r>
-              <a:rPr lang="en-US" sz="1600" dirty="0"/>
-              <a:t>No further major insights into </a:t>
-            </a:r>
-            <a:r>
-              <a:rPr lang="en-US" sz="1600" dirty="0" err="1"/>
-              <a:t>neighbourhood</a:t>
-            </a:r>
-            <a:r>
-              <a:rPr lang="en-US" sz="1600" dirty="0"/>
-              <a:t> summary</a:t>
-            </a:r>
-          </a:p>
-        </p:txBody>
-      </p:sp>
-      <p:sp>
-        <p:nvSpPr>
-          <p:cNvPr id="11" name="Title 1">
-            <a:extLst>
-              <a:ext uri="{FF2B5EF4-FFF2-40B4-BE49-F238E27FC236}">
-                <a16:creationId xmlns:a16="http://schemas.microsoft.com/office/drawing/2014/main" id="{2EB7A005-5F5F-364C-B859-D023E14E3586}"/>
-              </a:ext>
-            </a:extLst>
-          </p:cNvPr>
-          <p:cNvSpPr txBox="1">
-            <a:spLocks/>
-          </p:cNvSpPr>
-          <p:nvPr/>
-        </p:nvSpPr>
-        <p:spPr>
-          <a:xfrm>
-            <a:off x="333703" y="44670"/>
-            <a:ext cx="10515600" cy="708080"/>
-          </a:xfrm>
-          <a:prstGeom prst="rect">
-            <a:avLst/>
-          </a:prstGeom>
-        </p:spPr>
-        <p:txBody>
-          <a:bodyPr vert="horz" lIns="91440" tIns="45720" rIns="91440" bIns="45720" rtlCol="0" anchor="ctr">
-            <a:normAutofit/>
-          </a:bodyPr>
-          <a:lstStyle>
-            <a:lvl1pPr algn="l" defTabSz="914400" rtl="0" eaLnBrk="1" latinLnBrk="0" hangingPunct="1">
-              <a:lnSpc>
-                <a:spcPct val="90000"/>
-              </a:lnSpc>
-              <a:spcBef>
-                <a:spcPct val="0"/>
-              </a:spcBef>
-              <a:buNone/>
-              <a:defRPr sz="4400" kern="1200">
-                <a:solidFill>
-                  <a:schemeClr val="tx1"/>
-                </a:solidFill>
-                <a:latin typeface="+mj-lt"/>
-                <a:ea typeface="+mj-ea"/>
-                <a:cs typeface="+mj-cs"/>
-              </a:defRPr>
-            </a:lvl1pPr>
-          </a:lstStyle>
-          <a:p>
-            <a:r>
-              <a:rPr lang="en-US" dirty="0"/>
-              <a:t>Indication of occupancy – Apartments</a:t>
-            </a:r>
-          </a:p>
-        </p:txBody>
-      </p:sp>
-      <p:sp>
-        <p:nvSpPr>
-          <p:cNvPr id="13" name="Title 1">
-            <a:extLst>
-              <a:ext uri="{FF2B5EF4-FFF2-40B4-BE49-F238E27FC236}">
-                <a16:creationId xmlns:a16="http://schemas.microsoft.com/office/drawing/2014/main" id="{68F492E4-9661-854F-8B73-F0CDE761A688}"/>
+          <p:cNvPr id="2" name="Title 1">
+            <a:extLst>
+              <a:ext uri="{FF2B5EF4-FFF2-40B4-BE49-F238E27FC236}">
+                <a16:creationId xmlns:a16="http://schemas.microsoft.com/office/drawing/2014/main" id="{B1E65FC3-1923-F045-AE96-252FBF73935F}"/>
               </a:ext>
             </a:extLst>
           </p:cNvPr>
@@ -9075,64 +8966,44 @@
             <p:ph type="title"/>
           </p:nvPr>
         </p:nvSpPr>
-        <p:spPr>
-          <a:xfrm>
-            <a:off x="922284" y="823694"/>
-            <a:ext cx="10018983" cy="412641"/>
-          </a:xfrm>
-        </p:spPr>
-        <p:txBody>
-          <a:bodyPr>
-            <a:normAutofit/>
-          </a:bodyPr>
+        <p:spPr/>
+        <p:txBody>
+          <a:bodyPr/>
           <a:lstStyle/>
           <a:p>
-            <a:r>
-              <a:rPr lang="en-US" sz="1600" b="1" dirty="0" err="1"/>
-              <a:t>Neighbourhood</a:t>
-            </a:r>
-            <a:r>
-              <a:rPr lang="en-US" sz="1600" b="1" dirty="0"/>
-              <a:t>  - Summary Table</a:t>
-            </a:r>
-            <a:endParaRPr lang="en-US" sz="1600" dirty="0"/>
-          </a:p>
-        </p:txBody>
-      </p:sp>
-      <p:pic>
-        <p:nvPicPr>
-          <p:cNvPr id="15" name="Picture 14">
-            <a:extLst>
-              <a:ext uri="{FF2B5EF4-FFF2-40B4-BE49-F238E27FC236}">
-                <a16:creationId xmlns:a16="http://schemas.microsoft.com/office/drawing/2014/main" id="{F9090BCE-1FAC-2E4C-BE05-BC0D6658DD26}"/>
-              </a:ext>
-            </a:extLst>
-          </p:cNvPr>
-          <p:cNvPicPr>
-            <a:picLocks noChangeAspect="1"/>
-          </p:cNvPicPr>
-          <p:nvPr/>
-        </p:nvPicPr>
-        <p:blipFill>
-          <a:blip r:embed="rId2"/>
-          <a:stretch>
-            <a:fillRect/>
-          </a:stretch>
-        </p:blipFill>
-        <p:spPr>
-          <a:xfrm>
-            <a:off x="1066803" y="2412546"/>
-            <a:ext cx="10347431" cy="4329839"/>
-          </a:xfrm>
-          <a:prstGeom prst="rect">
-            <a:avLst/>
-          </a:prstGeom>
-        </p:spPr>
-      </p:pic>
+            <a:endParaRPr lang="en-US"/>
+          </a:p>
+        </p:txBody>
+      </p:sp>
+      <p:sp>
+        <p:nvSpPr>
+          <p:cNvPr id="3" name="Content Placeholder 2">
+            <a:extLst>
+              <a:ext uri="{FF2B5EF4-FFF2-40B4-BE49-F238E27FC236}">
+                <a16:creationId xmlns:a16="http://schemas.microsoft.com/office/drawing/2014/main" id="{C4F7AB40-B9E9-6540-8881-8418001CC6DC}"/>
+              </a:ext>
+            </a:extLst>
+          </p:cNvPr>
+          <p:cNvSpPr>
+            <a:spLocks noGrp="1"/>
+          </p:cNvSpPr>
+          <p:nvPr>
+            <p:ph idx="1"/>
+          </p:nvPr>
+        </p:nvSpPr>
+        <p:spPr/>
+        <p:txBody>
+          <a:bodyPr/>
+          <a:lstStyle/>
+          <a:p>
+            <a:endParaRPr lang="en-US"/>
+          </a:p>
+        </p:txBody>
+      </p:sp>
     </p:spTree>
     <p:extLst>
       <p:ext uri="{BB962C8B-B14F-4D97-AF65-F5344CB8AC3E}">
-        <p14:creationId xmlns:p14="http://schemas.microsoft.com/office/powerpoint/2010/main" val="3341612760"/>
+        <p14:creationId xmlns:p14="http://schemas.microsoft.com/office/powerpoint/2010/main" val="4026969371"/>
       </p:ext>
     </p:extLst>
   </p:cSld>
@@ -9161,257 +9032,58 @@
       </p:grpSpPr>
       <p:sp>
         <p:nvSpPr>
-          <p:cNvPr id="4" name="Rectangle 3">
-            <a:extLst>
-              <a:ext uri="{FF2B5EF4-FFF2-40B4-BE49-F238E27FC236}">
-                <a16:creationId xmlns:a16="http://schemas.microsoft.com/office/drawing/2014/main" id="{7831F3AE-0B0D-6840-8C3B-0798939EC044}"/>
-              </a:ext>
-            </a:extLst>
-          </p:cNvPr>
-          <p:cNvSpPr/>
-          <p:nvPr/>
-        </p:nvSpPr>
-        <p:spPr>
-          <a:xfrm>
-            <a:off x="-115614" y="-207579"/>
-            <a:ext cx="357352" cy="7273158"/>
-          </a:xfrm>
-          <a:prstGeom prst="rect">
-            <a:avLst/>
-          </a:prstGeom>
-          <a:solidFill>
-            <a:schemeClr val="tx1"/>
-          </a:solidFill>
-          <a:ln>
-            <a:noFill/>
-          </a:ln>
-        </p:spPr>
-        <p:style>
-          <a:lnRef idx="2">
-            <a:schemeClr val="accent1">
-              <a:shade val="50000"/>
-            </a:schemeClr>
-          </a:lnRef>
-          <a:fillRef idx="1">
-            <a:schemeClr val="accent1"/>
-          </a:fillRef>
-          <a:effectRef idx="0">
-            <a:schemeClr val="accent1"/>
-          </a:effectRef>
-          <a:fontRef idx="minor">
-            <a:schemeClr val="lt1"/>
-          </a:fontRef>
-        </p:style>
-        <p:txBody>
-          <a:bodyPr rtlCol="0" anchor="ctr"/>
+          <p:cNvPr id="2" name="Title 1">
+            <a:extLst>
+              <a:ext uri="{FF2B5EF4-FFF2-40B4-BE49-F238E27FC236}">
+                <a16:creationId xmlns:a16="http://schemas.microsoft.com/office/drawing/2014/main" id="{B1E65FC3-1923-F045-AE96-252FBF73935F}"/>
+              </a:ext>
+            </a:extLst>
+          </p:cNvPr>
+          <p:cNvSpPr>
+            <a:spLocks noGrp="1"/>
+          </p:cNvSpPr>
+          <p:nvPr>
+            <p:ph type="title"/>
+          </p:nvPr>
+        </p:nvSpPr>
+        <p:spPr/>
+        <p:txBody>
+          <a:bodyPr/>
           <a:lstStyle/>
           <a:p>
-            <a:pPr algn="ctr"/>
             <a:endParaRPr lang="en-US"/>
           </a:p>
         </p:txBody>
       </p:sp>
       <p:sp>
         <p:nvSpPr>
-          <p:cNvPr id="5" name="Title 1">
-            <a:extLst>
-              <a:ext uri="{FF2B5EF4-FFF2-40B4-BE49-F238E27FC236}">
-                <a16:creationId xmlns:a16="http://schemas.microsoft.com/office/drawing/2014/main" id="{E114FBA1-7CE8-5D4A-91DC-9548F8F31E00}"/>
-              </a:ext>
-            </a:extLst>
-          </p:cNvPr>
-          <p:cNvSpPr txBox="1">
-            <a:spLocks/>
-          </p:cNvSpPr>
-          <p:nvPr/>
-        </p:nvSpPr>
-        <p:spPr>
-          <a:xfrm>
-            <a:off x="333703" y="44670"/>
-            <a:ext cx="10515600" cy="708080"/>
-          </a:xfrm>
-          <a:prstGeom prst="rect">
-            <a:avLst/>
-          </a:prstGeom>
-        </p:spPr>
-        <p:txBody>
-          <a:bodyPr vert="horz" lIns="91440" tIns="45720" rIns="91440" bIns="45720" rtlCol="0" anchor="ctr">
-            <a:normAutofit/>
-          </a:bodyPr>
-          <a:lstStyle>
-            <a:lvl1pPr algn="l" defTabSz="914400" rtl="0" eaLnBrk="1" latinLnBrk="0" hangingPunct="1">
-              <a:lnSpc>
-                <a:spcPct val="90000"/>
-              </a:lnSpc>
-              <a:spcBef>
-                <a:spcPct val="0"/>
-              </a:spcBef>
-              <a:buNone/>
-              <a:defRPr sz="4400" kern="1200">
-                <a:solidFill>
-                  <a:schemeClr val="tx1"/>
-                </a:solidFill>
-                <a:latin typeface="+mj-lt"/>
-                <a:ea typeface="+mj-ea"/>
-                <a:cs typeface="+mj-cs"/>
-              </a:defRPr>
-            </a:lvl1pPr>
-          </a:lstStyle>
-          <a:p>
-            <a:r>
-              <a:rPr lang="en-US" dirty="0"/>
-              <a:t>Indication of occupancy – Apartments</a:t>
-            </a:r>
-          </a:p>
-        </p:txBody>
-      </p:sp>
-      <p:sp>
-        <p:nvSpPr>
-          <p:cNvPr id="6" name="Title 1">
-            <a:extLst>
-              <a:ext uri="{FF2B5EF4-FFF2-40B4-BE49-F238E27FC236}">
-                <a16:creationId xmlns:a16="http://schemas.microsoft.com/office/drawing/2014/main" id="{7E895B41-5150-6645-9893-0AE49246F2F1}"/>
-              </a:ext>
-            </a:extLst>
-          </p:cNvPr>
-          <p:cNvSpPr txBox="1">
-            <a:spLocks/>
-          </p:cNvSpPr>
-          <p:nvPr/>
-        </p:nvSpPr>
-        <p:spPr>
-          <a:xfrm>
-            <a:off x="922284" y="823694"/>
-            <a:ext cx="10018983" cy="412641"/>
-          </a:xfrm>
-          <a:prstGeom prst="rect">
-            <a:avLst/>
-          </a:prstGeom>
-        </p:spPr>
-        <p:txBody>
-          <a:bodyPr vert="horz" lIns="91440" tIns="45720" rIns="91440" bIns="45720" rtlCol="0" anchor="ctr">
-            <a:normAutofit/>
-          </a:bodyPr>
-          <a:lstStyle>
-            <a:lvl1pPr algn="l" defTabSz="914400" rtl="0" eaLnBrk="1" latinLnBrk="0" hangingPunct="1">
-              <a:lnSpc>
-                <a:spcPct val="90000"/>
-              </a:lnSpc>
-              <a:spcBef>
-                <a:spcPct val="0"/>
-              </a:spcBef>
-              <a:buNone/>
-              <a:defRPr sz="4400" kern="1200">
-                <a:solidFill>
-                  <a:schemeClr val="tx1"/>
-                </a:solidFill>
-                <a:latin typeface="+mj-lt"/>
-                <a:ea typeface="+mj-ea"/>
-                <a:cs typeface="+mj-cs"/>
-              </a:defRPr>
-            </a:lvl1pPr>
-          </a:lstStyle>
-          <a:p>
-            <a:r>
-              <a:rPr lang="en-US" sz="1600" b="1" dirty="0"/>
-              <a:t>Top Ten Suburbs - Summary Table</a:t>
-            </a:r>
-            <a:endParaRPr lang="en-US" sz="1600" dirty="0"/>
-          </a:p>
-        </p:txBody>
-      </p:sp>
-      <p:sp>
-        <p:nvSpPr>
-          <p:cNvPr id="7" name="Title 1">
-            <a:extLst>
-              <a:ext uri="{FF2B5EF4-FFF2-40B4-BE49-F238E27FC236}">
-                <a16:creationId xmlns:a16="http://schemas.microsoft.com/office/drawing/2014/main" id="{E54232B0-332B-5243-921B-F44308F75670}"/>
-              </a:ext>
-            </a:extLst>
-          </p:cNvPr>
-          <p:cNvSpPr txBox="1">
-            <a:spLocks/>
-          </p:cNvSpPr>
-          <p:nvPr/>
-        </p:nvSpPr>
-        <p:spPr>
-          <a:xfrm>
-            <a:off x="922283" y="1145628"/>
-            <a:ext cx="10347431" cy="990599"/>
-          </a:xfrm>
-          <a:prstGeom prst="rect">
-            <a:avLst/>
-          </a:prstGeom>
-        </p:spPr>
-        <p:txBody>
-          <a:bodyPr vert="horz" lIns="91440" tIns="45720" rIns="91440" bIns="45720" rtlCol="0" anchor="ctr">
-            <a:normAutofit fontScale="97500"/>
-          </a:bodyPr>
-          <a:lstStyle>
-            <a:lvl1pPr algn="l" defTabSz="914400" rtl="0" eaLnBrk="1" latinLnBrk="0" hangingPunct="1">
-              <a:lnSpc>
-                <a:spcPct val="90000"/>
-              </a:lnSpc>
-              <a:spcBef>
-                <a:spcPct val="0"/>
-              </a:spcBef>
-              <a:buNone/>
-              <a:defRPr sz="4400" kern="1200">
-                <a:solidFill>
-                  <a:schemeClr val="tx1"/>
-                </a:solidFill>
-                <a:latin typeface="+mj-lt"/>
-                <a:ea typeface="+mj-ea"/>
-                <a:cs typeface="+mj-cs"/>
-              </a:defRPr>
-            </a:lvl1pPr>
-          </a:lstStyle>
-          <a:p>
-            <a:pPr marL="285750" indent="-285750">
-              <a:buFont typeface="Arial" panose="020B0604020202020204" pitchFamily="34" charset="0"/>
-              <a:buChar char="•"/>
-            </a:pPr>
-            <a:r>
-              <a:rPr lang="en-US" sz="1600" dirty="0"/>
-              <a:t>?</a:t>
-            </a:r>
-          </a:p>
-        </p:txBody>
-      </p:sp>
-      <p:pic>
-        <p:nvPicPr>
-          <p:cNvPr id="9" name="Picture 8">
-            <a:extLst>
-              <a:ext uri="{FF2B5EF4-FFF2-40B4-BE49-F238E27FC236}">
-                <a16:creationId xmlns:a16="http://schemas.microsoft.com/office/drawing/2014/main" id="{163B0F29-5121-424A-BEDE-514453BD5132}"/>
-              </a:ext>
-            </a:extLst>
-          </p:cNvPr>
-          <p:cNvPicPr>
-            <a:picLocks noChangeAspect="1"/>
-          </p:cNvPicPr>
-          <p:nvPr/>
-        </p:nvPicPr>
-        <p:blipFill>
-          <a:blip r:embed="rId2"/>
-          <a:stretch>
-            <a:fillRect/>
-          </a:stretch>
-        </p:blipFill>
-        <p:spPr>
-          <a:xfrm>
-            <a:off x="922283" y="2529105"/>
-            <a:ext cx="10967201" cy="3608936"/>
-          </a:xfrm>
-          <a:prstGeom prst="rect">
-            <a:avLst/>
-          </a:prstGeom>
-        </p:spPr>
-      </p:pic>
+          <p:cNvPr id="3" name="Content Placeholder 2">
+            <a:extLst>
+              <a:ext uri="{FF2B5EF4-FFF2-40B4-BE49-F238E27FC236}">
+                <a16:creationId xmlns:a16="http://schemas.microsoft.com/office/drawing/2014/main" id="{C4F7AB40-B9E9-6540-8881-8418001CC6DC}"/>
+              </a:ext>
+            </a:extLst>
+          </p:cNvPr>
+          <p:cNvSpPr>
+            <a:spLocks noGrp="1"/>
+          </p:cNvSpPr>
+          <p:nvPr>
+            <p:ph idx="1"/>
+          </p:nvPr>
+        </p:nvSpPr>
+        <p:spPr/>
+        <p:txBody>
+          <a:bodyPr/>
+          <a:lstStyle/>
+          <a:p>
+            <a:endParaRPr lang="en-US"/>
+          </a:p>
+        </p:txBody>
+      </p:sp>
     </p:spTree>
     <p:extLst>
       <p:ext uri="{BB962C8B-B14F-4D97-AF65-F5344CB8AC3E}">
-        <p14:creationId xmlns:p14="http://schemas.microsoft.com/office/powerpoint/2010/main" val="3155850420"/>
+        <p14:creationId xmlns:p14="http://schemas.microsoft.com/office/powerpoint/2010/main" val="3972903332"/>
       </p:ext>
     </p:extLst>
   </p:cSld>
@@ -9440,540 +9112,58 @@
       </p:grpSpPr>
       <p:sp>
         <p:nvSpPr>
-          <p:cNvPr id="4" name="Title 1">
-            <a:extLst>
-              <a:ext uri="{FF2B5EF4-FFF2-40B4-BE49-F238E27FC236}">
-                <a16:creationId xmlns:a16="http://schemas.microsoft.com/office/drawing/2014/main" id="{2883A6F9-8387-A944-8069-AAC15487AAA6}"/>
-              </a:ext>
-            </a:extLst>
-          </p:cNvPr>
-          <p:cNvSpPr txBox="1">
-            <a:spLocks/>
-          </p:cNvSpPr>
-          <p:nvPr/>
-        </p:nvSpPr>
-        <p:spPr>
-          <a:xfrm>
-            <a:off x="922284" y="823694"/>
-            <a:ext cx="10018983" cy="412641"/>
-          </a:xfrm>
-          <a:prstGeom prst="rect">
-            <a:avLst/>
-          </a:prstGeom>
-        </p:spPr>
-        <p:txBody>
-          <a:bodyPr vert="horz" lIns="91440" tIns="45720" rIns="91440" bIns="45720" rtlCol="0" anchor="ctr">
-            <a:normAutofit/>
-          </a:bodyPr>
-          <a:lstStyle>
-            <a:lvl1pPr algn="l" defTabSz="914400" rtl="0" eaLnBrk="1" latinLnBrk="0" hangingPunct="1">
-              <a:lnSpc>
-                <a:spcPct val="90000"/>
-              </a:lnSpc>
-              <a:spcBef>
-                <a:spcPct val="0"/>
-              </a:spcBef>
-              <a:buNone/>
-              <a:defRPr sz="4400" kern="1200">
-                <a:solidFill>
-                  <a:schemeClr val="tx1"/>
-                </a:solidFill>
-                <a:latin typeface="+mj-lt"/>
-                <a:ea typeface="+mj-ea"/>
-                <a:cs typeface="+mj-cs"/>
-              </a:defRPr>
-            </a:lvl1pPr>
-          </a:lstStyle>
-          <a:p>
-            <a:r>
-              <a:rPr lang="en-US" sz="1600" b="1" dirty="0"/>
-              <a:t>Bottom Ten Suburbs - Summary Table</a:t>
-            </a:r>
-            <a:endParaRPr lang="en-US" sz="1600" dirty="0"/>
-          </a:p>
-        </p:txBody>
-      </p:sp>
-      <p:sp>
-        <p:nvSpPr>
-          <p:cNvPr id="5" name="Title 1">
-            <a:extLst>
-              <a:ext uri="{FF2B5EF4-FFF2-40B4-BE49-F238E27FC236}">
-                <a16:creationId xmlns:a16="http://schemas.microsoft.com/office/drawing/2014/main" id="{D8D2BC8E-44D7-B342-BF53-80D63395EB7B}"/>
-              </a:ext>
-            </a:extLst>
-          </p:cNvPr>
-          <p:cNvSpPr txBox="1">
-            <a:spLocks/>
-          </p:cNvSpPr>
-          <p:nvPr/>
-        </p:nvSpPr>
-        <p:spPr>
-          <a:xfrm>
-            <a:off x="922283" y="1145628"/>
-            <a:ext cx="10347431" cy="1312533"/>
-          </a:xfrm>
-          <a:prstGeom prst="rect">
-            <a:avLst/>
-          </a:prstGeom>
-        </p:spPr>
-        <p:txBody>
-          <a:bodyPr vert="horz" lIns="91440" tIns="45720" rIns="91440" bIns="45720" rtlCol="0" anchor="ctr">
-            <a:normAutofit fontScale="97500"/>
-          </a:bodyPr>
-          <a:lstStyle>
-            <a:lvl1pPr algn="l" defTabSz="914400" rtl="0" eaLnBrk="1" latinLnBrk="0" hangingPunct="1">
-              <a:lnSpc>
-                <a:spcPct val="90000"/>
-              </a:lnSpc>
-              <a:spcBef>
-                <a:spcPct val="0"/>
-              </a:spcBef>
-              <a:buNone/>
-              <a:defRPr sz="4400" kern="1200">
-                <a:solidFill>
-                  <a:schemeClr val="tx1"/>
-                </a:solidFill>
-                <a:latin typeface="+mj-lt"/>
-                <a:ea typeface="+mj-ea"/>
-                <a:cs typeface="+mj-cs"/>
-              </a:defRPr>
-            </a:lvl1pPr>
-          </a:lstStyle>
-          <a:p>
-            <a:pPr marL="285750" indent="-285750">
-              <a:buFont typeface="Arial" panose="020B0604020202020204" pitchFamily="34" charset="0"/>
-              <a:buChar char="•"/>
-            </a:pPr>
-            <a:r>
-              <a:rPr lang="en-US" sz="1600" dirty="0"/>
-              <a:t>?</a:t>
-            </a:r>
-            <a:br>
-              <a:rPr lang="en-US" sz="1600" dirty="0"/>
-            </a:br>
-            <a:endParaRPr lang="en-US" sz="1600" dirty="0"/>
-          </a:p>
-        </p:txBody>
-      </p:sp>
-      <p:sp>
-        <p:nvSpPr>
-          <p:cNvPr id="6" name="Rectangle 5">
-            <a:extLst>
-              <a:ext uri="{FF2B5EF4-FFF2-40B4-BE49-F238E27FC236}">
-                <a16:creationId xmlns:a16="http://schemas.microsoft.com/office/drawing/2014/main" id="{38661285-38D8-CB4D-9685-A56B53F17FFA}"/>
-              </a:ext>
-            </a:extLst>
-          </p:cNvPr>
-          <p:cNvSpPr/>
-          <p:nvPr/>
-        </p:nvSpPr>
-        <p:spPr>
-          <a:xfrm>
-            <a:off x="-115614" y="-207579"/>
-            <a:ext cx="357352" cy="7273158"/>
-          </a:xfrm>
-          <a:prstGeom prst="rect">
-            <a:avLst/>
-          </a:prstGeom>
-          <a:solidFill>
-            <a:schemeClr val="tx1"/>
-          </a:solidFill>
-          <a:ln>
-            <a:noFill/>
-          </a:ln>
-        </p:spPr>
-        <p:style>
-          <a:lnRef idx="2">
-            <a:schemeClr val="accent1">
-              <a:shade val="50000"/>
-            </a:schemeClr>
-          </a:lnRef>
-          <a:fillRef idx="1">
-            <a:schemeClr val="accent1"/>
-          </a:fillRef>
-          <a:effectRef idx="0">
-            <a:schemeClr val="accent1"/>
-          </a:effectRef>
-          <a:fontRef idx="minor">
-            <a:schemeClr val="lt1"/>
-          </a:fontRef>
-        </p:style>
-        <p:txBody>
-          <a:bodyPr rtlCol="0" anchor="ctr"/>
+          <p:cNvPr id="2" name="Title 1">
+            <a:extLst>
+              <a:ext uri="{FF2B5EF4-FFF2-40B4-BE49-F238E27FC236}">
+                <a16:creationId xmlns:a16="http://schemas.microsoft.com/office/drawing/2014/main" id="{B1E65FC3-1923-F045-AE96-252FBF73935F}"/>
+              </a:ext>
+            </a:extLst>
+          </p:cNvPr>
+          <p:cNvSpPr>
+            <a:spLocks noGrp="1"/>
+          </p:cNvSpPr>
+          <p:nvPr>
+            <p:ph type="title"/>
+          </p:nvPr>
+        </p:nvSpPr>
+        <p:spPr/>
+        <p:txBody>
+          <a:bodyPr/>
           <a:lstStyle/>
           <a:p>
-            <a:pPr algn="ctr"/>
             <a:endParaRPr lang="en-US"/>
           </a:p>
         </p:txBody>
       </p:sp>
       <p:sp>
         <p:nvSpPr>
-          <p:cNvPr id="7" name="Title 1">
-            <a:extLst>
-              <a:ext uri="{FF2B5EF4-FFF2-40B4-BE49-F238E27FC236}">
-                <a16:creationId xmlns:a16="http://schemas.microsoft.com/office/drawing/2014/main" id="{31C93DC2-1741-B141-BA9F-5468B3A3D5A3}"/>
-              </a:ext>
-            </a:extLst>
-          </p:cNvPr>
-          <p:cNvSpPr txBox="1">
-            <a:spLocks/>
-          </p:cNvSpPr>
-          <p:nvPr/>
-        </p:nvSpPr>
-        <p:spPr>
-          <a:xfrm>
-            <a:off x="333703" y="44670"/>
-            <a:ext cx="10515600" cy="708080"/>
-          </a:xfrm>
-          <a:prstGeom prst="rect">
-            <a:avLst/>
-          </a:prstGeom>
-        </p:spPr>
-        <p:txBody>
-          <a:bodyPr vert="horz" lIns="91440" tIns="45720" rIns="91440" bIns="45720" rtlCol="0" anchor="ctr">
-            <a:normAutofit/>
-          </a:bodyPr>
-          <a:lstStyle>
-            <a:lvl1pPr algn="l" defTabSz="914400" rtl="0" eaLnBrk="1" latinLnBrk="0" hangingPunct="1">
-              <a:lnSpc>
-                <a:spcPct val="90000"/>
-              </a:lnSpc>
-              <a:spcBef>
-                <a:spcPct val="0"/>
-              </a:spcBef>
-              <a:buNone/>
-              <a:defRPr sz="4400" kern="1200">
-                <a:solidFill>
-                  <a:schemeClr val="tx1"/>
-                </a:solidFill>
-                <a:latin typeface="+mj-lt"/>
-                <a:ea typeface="+mj-ea"/>
-                <a:cs typeface="+mj-cs"/>
-              </a:defRPr>
-            </a:lvl1pPr>
-          </a:lstStyle>
-          <a:p>
-            <a:r>
-              <a:rPr lang="en-US" dirty="0"/>
-              <a:t>Indication of occupancy – Apartments</a:t>
-            </a:r>
-          </a:p>
-        </p:txBody>
-      </p:sp>
-      <p:pic>
-        <p:nvPicPr>
-          <p:cNvPr id="9" name="Picture 8">
-            <a:extLst>
-              <a:ext uri="{FF2B5EF4-FFF2-40B4-BE49-F238E27FC236}">
-                <a16:creationId xmlns:a16="http://schemas.microsoft.com/office/drawing/2014/main" id="{7C222FD0-68B2-9F43-B29C-5793C58F86BE}"/>
-              </a:ext>
-            </a:extLst>
-          </p:cNvPr>
-          <p:cNvPicPr>
-            <a:picLocks noChangeAspect="1"/>
-          </p:cNvPicPr>
-          <p:nvPr/>
-        </p:nvPicPr>
-        <p:blipFill>
-          <a:blip r:embed="rId2"/>
-          <a:stretch>
-            <a:fillRect/>
-          </a:stretch>
-        </p:blipFill>
-        <p:spPr>
-          <a:xfrm>
-            <a:off x="1119353" y="2780095"/>
-            <a:ext cx="10347431" cy="3395376"/>
-          </a:xfrm>
-          <a:prstGeom prst="rect">
-            <a:avLst/>
-          </a:prstGeom>
-        </p:spPr>
-      </p:pic>
+          <p:cNvPr id="3" name="Content Placeholder 2">
+            <a:extLst>
+              <a:ext uri="{FF2B5EF4-FFF2-40B4-BE49-F238E27FC236}">
+                <a16:creationId xmlns:a16="http://schemas.microsoft.com/office/drawing/2014/main" id="{C4F7AB40-B9E9-6540-8881-8418001CC6DC}"/>
+              </a:ext>
+            </a:extLst>
+          </p:cNvPr>
+          <p:cNvSpPr>
+            <a:spLocks noGrp="1"/>
+          </p:cNvSpPr>
+          <p:nvPr>
+            <p:ph idx="1"/>
+          </p:nvPr>
+        </p:nvSpPr>
+        <p:spPr/>
+        <p:txBody>
+          <a:bodyPr/>
+          <a:lstStyle/>
+          <a:p>
+            <a:endParaRPr lang="en-US"/>
+          </a:p>
+        </p:txBody>
+      </p:sp>
     </p:spTree>
     <p:extLst>
       <p:ext uri="{BB962C8B-B14F-4D97-AF65-F5344CB8AC3E}">
-        <p14:creationId xmlns:p14="http://schemas.microsoft.com/office/powerpoint/2010/main" val="2836392303"/>
-      </p:ext>
-    </p:extLst>
-  </p:cSld>
-  <p:clrMapOvr>
-    <a:masterClrMapping/>
-  </p:clrMapOvr>
-</p:sld>
-</file>
-
-<file path=ppt/slides/slide29.xml><?xml version="1.0" encoding="utf-8"?>
-<p:sld xmlns:a="http://schemas.openxmlformats.org/drawingml/2006/main" xmlns:r="http://schemas.openxmlformats.org/officeDocument/2006/relationships" xmlns:p="http://schemas.openxmlformats.org/presentationml/2006/main">
-  <p:cSld>
-    <p:spTree>
-      <p:nvGrpSpPr>
-        <p:cNvPr id="1" name=""/>
-        <p:cNvGrpSpPr/>
-        <p:nvPr/>
-      </p:nvGrpSpPr>
-      <p:grpSpPr>
-        <a:xfrm>
-          <a:off x="0" y="0"/>
-          <a:ext cx="0" cy="0"/>
-          <a:chOff x="0" y="0"/>
-          <a:chExt cx="0" cy="0"/>
-        </a:xfrm>
-      </p:grpSpPr>
-      <p:sp>
-        <p:nvSpPr>
-          <p:cNvPr id="4" name="Rectangle 3">
-            <a:extLst>
-              <a:ext uri="{FF2B5EF4-FFF2-40B4-BE49-F238E27FC236}">
-                <a16:creationId xmlns:a16="http://schemas.microsoft.com/office/drawing/2014/main" id="{3711B730-9245-1C47-BBE0-03DC78BD74B9}"/>
-              </a:ext>
-            </a:extLst>
-          </p:cNvPr>
-          <p:cNvSpPr/>
-          <p:nvPr/>
-        </p:nvSpPr>
-        <p:spPr>
-          <a:xfrm>
-            <a:off x="-115614" y="-207579"/>
-            <a:ext cx="357352" cy="7273158"/>
-          </a:xfrm>
-          <a:prstGeom prst="rect">
-            <a:avLst/>
-          </a:prstGeom>
-          <a:solidFill>
-            <a:schemeClr val="tx1"/>
-          </a:solidFill>
-          <a:ln>
-            <a:noFill/>
-          </a:ln>
-        </p:spPr>
-        <p:style>
-          <a:lnRef idx="2">
-            <a:schemeClr val="accent1">
-              <a:shade val="50000"/>
-            </a:schemeClr>
-          </a:lnRef>
-          <a:fillRef idx="1">
-            <a:schemeClr val="accent1"/>
-          </a:fillRef>
-          <a:effectRef idx="0">
-            <a:schemeClr val="accent1"/>
-          </a:effectRef>
-          <a:fontRef idx="minor">
-            <a:schemeClr val="lt1"/>
-          </a:fontRef>
-        </p:style>
-        <p:txBody>
-          <a:bodyPr rtlCol="0" anchor="ctr"/>
-          <a:lstStyle/>
-          <a:p>
-            <a:pPr algn="ctr"/>
-            <a:endParaRPr lang="en-US"/>
-          </a:p>
-        </p:txBody>
-      </p:sp>
-      <p:sp>
-        <p:nvSpPr>
-          <p:cNvPr id="5" name="Title 1">
-            <a:extLst>
-              <a:ext uri="{FF2B5EF4-FFF2-40B4-BE49-F238E27FC236}">
-                <a16:creationId xmlns:a16="http://schemas.microsoft.com/office/drawing/2014/main" id="{342DF21D-C1F6-5546-ACCC-43D675666DF2}"/>
-              </a:ext>
-            </a:extLst>
-          </p:cNvPr>
-          <p:cNvSpPr txBox="1">
-            <a:spLocks/>
-          </p:cNvSpPr>
-          <p:nvPr/>
-        </p:nvSpPr>
-        <p:spPr>
-          <a:xfrm>
-            <a:off x="333703" y="44670"/>
-            <a:ext cx="10515600" cy="708080"/>
-          </a:xfrm>
-          <a:prstGeom prst="rect">
-            <a:avLst/>
-          </a:prstGeom>
-        </p:spPr>
-        <p:txBody>
-          <a:bodyPr vert="horz" lIns="91440" tIns="45720" rIns="91440" bIns="45720" rtlCol="0" anchor="ctr">
-            <a:normAutofit/>
-          </a:bodyPr>
-          <a:lstStyle>
-            <a:lvl1pPr algn="l" defTabSz="914400" rtl="0" eaLnBrk="1" latinLnBrk="0" hangingPunct="1">
-              <a:lnSpc>
-                <a:spcPct val="90000"/>
-              </a:lnSpc>
-              <a:spcBef>
-                <a:spcPct val="0"/>
-              </a:spcBef>
-              <a:buNone/>
-              <a:defRPr sz="4400" kern="1200">
-                <a:solidFill>
-                  <a:schemeClr val="tx1"/>
-                </a:solidFill>
-                <a:latin typeface="+mj-lt"/>
-                <a:ea typeface="+mj-ea"/>
-                <a:cs typeface="+mj-cs"/>
-              </a:defRPr>
-            </a:lvl1pPr>
-          </a:lstStyle>
-          <a:p>
-            <a:r>
-              <a:rPr lang="en-US" dirty="0"/>
-              <a:t>Indication of occupancy – Apartments</a:t>
-            </a:r>
-          </a:p>
-        </p:txBody>
-      </p:sp>
-      <p:sp>
-        <p:nvSpPr>
-          <p:cNvPr id="6" name="Title 1">
-            <a:extLst>
-              <a:ext uri="{FF2B5EF4-FFF2-40B4-BE49-F238E27FC236}">
-                <a16:creationId xmlns:a16="http://schemas.microsoft.com/office/drawing/2014/main" id="{84F04DE5-7826-D746-9A29-826989A16D11}"/>
-              </a:ext>
-            </a:extLst>
-          </p:cNvPr>
-          <p:cNvSpPr txBox="1">
-            <a:spLocks/>
-          </p:cNvSpPr>
-          <p:nvPr/>
-        </p:nvSpPr>
-        <p:spPr>
-          <a:xfrm>
-            <a:off x="5716751" y="823694"/>
-            <a:ext cx="6046075" cy="412641"/>
-          </a:xfrm>
-          <a:prstGeom prst="rect">
-            <a:avLst/>
-          </a:prstGeom>
-        </p:spPr>
-        <p:txBody>
-          <a:bodyPr vert="horz" lIns="91440" tIns="45720" rIns="91440" bIns="45720" rtlCol="0" anchor="ctr">
-            <a:normAutofit/>
-          </a:bodyPr>
-          <a:lstStyle>
-            <a:lvl1pPr algn="l" defTabSz="914400" rtl="0" eaLnBrk="1" latinLnBrk="0" hangingPunct="1">
-              <a:lnSpc>
-                <a:spcPct val="90000"/>
-              </a:lnSpc>
-              <a:spcBef>
-                <a:spcPct val="0"/>
-              </a:spcBef>
-              <a:buNone/>
-              <a:defRPr sz="4400" kern="1200">
-                <a:solidFill>
-                  <a:schemeClr val="tx1"/>
-                </a:solidFill>
-                <a:latin typeface="+mj-lt"/>
-                <a:ea typeface="+mj-ea"/>
-                <a:cs typeface="+mj-cs"/>
-              </a:defRPr>
-            </a:lvl1pPr>
-          </a:lstStyle>
-          <a:p>
-            <a:r>
-              <a:rPr lang="en-US" sz="1600" b="1" dirty="0"/>
-              <a:t>Top Ten and Bottom Ten Suburbs – Bar Plot</a:t>
-            </a:r>
-            <a:endParaRPr lang="en-US" sz="1600" dirty="0"/>
-          </a:p>
-        </p:txBody>
-      </p:sp>
-      <p:sp>
-        <p:nvSpPr>
-          <p:cNvPr id="7" name="Title 1">
-            <a:extLst>
-              <a:ext uri="{FF2B5EF4-FFF2-40B4-BE49-F238E27FC236}">
-                <a16:creationId xmlns:a16="http://schemas.microsoft.com/office/drawing/2014/main" id="{F5C8585C-AAF7-3342-B36E-DDA5BE5BB442}"/>
-              </a:ext>
-            </a:extLst>
-          </p:cNvPr>
-          <p:cNvSpPr txBox="1">
-            <a:spLocks/>
-          </p:cNvSpPr>
-          <p:nvPr/>
-        </p:nvSpPr>
-        <p:spPr>
-          <a:xfrm>
-            <a:off x="5716751" y="1296601"/>
-            <a:ext cx="6109138" cy="1325563"/>
-          </a:xfrm>
-          <a:prstGeom prst="rect">
-            <a:avLst/>
-          </a:prstGeom>
-        </p:spPr>
-        <p:txBody>
-          <a:bodyPr vert="horz" lIns="91440" tIns="45720" rIns="91440" bIns="45720" rtlCol="0" anchor="ctr">
-            <a:normAutofit fontScale="97500"/>
-          </a:bodyPr>
-          <a:lstStyle>
-            <a:lvl1pPr algn="l" defTabSz="914400" rtl="0" eaLnBrk="1" latinLnBrk="0" hangingPunct="1">
-              <a:lnSpc>
-                <a:spcPct val="90000"/>
-              </a:lnSpc>
-              <a:spcBef>
-                <a:spcPct val="0"/>
-              </a:spcBef>
-              <a:buNone/>
-              <a:defRPr sz="4400" kern="1200">
-                <a:solidFill>
-                  <a:schemeClr val="tx1"/>
-                </a:solidFill>
-                <a:latin typeface="+mj-lt"/>
-                <a:ea typeface="+mj-ea"/>
-                <a:cs typeface="+mj-cs"/>
-              </a:defRPr>
-            </a:lvl1pPr>
-          </a:lstStyle>
-          <a:p>
-            <a:pPr marL="285750" indent="-285750">
-              <a:buFont typeface="Arial" panose="020B0604020202020204" pitchFamily="34" charset="0"/>
-              <a:buChar char="•"/>
-            </a:pPr>
-            <a:r>
-              <a:rPr lang="en-US" sz="1600" dirty="0"/>
-              <a:t>?</a:t>
-            </a:r>
-          </a:p>
-        </p:txBody>
-      </p:sp>
-      <p:pic>
-        <p:nvPicPr>
-          <p:cNvPr id="9" name="Picture 8">
-            <a:extLst>
-              <a:ext uri="{FF2B5EF4-FFF2-40B4-BE49-F238E27FC236}">
-                <a16:creationId xmlns:a16="http://schemas.microsoft.com/office/drawing/2014/main" id="{54B74F4B-DE1F-4445-9408-98F4D271ED08}"/>
-              </a:ext>
-            </a:extLst>
-          </p:cNvPr>
-          <p:cNvPicPr>
-            <a:picLocks noChangeAspect="1"/>
-          </p:cNvPicPr>
-          <p:nvPr/>
-        </p:nvPicPr>
-        <p:blipFill>
-          <a:blip r:embed="rId2"/>
-          <a:stretch>
-            <a:fillRect/>
-          </a:stretch>
-        </p:blipFill>
-        <p:spPr>
-          <a:xfrm>
-            <a:off x="861848" y="693680"/>
-            <a:ext cx="4139326" cy="6208989"/>
-          </a:xfrm>
-          <a:prstGeom prst="rect">
-            <a:avLst/>
-          </a:prstGeom>
-        </p:spPr>
-      </p:pic>
-    </p:spTree>
-    <p:extLst>
-      <p:ext uri="{BB962C8B-B14F-4D97-AF65-F5344CB8AC3E}">
-        <p14:creationId xmlns:p14="http://schemas.microsoft.com/office/powerpoint/2010/main" val="44127994"/>
+        <p14:creationId xmlns:p14="http://schemas.microsoft.com/office/powerpoint/2010/main" val="2944429318"/>
       </p:ext>
     </p:extLst>
   </p:cSld>
@@ -10190,326 +9380,6 @@
     <p:extLst>
       <p:ext uri="{BB962C8B-B14F-4D97-AF65-F5344CB8AC3E}">
         <p14:creationId xmlns:p14="http://schemas.microsoft.com/office/powerpoint/2010/main" val="1912091139"/>
-      </p:ext>
-    </p:extLst>
-  </p:cSld>
-  <p:clrMapOvr>
-    <a:masterClrMapping/>
-  </p:clrMapOvr>
-</p:sld>
-</file>
-
-<file path=ppt/slides/slide30.xml><?xml version="1.0" encoding="utf-8"?>
-<p:sld xmlns:a="http://schemas.openxmlformats.org/drawingml/2006/main" xmlns:r="http://schemas.openxmlformats.org/officeDocument/2006/relationships" xmlns:p="http://schemas.openxmlformats.org/presentationml/2006/main">
-  <p:cSld>
-    <p:spTree>
-      <p:nvGrpSpPr>
-        <p:cNvPr id="1" name=""/>
-        <p:cNvGrpSpPr/>
-        <p:nvPr/>
-      </p:nvGrpSpPr>
-      <p:grpSpPr>
-        <a:xfrm>
-          <a:off x="0" y="0"/>
-          <a:ext cx="0" cy="0"/>
-          <a:chOff x="0" y="0"/>
-          <a:chExt cx="0" cy="0"/>
-        </a:xfrm>
-      </p:grpSpPr>
-      <p:sp>
-        <p:nvSpPr>
-          <p:cNvPr id="2" name="Title 1">
-            <a:extLst>
-              <a:ext uri="{FF2B5EF4-FFF2-40B4-BE49-F238E27FC236}">
-                <a16:creationId xmlns:a16="http://schemas.microsoft.com/office/drawing/2014/main" id="{B1E65FC3-1923-F045-AE96-252FBF73935F}"/>
-              </a:ext>
-            </a:extLst>
-          </p:cNvPr>
-          <p:cNvSpPr>
-            <a:spLocks noGrp="1"/>
-          </p:cNvSpPr>
-          <p:nvPr>
-            <p:ph type="title"/>
-          </p:nvPr>
-        </p:nvSpPr>
-        <p:spPr/>
-        <p:txBody>
-          <a:bodyPr/>
-          <a:lstStyle/>
-          <a:p>
-            <a:endParaRPr lang="en-US"/>
-          </a:p>
-        </p:txBody>
-      </p:sp>
-      <p:sp>
-        <p:nvSpPr>
-          <p:cNvPr id="3" name="Content Placeholder 2">
-            <a:extLst>
-              <a:ext uri="{FF2B5EF4-FFF2-40B4-BE49-F238E27FC236}">
-                <a16:creationId xmlns:a16="http://schemas.microsoft.com/office/drawing/2014/main" id="{C4F7AB40-B9E9-6540-8881-8418001CC6DC}"/>
-              </a:ext>
-            </a:extLst>
-          </p:cNvPr>
-          <p:cNvSpPr>
-            <a:spLocks noGrp="1"/>
-          </p:cNvSpPr>
-          <p:nvPr>
-            <p:ph idx="1"/>
-          </p:nvPr>
-        </p:nvSpPr>
-        <p:spPr/>
-        <p:txBody>
-          <a:bodyPr/>
-          <a:lstStyle/>
-          <a:p>
-            <a:endParaRPr lang="en-US"/>
-          </a:p>
-        </p:txBody>
-      </p:sp>
-    </p:spTree>
-    <p:extLst>
-      <p:ext uri="{BB962C8B-B14F-4D97-AF65-F5344CB8AC3E}">
-        <p14:creationId xmlns:p14="http://schemas.microsoft.com/office/powerpoint/2010/main" val="3121080766"/>
-      </p:ext>
-    </p:extLst>
-  </p:cSld>
-  <p:clrMapOvr>
-    <a:masterClrMapping/>
-  </p:clrMapOvr>
-</p:sld>
-</file>
-
-<file path=ppt/slides/slide31.xml><?xml version="1.0" encoding="utf-8"?>
-<p:sld xmlns:a="http://schemas.openxmlformats.org/drawingml/2006/main" xmlns:r="http://schemas.openxmlformats.org/officeDocument/2006/relationships" xmlns:p="http://schemas.openxmlformats.org/presentationml/2006/main">
-  <p:cSld>
-    <p:spTree>
-      <p:nvGrpSpPr>
-        <p:cNvPr id="1" name=""/>
-        <p:cNvGrpSpPr/>
-        <p:nvPr/>
-      </p:nvGrpSpPr>
-      <p:grpSpPr>
-        <a:xfrm>
-          <a:off x="0" y="0"/>
-          <a:ext cx="0" cy="0"/>
-          <a:chOff x="0" y="0"/>
-          <a:chExt cx="0" cy="0"/>
-        </a:xfrm>
-      </p:grpSpPr>
-      <p:sp>
-        <p:nvSpPr>
-          <p:cNvPr id="2" name="Title 1">
-            <a:extLst>
-              <a:ext uri="{FF2B5EF4-FFF2-40B4-BE49-F238E27FC236}">
-                <a16:creationId xmlns:a16="http://schemas.microsoft.com/office/drawing/2014/main" id="{B1E65FC3-1923-F045-AE96-252FBF73935F}"/>
-              </a:ext>
-            </a:extLst>
-          </p:cNvPr>
-          <p:cNvSpPr>
-            <a:spLocks noGrp="1"/>
-          </p:cNvSpPr>
-          <p:nvPr>
-            <p:ph type="title"/>
-          </p:nvPr>
-        </p:nvSpPr>
-        <p:spPr/>
-        <p:txBody>
-          <a:bodyPr/>
-          <a:lstStyle/>
-          <a:p>
-            <a:endParaRPr lang="en-US"/>
-          </a:p>
-        </p:txBody>
-      </p:sp>
-      <p:sp>
-        <p:nvSpPr>
-          <p:cNvPr id="3" name="Content Placeholder 2">
-            <a:extLst>
-              <a:ext uri="{FF2B5EF4-FFF2-40B4-BE49-F238E27FC236}">
-                <a16:creationId xmlns:a16="http://schemas.microsoft.com/office/drawing/2014/main" id="{C4F7AB40-B9E9-6540-8881-8418001CC6DC}"/>
-              </a:ext>
-            </a:extLst>
-          </p:cNvPr>
-          <p:cNvSpPr>
-            <a:spLocks noGrp="1"/>
-          </p:cNvSpPr>
-          <p:nvPr>
-            <p:ph idx="1"/>
-          </p:nvPr>
-        </p:nvSpPr>
-        <p:spPr/>
-        <p:txBody>
-          <a:bodyPr/>
-          <a:lstStyle/>
-          <a:p>
-            <a:endParaRPr lang="en-US"/>
-          </a:p>
-        </p:txBody>
-      </p:sp>
-    </p:spTree>
-    <p:extLst>
-      <p:ext uri="{BB962C8B-B14F-4D97-AF65-F5344CB8AC3E}">
-        <p14:creationId xmlns:p14="http://schemas.microsoft.com/office/powerpoint/2010/main" val="4026969371"/>
-      </p:ext>
-    </p:extLst>
-  </p:cSld>
-  <p:clrMapOvr>
-    <a:masterClrMapping/>
-  </p:clrMapOvr>
-</p:sld>
-</file>
-
-<file path=ppt/slides/slide32.xml><?xml version="1.0" encoding="utf-8"?>
-<p:sld xmlns:a="http://schemas.openxmlformats.org/drawingml/2006/main" xmlns:r="http://schemas.openxmlformats.org/officeDocument/2006/relationships" xmlns:p="http://schemas.openxmlformats.org/presentationml/2006/main">
-  <p:cSld>
-    <p:spTree>
-      <p:nvGrpSpPr>
-        <p:cNvPr id="1" name=""/>
-        <p:cNvGrpSpPr/>
-        <p:nvPr/>
-      </p:nvGrpSpPr>
-      <p:grpSpPr>
-        <a:xfrm>
-          <a:off x="0" y="0"/>
-          <a:ext cx="0" cy="0"/>
-          <a:chOff x="0" y="0"/>
-          <a:chExt cx="0" cy="0"/>
-        </a:xfrm>
-      </p:grpSpPr>
-      <p:sp>
-        <p:nvSpPr>
-          <p:cNvPr id="2" name="Title 1">
-            <a:extLst>
-              <a:ext uri="{FF2B5EF4-FFF2-40B4-BE49-F238E27FC236}">
-                <a16:creationId xmlns:a16="http://schemas.microsoft.com/office/drawing/2014/main" id="{B1E65FC3-1923-F045-AE96-252FBF73935F}"/>
-              </a:ext>
-            </a:extLst>
-          </p:cNvPr>
-          <p:cNvSpPr>
-            <a:spLocks noGrp="1"/>
-          </p:cNvSpPr>
-          <p:nvPr>
-            <p:ph type="title"/>
-          </p:nvPr>
-        </p:nvSpPr>
-        <p:spPr/>
-        <p:txBody>
-          <a:bodyPr/>
-          <a:lstStyle/>
-          <a:p>
-            <a:endParaRPr lang="en-US"/>
-          </a:p>
-        </p:txBody>
-      </p:sp>
-      <p:sp>
-        <p:nvSpPr>
-          <p:cNvPr id="3" name="Content Placeholder 2">
-            <a:extLst>
-              <a:ext uri="{FF2B5EF4-FFF2-40B4-BE49-F238E27FC236}">
-                <a16:creationId xmlns:a16="http://schemas.microsoft.com/office/drawing/2014/main" id="{C4F7AB40-B9E9-6540-8881-8418001CC6DC}"/>
-              </a:ext>
-            </a:extLst>
-          </p:cNvPr>
-          <p:cNvSpPr>
-            <a:spLocks noGrp="1"/>
-          </p:cNvSpPr>
-          <p:nvPr>
-            <p:ph idx="1"/>
-          </p:nvPr>
-        </p:nvSpPr>
-        <p:spPr/>
-        <p:txBody>
-          <a:bodyPr/>
-          <a:lstStyle/>
-          <a:p>
-            <a:endParaRPr lang="en-US"/>
-          </a:p>
-        </p:txBody>
-      </p:sp>
-    </p:spTree>
-    <p:extLst>
-      <p:ext uri="{BB962C8B-B14F-4D97-AF65-F5344CB8AC3E}">
-        <p14:creationId xmlns:p14="http://schemas.microsoft.com/office/powerpoint/2010/main" val="3972903332"/>
-      </p:ext>
-    </p:extLst>
-  </p:cSld>
-  <p:clrMapOvr>
-    <a:masterClrMapping/>
-  </p:clrMapOvr>
-</p:sld>
-</file>
-
-<file path=ppt/slides/slide33.xml><?xml version="1.0" encoding="utf-8"?>
-<p:sld xmlns:a="http://schemas.openxmlformats.org/drawingml/2006/main" xmlns:r="http://schemas.openxmlformats.org/officeDocument/2006/relationships" xmlns:p="http://schemas.openxmlformats.org/presentationml/2006/main">
-  <p:cSld>
-    <p:spTree>
-      <p:nvGrpSpPr>
-        <p:cNvPr id="1" name=""/>
-        <p:cNvGrpSpPr/>
-        <p:nvPr/>
-      </p:nvGrpSpPr>
-      <p:grpSpPr>
-        <a:xfrm>
-          <a:off x="0" y="0"/>
-          <a:ext cx="0" cy="0"/>
-          <a:chOff x="0" y="0"/>
-          <a:chExt cx="0" cy="0"/>
-        </a:xfrm>
-      </p:grpSpPr>
-      <p:sp>
-        <p:nvSpPr>
-          <p:cNvPr id="2" name="Title 1">
-            <a:extLst>
-              <a:ext uri="{FF2B5EF4-FFF2-40B4-BE49-F238E27FC236}">
-                <a16:creationId xmlns:a16="http://schemas.microsoft.com/office/drawing/2014/main" id="{B1E65FC3-1923-F045-AE96-252FBF73935F}"/>
-              </a:ext>
-            </a:extLst>
-          </p:cNvPr>
-          <p:cNvSpPr>
-            <a:spLocks noGrp="1"/>
-          </p:cNvSpPr>
-          <p:nvPr>
-            <p:ph type="title"/>
-          </p:nvPr>
-        </p:nvSpPr>
-        <p:spPr/>
-        <p:txBody>
-          <a:bodyPr/>
-          <a:lstStyle/>
-          <a:p>
-            <a:endParaRPr lang="en-US"/>
-          </a:p>
-        </p:txBody>
-      </p:sp>
-      <p:sp>
-        <p:nvSpPr>
-          <p:cNvPr id="3" name="Content Placeholder 2">
-            <a:extLst>
-              <a:ext uri="{FF2B5EF4-FFF2-40B4-BE49-F238E27FC236}">
-                <a16:creationId xmlns:a16="http://schemas.microsoft.com/office/drawing/2014/main" id="{C4F7AB40-B9E9-6540-8881-8418001CC6DC}"/>
-              </a:ext>
-            </a:extLst>
-          </p:cNvPr>
-          <p:cNvSpPr>
-            <a:spLocks noGrp="1"/>
-          </p:cNvSpPr>
-          <p:nvPr>
-            <p:ph idx="1"/>
-          </p:nvPr>
-        </p:nvSpPr>
-        <p:spPr/>
-        <p:txBody>
-          <a:bodyPr/>
-          <a:lstStyle/>
-          <a:p>
-            <a:endParaRPr lang="en-US"/>
-          </a:p>
-        </p:txBody>
-      </p:sp>
-    </p:spTree>
-    <p:extLst>
-      <p:ext uri="{BB962C8B-B14F-4D97-AF65-F5344CB8AC3E}">
-        <p14:creationId xmlns:p14="http://schemas.microsoft.com/office/powerpoint/2010/main" val="2944429318"/>
       </p:ext>
     </p:extLst>
   </p:cSld>
@@ -11879,7 +10749,7 @@
         </p:blipFill>
         <p:spPr bwMode="auto">
           <a:xfrm>
-            <a:off x="9393619" y="4519447"/>
+            <a:off x="9970155" y="4983162"/>
             <a:ext cx="1724573" cy="1724573"/>
           </a:xfrm>
           <a:prstGeom prst="rect">
@@ -11932,6 +10802,43 @@
           </a:p>
         </p:txBody>
       </p:sp>
+      <p:pic>
+        <p:nvPicPr>
+          <p:cNvPr id="9" name="Picture 8">
+            <a:extLst>
+              <a:ext uri="{FF2B5EF4-FFF2-40B4-BE49-F238E27FC236}">
+                <a16:creationId xmlns:a16="http://schemas.microsoft.com/office/drawing/2014/main" id="{706E3CEC-18DB-524B-B6C2-E65BC060A9DD}"/>
+              </a:ext>
+            </a:extLst>
+          </p:cNvPr>
+          <p:cNvPicPr>
+            <a:picLocks noChangeAspect="1"/>
+          </p:cNvPicPr>
+          <p:nvPr/>
+        </p:nvPicPr>
+        <p:blipFill>
+          <a:blip r:embed="rId3"/>
+          <a:stretch>
+            <a:fillRect/>
+          </a:stretch>
+        </p:blipFill>
+        <p:spPr>
+          <a:xfrm>
+            <a:off x="1610036" y="3468414"/>
+            <a:ext cx="8489999" cy="1729264"/>
+          </a:xfrm>
+          <a:prstGeom prst="rect">
+            <a:avLst/>
+          </a:prstGeom>
+          <a:effectLst>
+            <a:outerShdw blurRad="152400" dist="38100" dir="2700000" algn="tl" rotWithShape="0">
+              <a:prstClr val="black">
+                <a:alpha val="40000"/>
+              </a:prstClr>
+            </a:outerShdw>
+          </a:effectLst>
+        </p:spPr>
+      </p:pic>
     </p:spTree>
     <p:extLst>
       <p:ext uri="{BB962C8B-B14F-4D97-AF65-F5344CB8AC3E}">
@@ -11962,6 +10869,43 @@
           <a:chExt cx="0" cy="0"/>
         </a:xfrm>
       </p:grpSpPr>
+      <p:pic>
+        <p:nvPicPr>
+          <p:cNvPr id="15" name="Picture 14">
+            <a:extLst>
+              <a:ext uri="{FF2B5EF4-FFF2-40B4-BE49-F238E27FC236}">
+                <a16:creationId xmlns:a16="http://schemas.microsoft.com/office/drawing/2014/main" id="{DA3CBA02-8294-BB42-8784-4A73C30234FC}"/>
+              </a:ext>
+            </a:extLst>
+          </p:cNvPr>
+          <p:cNvPicPr>
+            <a:picLocks noChangeAspect="1"/>
+          </p:cNvPicPr>
+          <p:nvPr/>
+        </p:nvPicPr>
+        <p:blipFill>
+          <a:blip r:embed="rId2"/>
+          <a:stretch>
+            <a:fillRect/>
+          </a:stretch>
+        </p:blipFill>
+        <p:spPr>
+          <a:xfrm>
+            <a:off x="8706050" y="2836311"/>
+            <a:ext cx="3062052" cy="2652288"/>
+          </a:xfrm>
+          <a:prstGeom prst="rect">
+            <a:avLst/>
+          </a:prstGeom>
+          <a:effectLst>
+            <a:outerShdw blurRad="152400" dist="38100" dir="2700000" algn="tl" rotWithShape="0">
+              <a:prstClr val="black">
+                <a:alpha val="40000"/>
+              </a:prstClr>
+            </a:outerShdw>
+          </a:effectLst>
+        </p:spPr>
+      </p:pic>
       <p:sp>
         <p:nvSpPr>
           <p:cNvPr id="5" name="Rectangle 4">
@@ -12071,7 +11015,7 @@
             </a:pPr>
             <a:r>
               <a:rPr lang="en-US" dirty="0"/>
-              <a:t>Based on the data needs for our questions , the following records were not required and dropped from the data frame.</a:t>
+              <a:t>Based on the data needs for our questions, the following records were not required and dropped from the data frame.</a:t>
             </a:r>
           </a:p>
           <a:p>
@@ -12094,7 +11038,14 @@
             </a:pPr>
             <a:r>
               <a:rPr lang="en-US" dirty="0"/>
-              <a:t>The question is around investing in an Airbnb property so we are only interested in entire homes</a:t>
+              <a:t>The question is around investing in an Airbnb property</a:t>
+            </a:r>
+            <a:br>
+              <a:rPr lang="en-US" dirty="0"/>
+            </a:br>
+            <a:r>
+              <a:rPr lang="en-US" dirty="0"/>
+              <a:t>so we are only interested in entire homes</a:t>
             </a:r>
           </a:p>
           <a:p>
@@ -12145,7 +11096,14 @@
             </a:pPr>
             <a:r>
               <a:rPr lang="en-US" dirty="0"/>
-              <a:t>To focus on purely metropolitan properties we dropped listings to within 15km of CBD</a:t>
+              <a:t>To focus on purely metropolitan properties we</a:t>
+            </a:r>
+            <a:br>
+              <a:rPr lang="en-US" dirty="0"/>
+            </a:br>
+            <a:r>
+              <a:rPr lang="en-US" dirty="0"/>
+              <a:t>dropped listings to within 15km of CBD</a:t>
             </a:r>
           </a:p>
           <a:p>
@@ -12156,7 +11114,14 @@
             </a:pPr>
             <a:r>
               <a:rPr lang="en-US" dirty="0"/>
-              <a:t>Achieved by using latitude and longitude in data to determine the distance from the CBD</a:t>
+              <a:t>Achieved by using latitude and longitude in data to</a:t>
+            </a:r>
+            <a:br>
+              <a:rPr lang="en-US" dirty="0"/>
+            </a:br>
+            <a:r>
+              <a:rPr lang="en-US" dirty="0"/>
+              <a:t>determine the distance from the CBD</a:t>
             </a:r>
           </a:p>
           <a:p>
@@ -12261,6 +11226,53 @@
           </a:p>
         </p:txBody>
       </p:sp>
+      <p:pic>
+        <p:nvPicPr>
+          <p:cNvPr id="3074" name="Picture 2">
+            <a:extLst>
+              <a:ext uri="{FF2B5EF4-FFF2-40B4-BE49-F238E27FC236}">
+                <a16:creationId xmlns:a16="http://schemas.microsoft.com/office/drawing/2014/main" id="{2A02DC4D-0A45-9540-A869-B25F145FC739}"/>
+              </a:ext>
+            </a:extLst>
+          </p:cNvPr>
+          <p:cNvPicPr>
+            <a:picLocks noChangeAspect="1" noChangeArrowheads="1"/>
+          </p:cNvPicPr>
+          <p:nvPr/>
+        </p:nvPicPr>
+        <p:blipFill>
+          <a:blip r:embed="rId3">
+            <a:extLst>
+              <a:ext uri="{28A0092B-C50C-407E-A947-70E740481C1C}">
+                <a14:useLocalDpi xmlns:a14="http://schemas.microsoft.com/office/drawing/2010/main" val="0"/>
+              </a:ext>
+            </a:extLst>
+          </a:blip>
+          <a:srcRect/>
+          <a:stretch>
+            <a:fillRect/>
+          </a:stretch>
+        </p:blipFill>
+        <p:spPr bwMode="auto">
+          <a:xfrm>
+            <a:off x="9439840" y="3157135"/>
+            <a:ext cx="1903413" cy="1726042"/>
+          </a:xfrm>
+          <a:prstGeom prst="rect">
+            <a:avLst/>
+          </a:prstGeom>
+          <a:noFill/>
+          <a:extLst>
+            <a:ext uri="{909E8E84-426E-40DD-AFC4-6F175D3DCCD1}">
+              <a14:hiddenFill xmlns:a14="http://schemas.microsoft.com/office/drawing/2010/main">
+                <a:solidFill>
+                  <a:srgbClr val="FFFFFF"/>
+                </a:solidFill>
+              </a14:hiddenFill>
+            </a:ext>
+          </a:extLst>
+        </p:spPr>
+      </p:pic>
     </p:spTree>
     <p:extLst>
       <p:ext uri="{BB962C8B-B14F-4D97-AF65-F5344CB8AC3E}">
